--- a/class01/mini-project/05_cjh_ljw/05_mini_project.pptx
+++ b/class01/mini-project/05_cjh_ljw/05_mini_project.pptx
@@ -18,6 +18,7 @@
     <p:sldId id="265" r:id="rId13"/>
     <p:sldId id="266" r:id="rId14"/>
     <p:sldId id="267" r:id="rId15"/>
+    <p:sldId id="268" r:id="rId16"/>
   </p:sldIdLst>
   <p:sldSz cx="18288000" cy="10287000"/>
   <p:notesSz cx="7559675" cy="10691813"/>
@@ -75,7 +76,7 @@
         <p:txBody>
           <a:bodyPr/>
           <a:p>
-            <a:fld id="{D7B0F837-1C4F-4DC6-AD64-31499CEDE9D0}" type="slidenum">
+            <a:fld id="{B42EC26B-2EC0-4A8E-A1BE-F03A8AE8C0DC}" type="slidenum">
               <a:t>&lt;#&gt;</a:t>
             </a:fld>
           </a:p>
@@ -263,7 +264,7 @@
         <p:txBody>
           <a:bodyPr/>
           <a:p>
-            <a:fld id="{7DDFA999-22EC-4A5B-90E5-6BFA736BCEE9}" type="slidenum">
+            <a:fld id="{96D07045-CEC5-4E0D-8D7A-9C6D80EA8C44}" type="slidenum">
               <a:t>&lt;#&gt;</a:t>
             </a:fld>
           </a:p>
@@ -519,7 +520,7 @@
         <p:txBody>
           <a:bodyPr/>
           <a:p>
-            <a:fld id="{E2A37282-4FFD-4ABF-B920-C5521F961B60}" type="slidenum">
+            <a:fld id="{18245294-BDF3-4190-99D1-C00DBA9A5931}" type="slidenum">
               <a:t>&lt;#&gt;</a:t>
             </a:fld>
           </a:p>
@@ -843,7 +844,7 @@
         <p:txBody>
           <a:bodyPr/>
           <a:p>
-            <a:fld id="{CA4A47D7-A520-4AC3-B204-A099B9931F0F}" type="slidenum">
+            <a:fld id="{42AE959D-0D8F-43C3-988B-9D9FA432D505}" type="slidenum">
               <a:t>&lt;#&gt;</a:t>
             </a:fld>
           </a:p>
@@ -926,7 +927,7 @@
         <p:txBody>
           <a:bodyPr/>
           <a:p>
-            <a:fld id="{5C166A66-C117-47B9-974E-267E9489DA74}" type="slidenum">
+            <a:fld id="{77593A57-D85D-4742-96C1-273CF67F2FBE}" type="slidenum">
               <a:t>&lt;#&gt;</a:t>
             </a:fld>
           </a:p>
@@ -1083,7 +1084,7 @@
         <p:txBody>
           <a:bodyPr/>
           <a:p>
-            <a:fld id="{C1499F53-5A8C-4AE8-8A5D-5BC13F6C3999}" type="slidenum">
+            <a:fld id="{E3580190-F77A-44D5-B87C-8823A40ABB59}" type="slidenum">
               <a:t>&lt;#&gt;</a:t>
             </a:fld>
           </a:p>
@@ -1237,7 +1238,7 @@
         <p:txBody>
           <a:bodyPr/>
           <a:p>
-            <a:fld id="{8790C65F-C9EA-4C69-BEBD-BAB733C81C00}" type="slidenum">
+            <a:fld id="{6D8CD948-CE65-44A5-8067-ECFD534174A3}" type="slidenum">
               <a:t>&lt;#&gt;</a:t>
             </a:fld>
           </a:p>
@@ -1425,7 +1426,7 @@
         <p:txBody>
           <a:bodyPr/>
           <a:p>
-            <a:fld id="{33801AE7-1517-4A2E-9786-1EC79EEE594A}" type="slidenum">
+            <a:fld id="{7B2DFF14-ABE6-42C2-9400-8EE3AB6E70E0}" type="slidenum">
               <a:t>&lt;#&gt;</a:t>
             </a:fld>
           </a:p>
@@ -1545,7 +1546,7 @@
         <p:txBody>
           <a:bodyPr/>
           <a:p>
-            <a:fld id="{3FFD6995-244A-4BBB-9877-BD15582C0534}" type="slidenum">
+            <a:fld id="{964602D6-7703-43B8-ADCE-786CAA26F7C6}" type="slidenum">
               <a:t>&lt;#&gt;</a:t>
             </a:fld>
           </a:p>
@@ -1665,7 +1666,7 @@
         <p:txBody>
           <a:bodyPr/>
           <a:p>
-            <a:fld id="{CA0B0A31-604B-4113-A396-7C893FC0F514}" type="slidenum">
+            <a:fld id="{8AAA6151-D4E4-40CF-8AE4-09BCCA7642D1}" type="slidenum">
               <a:t>&lt;#&gt;</a:t>
             </a:fld>
           </a:p>
@@ -1887,7 +1888,7 @@
         <p:txBody>
           <a:bodyPr/>
           <a:p>
-            <a:fld id="{AE45C833-E84B-4400-8DEA-A89BFB0724EC}" type="slidenum">
+            <a:fld id="{2A2D89F0-E8FC-42E5-9F82-EAD07704C099}" type="slidenum">
               <a:t>&lt;#&gt;</a:t>
             </a:fld>
           </a:p>
@@ -2044,7 +2045,7 @@
         <p:txBody>
           <a:bodyPr/>
           <a:p>
-            <a:fld id="{BEF30D2F-1F59-4527-B655-F554634984D7}" type="slidenum">
+            <a:fld id="{1A86C5B5-EAE6-4A60-B381-466B03F68810}" type="slidenum">
               <a:t>&lt;#&gt;</a:t>
             </a:fld>
           </a:p>
@@ -2266,7 +2267,7 @@
         <p:txBody>
           <a:bodyPr/>
           <a:p>
-            <a:fld id="{26EAA8E7-EBD1-46A0-9399-4B010302F549}" type="slidenum">
+            <a:fld id="{A1F1B3F9-C863-4B92-AE9C-DE23D62BDC6E}" type="slidenum">
               <a:t>&lt;#&gt;</a:t>
             </a:fld>
           </a:p>
@@ -2488,7 +2489,7 @@
         <p:txBody>
           <a:bodyPr/>
           <a:p>
-            <a:fld id="{EE6D5FD7-B0ED-4E32-9FCE-B0E153A21E2E}" type="slidenum">
+            <a:fld id="{0B948332-7644-4E21-9ECF-20BDC26E2CF9}" type="slidenum">
               <a:t>&lt;#&gt;</a:t>
             </a:fld>
           </a:p>
@@ -2676,7 +2677,7 @@
         <p:txBody>
           <a:bodyPr/>
           <a:p>
-            <a:fld id="{DB4156C0-7EF1-43F6-B6F2-66D95EBE389B}" type="slidenum">
+            <a:fld id="{48FFB351-9A51-4323-B673-18D1AF6BA7F8}" type="slidenum">
               <a:t>&lt;#&gt;</a:t>
             </a:fld>
           </a:p>
@@ -2932,7 +2933,7 @@
         <p:txBody>
           <a:bodyPr/>
           <a:p>
-            <a:fld id="{61CC8928-FCBD-47DA-B13A-854BEE1A43A0}" type="slidenum">
+            <a:fld id="{EDA0E0FD-8E15-4007-A105-CBFCCC3C584B}" type="slidenum">
               <a:t>&lt;#&gt;</a:t>
             </a:fld>
           </a:p>
@@ -3256,7 +3257,7 @@
         <p:txBody>
           <a:bodyPr/>
           <a:p>
-            <a:fld id="{8C13203E-F71E-40B5-858C-D6DB110C089C}" type="slidenum">
+            <a:fld id="{595CF4DA-00CA-441E-A942-591A0C773980}" type="slidenum">
               <a:t>&lt;#&gt;</a:t>
             </a:fld>
           </a:p>
@@ -3410,7 +3411,7 @@
         <p:txBody>
           <a:bodyPr/>
           <a:p>
-            <a:fld id="{9CB7D2BE-098F-424E-8A8C-C9382D904FE2}" type="slidenum">
+            <a:fld id="{B7D28A84-BFDB-4CBD-989A-47992669ADD3}" type="slidenum">
               <a:t>&lt;#&gt;</a:t>
             </a:fld>
           </a:p>
@@ -3598,7 +3599,7 @@
         <p:txBody>
           <a:bodyPr/>
           <a:p>
-            <a:fld id="{717617A2-FC13-459A-866E-32C30BF08421}" type="slidenum">
+            <a:fld id="{300FF39C-9144-4BC8-B1FF-A1D78750D58D}" type="slidenum">
               <a:t>&lt;#&gt;</a:t>
             </a:fld>
           </a:p>
@@ -3718,7 +3719,7 @@
         <p:txBody>
           <a:bodyPr/>
           <a:p>
-            <a:fld id="{E9614512-224C-4B67-BE26-75A4581B1D92}" type="slidenum">
+            <a:fld id="{E2066BBB-17CE-4EC7-A45A-A535F42028E9}" type="slidenum">
               <a:t>&lt;#&gt;</a:t>
             </a:fld>
           </a:p>
@@ -3838,7 +3839,7 @@
         <p:txBody>
           <a:bodyPr/>
           <a:p>
-            <a:fld id="{E7DF5155-5D1B-4C85-BF6A-49711C9E82E1}" type="slidenum">
+            <a:fld id="{335946D3-A44F-4B08-B423-ECB7312C9033}" type="slidenum">
               <a:t>&lt;#&gt;</a:t>
             </a:fld>
           </a:p>
@@ -4060,7 +4061,7 @@
         <p:txBody>
           <a:bodyPr/>
           <a:p>
-            <a:fld id="{F901B126-FB9E-4CE8-8A60-F4E87259DF77}" type="slidenum">
+            <a:fld id="{EEC383B7-FF8F-46A6-8693-357CA12CE9C8}" type="slidenum">
               <a:t>&lt;#&gt;</a:t>
             </a:fld>
           </a:p>
@@ -4282,7 +4283,7 @@
         <p:txBody>
           <a:bodyPr/>
           <a:p>
-            <a:fld id="{0465888B-0D82-4E6A-AFCC-E47E369E0AED}" type="slidenum">
+            <a:fld id="{C762F1DC-10C5-4BEF-AE25-19250BC7A192}" type="slidenum">
               <a:t>&lt;#&gt;</a:t>
             </a:fld>
           </a:p>
@@ -4504,7 +4505,7 @@
         <p:txBody>
           <a:bodyPr/>
           <a:p>
-            <a:fld id="{C98CF422-FBEC-4187-AA89-F2B2E7826B98}" type="slidenum">
+            <a:fld id="{6AA6574C-92D8-47F9-B06E-34267EC389DE}" type="slidenum">
               <a:t>&lt;#&gt;</a:t>
             </a:fld>
           </a:p>
@@ -4573,7 +4574,7 @@
         <p:spPr>
           <a:xfrm>
             <a:off x="3124080" y="6356520"/>
-            <a:ext cx="2894760" cy="364320"/>
+            <a:ext cx="2894400" cy="363960"/>
           </a:xfrm>
           <a:prstGeom prst="rect">
             <a:avLst/>
@@ -4630,7 +4631,7 @@
         <p:spPr>
           <a:xfrm>
             <a:off x="6553080" y="6356520"/>
-            <a:ext cx="2133000" cy="364320"/>
+            <a:ext cx="2132640" cy="363960"/>
           </a:xfrm>
           <a:prstGeom prst="rect">
             <a:avLst/>
@@ -4665,7 +4666,7 @@
               </a:lnSpc>
               <a:buNone/>
             </a:pPr>
-            <a:fld id="{B01328BA-93D5-4929-BE6F-F8CFDF31CDD0}" type="slidenum">
+            <a:fld id="{6FFE469F-8F3A-45C1-9C2F-9FE21B9D869E}" type="slidenum">
               <a:rPr b="0" lang="en-US" sz="1200" spc="-1" strike="noStrike">
                 <a:solidFill>
                   <a:srgbClr val="8b8b8b"/>
@@ -4693,7 +4694,7 @@
         <p:spPr>
           <a:xfrm>
             <a:off x="457200" y="6356520"/>
-            <a:ext cx="2133000" cy="364320"/>
+            <a:ext cx="2132640" cy="363960"/>
           </a:xfrm>
           <a:prstGeom prst="rect">
             <a:avLst/>
@@ -5010,7 +5011,7 @@
         <p:spPr>
           <a:xfrm>
             <a:off x="3124080" y="6356520"/>
-            <a:ext cx="2893680" cy="363240"/>
+            <a:ext cx="2893320" cy="362880"/>
           </a:xfrm>
           <a:prstGeom prst="rect">
             <a:avLst/>
@@ -5067,7 +5068,7 @@
         <p:spPr>
           <a:xfrm>
             <a:off x="6553080" y="6356520"/>
-            <a:ext cx="2131920" cy="363240"/>
+            <a:ext cx="2131560" cy="362880"/>
           </a:xfrm>
           <a:prstGeom prst="rect">
             <a:avLst/>
@@ -5102,7 +5103,7 @@
               </a:lnSpc>
               <a:buNone/>
             </a:pPr>
-            <a:fld id="{E4D0269B-BBDB-42C4-AD7D-034A27C3EFCC}" type="slidenum">
+            <a:fld id="{454F1373-4A8E-4ED6-8E24-2B162A590EFF}" type="slidenum">
               <a:rPr b="0" lang="en-US" sz="1200" spc="-1" strike="noStrike">
                 <a:solidFill>
                   <a:srgbClr val="8b8b8b"/>
@@ -5130,7 +5131,7 @@
         <p:spPr>
           <a:xfrm>
             <a:off x="457200" y="6356520"/>
-            <a:ext cx="2131920" cy="363240"/>
+            <a:ext cx="2131560" cy="362880"/>
           </a:xfrm>
           <a:prstGeom prst="rect">
             <a:avLst/>
@@ -5443,9 +5444,9 @@
         <p:grpSpPr>
           <a:xfrm>
             <a:off x="2130120" y="1757880"/>
-            <a:ext cx="14027040" cy="6583320"/>
+            <a:ext cx="14026680" cy="6582960"/>
             <a:chOff x="2130120" y="1757880"/>
-            <a:chExt cx="14027040" cy="6583320"/>
+            <a:chExt cx="14026680" cy="6582960"/>
           </a:xfrm>
         </p:grpSpPr>
         <p:sp>
@@ -5457,7 +5458,7 @@
           <p:spPr>
             <a:xfrm>
               <a:off x="2130120" y="1945440"/>
-              <a:ext cx="14027040" cy="6395760"/>
+              <a:ext cx="14026680" cy="6395400"/>
             </a:xfrm>
             <a:custGeom>
               <a:avLst/>
@@ -5505,7 +5506,7 @@
           <p:spPr>
             <a:xfrm>
               <a:off x="2130120" y="1757880"/>
-              <a:ext cx="14027040" cy="6583320"/>
+              <a:ext cx="14026680" cy="6582960"/>
             </a:xfrm>
             <a:prstGeom prst="rect">
               <a:avLst/>
@@ -5532,9 +5533,9 @@
         <p:grpSpPr>
           <a:xfrm>
             <a:off x="1577880" y="3616560"/>
-            <a:ext cx="15113880" cy="2836440"/>
+            <a:ext cx="15113520" cy="2836080"/>
             <a:chOff x="1577880" y="3616560"/>
-            <a:chExt cx="15113880" cy="2836440"/>
+            <a:chExt cx="15113520" cy="2836080"/>
           </a:xfrm>
         </p:grpSpPr>
         <p:sp>
@@ -5545,8 +5546,8 @@
           </p:nvSpPr>
           <p:spPr>
             <a:xfrm rot="21386400">
-              <a:off x="1629000" y="4297320"/>
-              <a:ext cx="15024600" cy="1690200"/>
+              <a:off x="1629000" y="4296960"/>
+              <a:ext cx="15024240" cy="1689840"/>
             </a:xfrm>
             <a:custGeom>
               <a:avLst/>
@@ -5594,7 +5595,7 @@
           <p:spPr>
             <a:xfrm rot="21386400">
               <a:off x="1622520" y="4080960"/>
-              <a:ext cx="15024600" cy="1907280"/>
+              <a:ext cx="15024240" cy="1906920"/>
             </a:xfrm>
             <a:prstGeom prst="rect">
               <a:avLst/>
@@ -5621,7 +5622,7 @@
         <p:spPr>
           <a:xfrm>
             <a:off x="4752720" y="2782080"/>
-            <a:ext cx="8781480" cy="1528560"/>
+            <a:ext cx="8781120" cy="1528560"/>
           </a:xfrm>
           <a:prstGeom prst="rect">
             <a:avLst/>
@@ -5673,7 +5674,7 @@
         <p:spPr>
           <a:xfrm>
             <a:off x="3325680" y="6599160"/>
-            <a:ext cx="11635920" cy="888480"/>
+            <a:ext cx="11635560" cy="888480"/>
           </a:xfrm>
           <a:prstGeom prst="rect">
             <a:avLst/>
@@ -5755,7 +5756,7 @@
         <p:spPr>
           <a:xfrm>
             <a:off x="3325680" y="4097160"/>
-            <a:ext cx="11635920" cy="1955160"/>
+            <a:ext cx="11635560" cy="1955160"/>
           </a:xfrm>
           <a:prstGeom prst="rect">
             <a:avLst/>
@@ -5807,7 +5808,7 @@
         <p:spPr>
           <a:xfrm>
             <a:off x="685800" y="572400"/>
-            <a:ext cx="4800240" cy="1027440"/>
+            <a:ext cx="4799880" cy="1027080"/>
           </a:xfrm>
           <a:prstGeom prst="rect">
             <a:avLst/>
@@ -5840,31 +5841,51 @@
             </a:pPr>
             <a:r>
               <a:rPr b="0" lang="zh-CN" sz="2800" spc="-1" strike="noStrike">
+                <a:solidFill>
+                  <a:srgbClr val="000000"/>
+                </a:solidFill>
                 <a:latin typeface="Arial"/>
+                <a:ea typeface="DejaVu Sans"/>
               </a:rPr>
               <a:t>인텔 </a:t>
             </a:r>
             <a:r>
               <a:rPr b="0" lang="en-US" sz="2800" spc="-1" strike="noStrike">
+                <a:solidFill>
+                  <a:srgbClr val="000000"/>
+                </a:solidFill>
                 <a:latin typeface="Arial"/>
+                <a:ea typeface="DejaVu Sans"/>
               </a:rPr>
               <a:t>AI SW </a:t>
             </a:r>
             <a:r>
               <a:rPr b="0" lang="zh-CN" sz="2800" spc="-1" strike="noStrike">
+                <a:solidFill>
+                  <a:srgbClr val="000000"/>
+                </a:solidFill>
                 <a:latin typeface="Arial"/>
+                <a:ea typeface="DejaVu Sans"/>
               </a:rPr>
               <a:t>아카데미 </a:t>
             </a:r>
             <a:r>
               <a:rPr b="0" lang="en-US" sz="2800" spc="-1" strike="noStrike">
+                <a:solidFill>
+                  <a:srgbClr val="000000"/>
+                </a:solidFill>
                 <a:latin typeface="Arial"/>
+                <a:ea typeface="DejaVu Sans"/>
               </a:rPr>
               <a:t>4</a:t>
             </a:r>
             <a:r>
               <a:rPr b="0" lang="zh-CN" sz="2800" spc="-1" strike="noStrike">
+                <a:solidFill>
+                  <a:srgbClr val="000000"/>
+                </a:solidFill>
                 <a:latin typeface="Arial"/>
+                <a:ea typeface="DejaVu Sans"/>
               </a:rPr>
               <a:t>기</a:t>
             </a:r>
@@ -5883,7 +5904,7 @@
         <p:spPr>
           <a:xfrm>
             <a:off x="15544800" y="559800"/>
-            <a:ext cx="2742840" cy="1027440"/>
+            <a:ext cx="2742480" cy="1027080"/>
           </a:xfrm>
           <a:prstGeom prst="rect">
             <a:avLst/>
@@ -5916,7 +5937,11 @@
             </a:pPr>
             <a:r>
               <a:rPr b="0" lang="en-US" sz="2800" spc="-1" strike="noStrike">
+                <a:solidFill>
+                  <a:srgbClr val="000000"/>
+                </a:solidFill>
                 <a:latin typeface="Arial"/>
+                <a:ea typeface="DejaVu Sans"/>
               </a:rPr>
               <a:t>Mini Project</a:t>
             </a:r>
@@ -5965,28 +5990,28 @@
       </p:grpSpPr>
       <p:grpSp>
         <p:nvGrpSpPr>
-          <p:cNvPr id="189" name="Group 31"/>
+          <p:cNvPr id="190" name="Group 30"/>
           <p:cNvGrpSpPr/>
           <p:nvPr/>
         </p:nvGrpSpPr>
         <p:grpSpPr>
           <a:xfrm>
-            <a:off x="2085480" y="990360"/>
-            <a:ext cx="15087240" cy="1860840"/>
-            <a:chOff x="2085480" y="990360"/>
-            <a:chExt cx="15087240" cy="1860840"/>
+            <a:off x="1617480" y="990360"/>
+            <a:ext cx="15086880" cy="1860480"/>
+            <a:chOff x="1617480" y="990360"/>
+            <a:chExt cx="15086880" cy="1860480"/>
           </a:xfrm>
         </p:grpSpPr>
         <p:sp>
           <p:nvSpPr>
-            <p:cNvPr id="190" name="Freeform 26"/>
+            <p:cNvPr id="191" name="Freeform 25"/>
             <p:cNvSpPr/>
             <p:nvPr/>
           </p:nvSpPr>
           <p:spPr>
             <a:xfrm>
-              <a:off x="2085480" y="1356480"/>
-              <a:ext cx="15087240" cy="1494720"/>
+              <a:off x="1617480" y="1356480"/>
+              <a:ext cx="15086880" cy="1494360"/>
             </a:xfrm>
             <a:custGeom>
               <a:avLst/>
@@ -6027,14 +6052,14 @@
         </p:sp>
         <p:sp>
           <p:nvSpPr>
-            <p:cNvPr id="191" name="TextBox 47"/>
+            <p:cNvPr id="192" name="TextBox 40"/>
             <p:cNvSpPr/>
             <p:nvPr/>
           </p:nvSpPr>
           <p:spPr>
             <a:xfrm>
-              <a:off x="2085480" y="990360"/>
-              <a:ext cx="15087240" cy="1860840"/>
+              <a:off x="1617480" y="990360"/>
+              <a:ext cx="15086880" cy="1860480"/>
             </a:xfrm>
             <a:prstGeom prst="rect">
               <a:avLst/>
@@ -6054,28 +6079,28 @@
       </p:grpSp>
       <p:grpSp>
         <p:nvGrpSpPr>
-          <p:cNvPr id="192" name="Group 1"/>
+          <p:cNvPr id="193" name="Group 47"/>
           <p:cNvGrpSpPr/>
           <p:nvPr/>
         </p:nvGrpSpPr>
         <p:grpSpPr>
           <a:xfrm>
-            <a:off x="2049120" y="2778840"/>
-            <a:ext cx="15095520" cy="6857640"/>
-            <a:chOff x="2049120" y="2778840"/>
-            <a:chExt cx="15095520" cy="6857640"/>
+            <a:off x="1600200" y="2971440"/>
+            <a:ext cx="15094080" cy="6856200"/>
+            <a:chOff x="1600200" y="2971440"/>
+            <a:chExt cx="15094080" cy="6856200"/>
           </a:xfrm>
         </p:grpSpPr>
         <p:sp>
           <p:nvSpPr>
-            <p:cNvPr id="193" name="Freeform 1"/>
+            <p:cNvPr id="194" name="Freeform 46"/>
             <p:cNvSpPr/>
             <p:nvPr/>
           </p:nvSpPr>
           <p:spPr>
             <a:xfrm>
-              <a:off x="2049120" y="3080520"/>
-              <a:ext cx="15095520" cy="6555960"/>
+              <a:off x="1600200" y="3273120"/>
+              <a:ext cx="15094080" cy="6554520"/>
             </a:xfrm>
             <a:custGeom>
               <a:avLst/>
@@ -6159,14 +6184,40 @@
         </p:sp>
         <p:sp>
           <p:nvSpPr>
-            <p:cNvPr id="194" name="TextBox 2"/>
+            <p:cNvPr id="195" name="TextBox 96"/>
             <p:cNvSpPr/>
             <p:nvPr/>
           </p:nvSpPr>
           <p:spPr>
             <a:xfrm>
-              <a:off x="2049120" y="2778840"/>
-              <a:ext cx="15095520" cy="6857280"/>
+              <a:off x="1600200" y="2971440"/>
+              <a:ext cx="15094080" cy="6855840"/>
+            </a:xfrm>
+            <a:prstGeom prst="rect">
+              <a:avLst/>
+            </a:prstGeom>
+            <a:noFill/>
+            <a:ln w="0">
+              <a:noFill/>
+            </a:ln>
+          </p:spPr>
+          <p:style>
+            <a:lnRef idx="0"/>
+            <a:fillRef idx="0"/>
+            <a:effectRef idx="0"/>
+            <a:fontRef idx="minor"/>
+          </p:style>
+        </p:sp>
+        <p:sp>
+          <p:nvSpPr>
+            <p:cNvPr id="196" name=""/>
+            <p:cNvSpPr/>
+            <p:nvPr/>
+          </p:nvSpPr>
+          <p:spPr>
+            <a:xfrm>
+              <a:off x="2286000" y="5257440"/>
+              <a:ext cx="5484960" cy="1932120"/>
             </a:xfrm>
             <a:prstGeom prst="rect">
               <a:avLst/>
@@ -6186,14 +6237,14 @@
       </p:grpSp>
       <p:sp>
         <p:nvSpPr>
-          <p:cNvPr id="195" name="TextBox 45"/>
+          <p:cNvPr id="197" name="TextBox 97"/>
           <p:cNvSpPr/>
           <p:nvPr/>
         </p:nvSpPr>
         <p:spPr>
           <a:xfrm>
-            <a:off x="4161600" y="8697240"/>
-            <a:ext cx="3657240" cy="609480"/>
+            <a:off x="2665080" y="4343400"/>
+            <a:ext cx="6249240" cy="609120"/>
           </a:xfrm>
           <a:prstGeom prst="rect">
             <a:avLst/>
@@ -6214,38 +6265,52 @@
             <a:spAutoFit/>
           </a:bodyPr>
           <a:p>
-            <a:pPr>
+            <a:pPr marL="216000" indent="-216000">
               <a:lnSpc>
                 <a:spcPts val="4799"/>
               </a:lnSpc>
-              <a:buNone/>
+              <a:buClr>
+                <a:srgbClr val="000000"/>
+              </a:buClr>
+              <a:buFont typeface="Wingdings" charset="2"/>
+              <a:buChar char=""/>
             </a:pPr>
             <a:r>
-              <a:rPr b="0" lang="en-US" sz="2000" spc="-1" strike="noStrike">
+              <a:rPr b="0" lang="en-US" sz="4000" spc="-1" strike="noStrike">
                 <a:solidFill>
                   <a:srgbClr val="000000"/>
                 </a:solidFill>
                 <a:latin typeface="Montserrat Semi-Bold"/>
                 <a:ea typeface="DejaVu Sans"/>
               </a:rPr>
-              <a:t>Angry Precision &gt; 0.8</a:t>
-            </a:r>
-            <a:endParaRPr b="0" lang="en-US" sz="2000" spc="-1" strike="noStrike">
-              <a:latin typeface="Arial"/>
-            </a:endParaRPr>
-          </a:p>
-        </p:txBody>
-      </p:sp>
-      <p:sp>
-        <p:nvSpPr>
-          <p:cNvPr id="196" name="TextBox 48"/>
+              <a:t> </a:t>
+            </a:r>
+            <a:r>
+              <a:rPr b="0" lang="zh-CN" sz="4000" spc="-1" strike="noStrike">
+                <a:solidFill>
+                  <a:srgbClr val="000000"/>
+                </a:solidFill>
+                <a:latin typeface="Montserrat Semi-Bold"/>
+                <a:ea typeface="DejaVu Sans"/>
+              </a:rPr>
+              <a:t>코드 통합</a:t>
+            </a:r>
+            <a:endParaRPr b="0" lang="en-US" sz="4000" spc="-1" strike="noStrike">
+              <a:latin typeface="Arial"/>
+            </a:endParaRPr>
+          </a:p>
+        </p:txBody>
+      </p:sp>
+      <p:sp>
+        <p:nvSpPr>
+          <p:cNvPr id="198" name="TextBox 99"/>
           <p:cNvSpPr/>
           <p:nvPr/>
         </p:nvSpPr>
         <p:spPr>
           <a:xfrm>
             <a:off x="3753360" y="1688400"/>
-            <a:ext cx="10780200" cy="944280"/>
+            <a:ext cx="10778760" cy="944280"/>
           </a:xfrm>
           <a:prstGeom prst="rect">
             <a:avLst/>
@@ -6280,9 +6345,111 @@
                 <a:latin typeface="Montserrat Semi-Bold"/>
                 <a:ea typeface="DejaVu Sans"/>
               </a:rPr>
-              <a:t>시연 과정  </a:t>
+              <a:t>개발 과정 </a:t>
+            </a:r>
+            <a:r>
+              <a:rPr b="0" lang="en-US" sz="6200" spc="-1" strike="noStrike">
+                <a:solidFill>
+                  <a:srgbClr val="000000"/>
+                </a:solidFill>
+                <a:latin typeface="Montserrat Semi-Bold"/>
+                <a:ea typeface="DejaVu Sans"/>
+              </a:rPr>
+              <a:t>- </a:t>
+            </a:r>
+            <a:r>
+              <a:rPr b="0" lang="zh-CN" sz="6200" spc="-1" strike="noStrike">
+                <a:solidFill>
+                  <a:srgbClr val="000000"/>
+                </a:solidFill>
+                <a:latin typeface="Montserrat Semi-Bold"/>
+                <a:ea typeface="DejaVu Sans"/>
+              </a:rPr>
+              <a:t>코드 통합 </a:t>
             </a:r>
             <a:endParaRPr b="0" lang="en-US" sz="6200" spc="-1" strike="noStrike">
+              <a:latin typeface="Arial"/>
+            </a:endParaRPr>
+          </a:p>
+        </p:txBody>
+      </p:sp>
+      <p:sp>
+        <p:nvSpPr>
+          <p:cNvPr id="199" name=""/>
+          <p:cNvSpPr/>
+          <p:nvPr/>
+        </p:nvSpPr>
+        <p:spPr>
+          <a:xfrm>
+            <a:off x="2514600" y="5257800"/>
+            <a:ext cx="7085520" cy="3199320"/>
+          </a:xfrm>
+          <a:prstGeom prst="rect">
+            <a:avLst/>
+          </a:prstGeom>
+          <a:noFill/>
+          <a:ln w="0">
+            <a:noFill/>
+          </a:ln>
+        </p:spPr>
+        <p:style>
+          <a:lnRef idx="0"/>
+          <a:fillRef idx="0"/>
+          <a:effectRef idx="0"/>
+          <a:fontRef idx="minor"/>
+        </p:style>
+        <p:txBody>
+          <a:bodyPr lIns="90000" rIns="90000" tIns="45000" bIns="45000" anchor="t">
+            <a:noAutofit/>
+          </a:bodyPr>
+          <a:p>
+            <a:pPr>
+              <a:lnSpc>
+                <a:spcPct val="100000"/>
+              </a:lnSpc>
+              <a:buNone/>
+            </a:pPr>
+            <a:r>
+              <a:rPr b="0" lang="en-US" sz="2000" spc="-1" strike="noStrike">
+                <a:solidFill>
+                  <a:srgbClr val="000000"/>
+                </a:solidFill>
+                <a:latin typeface="Arial"/>
+                <a:ea typeface="DejaVu Sans"/>
+              </a:rPr>
+              <a:t>Script shell </a:t>
+            </a:r>
+            <a:r>
+              <a:rPr b="0" lang="zh-CN" sz="2000" spc="-1" strike="noStrike">
+                <a:solidFill>
+                  <a:srgbClr val="000000"/>
+                </a:solidFill>
+                <a:latin typeface="Arial"/>
+                <a:ea typeface="DejaVu Sans"/>
+              </a:rPr>
+              <a:t>명령어 형식의 </a:t>
+            </a:r>
+            <a:r>
+              <a:rPr b="0" lang="en-US" sz="2000" spc="-1" strike="noStrike">
+                <a:solidFill>
+                  <a:srgbClr val="000000"/>
+                </a:solidFill>
+                <a:latin typeface="Arial"/>
+                <a:ea typeface="DejaVu Sans"/>
+              </a:rPr>
+              <a:t>.sh</a:t>
+            </a:r>
+            <a:r>
+              <a:rPr b="0" lang="zh-CN" sz="2000" spc="-1" strike="noStrike">
+                <a:solidFill>
+                  <a:srgbClr val="000000"/>
+                </a:solidFill>
+                <a:latin typeface="Arial"/>
+                <a:ea typeface="DejaVu Sans"/>
+              </a:rPr>
+              <a:t>파일로 각 코드 순차적 실행</a:t>
+            </a:r>
+            <a:endParaRPr b="0" lang="en-US" sz="2000" spc="-1" strike="noStrike">
               <a:latin typeface="Arial"/>
             </a:endParaRPr>
           </a:p>
@@ -6290,7 +6457,7 @@
       </p:sp>
       <p:pic>
         <p:nvPicPr>
-          <p:cNvPr id="197" name="" descr=""/>
+          <p:cNvPr id="200" name="" descr=""/>
           <p:cNvPicPr/>
           <p:nvPr/>
         </p:nvPicPr>
@@ -6300,8 +6467,8 @@
         </p:blipFill>
         <p:spPr>
           <a:xfrm>
-            <a:off x="4114800" y="6858000"/>
-            <a:ext cx="2742840" cy="2057040"/>
+            <a:off x="3657600" y="6115320"/>
+            <a:ext cx="11761920" cy="3484800"/>
           </a:xfrm>
           <a:prstGeom prst="rect">
             <a:avLst/>
@@ -6311,885 +6478,6 @@
           </a:ln>
         </p:spPr>
       </p:pic>
-      <p:pic>
-        <p:nvPicPr>
-          <p:cNvPr id="198" name="" descr=""/>
-          <p:cNvPicPr/>
-          <p:nvPr/>
-        </p:nvPicPr>
-        <p:blipFill>
-          <a:blip r:embed="rId2"/>
-          <a:stretch/>
-        </p:blipFill>
-        <p:spPr>
-          <a:xfrm rot="21599400">
-            <a:off x="9300600" y="8145000"/>
-            <a:ext cx="5481720" cy="1415160"/>
-          </a:xfrm>
-          <a:prstGeom prst="rect">
-            <a:avLst/>
-          </a:prstGeom>
-          <a:ln w="0">
-            <a:noFill/>
-          </a:ln>
-        </p:spPr>
-      </p:pic>
-      <p:pic>
-        <p:nvPicPr>
-          <p:cNvPr id="199" name="" descr=""/>
-          <p:cNvPicPr/>
-          <p:nvPr/>
-        </p:nvPicPr>
-        <p:blipFill>
-          <a:blip r:embed="rId3"/>
-          <a:stretch/>
-        </p:blipFill>
-        <p:spPr>
-          <a:xfrm>
-            <a:off x="9660600" y="3429000"/>
-            <a:ext cx="2799720" cy="1456560"/>
-          </a:xfrm>
-          <a:prstGeom prst="rect">
-            <a:avLst/>
-          </a:prstGeom>
-          <a:ln w="0">
-            <a:noFill/>
-          </a:ln>
-        </p:spPr>
-      </p:pic>
-      <p:sp>
-        <p:nvSpPr>
-          <p:cNvPr id="200" name=""/>
-          <p:cNvSpPr/>
-          <p:nvPr/>
-        </p:nvSpPr>
-        <p:spPr>
-          <a:xfrm>
-            <a:off x="7315200" y="8502840"/>
-            <a:ext cx="1828440" cy="456840"/>
-          </a:xfrm>
-          <a:custGeom>
-            <a:avLst/>
-            <a:gdLst/>
-            <a:ahLst/>
-            <a:rect l="l" t="t" r="r" b="b"/>
-            <a:pathLst>
-              <a:path w="21600" h="21600">
-                <a:moveTo>
-                  <a:pt x="0" y="5400"/>
-                </a:moveTo>
-                <a:lnTo>
-                  <a:pt x="16200" y="5400"/>
-                </a:lnTo>
-                <a:lnTo>
-                  <a:pt x="16200" y="0"/>
-                </a:lnTo>
-                <a:lnTo>
-                  <a:pt x="21600" y="10800"/>
-                </a:lnTo>
-                <a:lnTo>
-                  <a:pt x="16200" y="21600"/>
-                </a:lnTo>
-                <a:lnTo>
-                  <a:pt x="16200" y="16200"/>
-                </a:lnTo>
-                <a:lnTo>
-                  <a:pt x="0" y="16200"/>
-                </a:lnTo>
-                <a:close/>
-              </a:path>
-            </a:pathLst>
-          </a:custGeom>
-          <a:solidFill>
-            <a:srgbClr val="729fcf"/>
-          </a:solidFill>
-          <a:ln w="0">
-            <a:solidFill>
-              <a:srgbClr val="3465a4"/>
-            </a:solidFill>
-          </a:ln>
-        </p:spPr>
-        <p:style>
-          <a:lnRef idx="0"/>
-          <a:fillRef idx="0"/>
-          <a:effectRef idx="0"/>
-          <a:fontRef idx="minor"/>
-        </p:style>
-      </p:sp>
-      <p:sp>
-        <p:nvSpPr>
-          <p:cNvPr id="201" name=""/>
-          <p:cNvSpPr/>
-          <p:nvPr/>
-        </p:nvSpPr>
-        <p:spPr>
-          <a:xfrm>
-            <a:off x="3423600" y="4009680"/>
-            <a:ext cx="3885840" cy="685440"/>
-          </a:xfrm>
-          <a:prstGeom prst="rect">
-            <a:avLst/>
-          </a:prstGeom>
-          <a:solidFill>
-            <a:srgbClr val="729fcf"/>
-          </a:solidFill>
-          <a:ln w="0">
-            <a:solidFill>
-              <a:srgbClr val="3465a4"/>
-            </a:solidFill>
-          </a:ln>
-        </p:spPr>
-        <p:style>
-          <a:lnRef idx="0"/>
-          <a:fillRef idx="0"/>
-          <a:effectRef idx="0"/>
-          <a:fontRef idx="minor"/>
-        </p:style>
-        <p:txBody>
-          <a:bodyPr lIns="90000" rIns="90000" tIns="45000" bIns="45000" anchor="ctr">
-            <a:noAutofit/>
-          </a:bodyPr>
-          <a:p>
-            <a:pPr algn="ctr">
-              <a:lnSpc>
-                <a:spcPct val="100000"/>
-              </a:lnSpc>
-              <a:buNone/>
-            </a:pPr>
-            <a:r>
-              <a:rPr b="0" lang="zh-CN" sz="1800" spc="-1" strike="noStrike">
-                <a:solidFill>
-                  <a:srgbClr val="000000"/>
-                </a:solidFill>
-                <a:latin typeface="Arial"/>
-                <a:ea typeface="DejaVu Sans"/>
-              </a:rPr>
-              <a:t>안면 감지 모델 </a:t>
-            </a:r>
-            <a:r>
-              <a:rPr b="0" lang="en-US" sz="1800" spc="-1" strike="noStrike">
-                <a:solidFill>
-                  <a:srgbClr val="000000"/>
-                </a:solidFill>
-                <a:latin typeface="Arial"/>
-                <a:ea typeface="DejaVu Sans"/>
-              </a:rPr>
-              <a:t>interactive_face_detection_demo</a:t>
-            </a:r>
-            <a:endParaRPr b="0" lang="en-US" sz="1800" spc="-1" strike="noStrike">
-              <a:latin typeface="Arial"/>
-            </a:endParaRPr>
-          </a:p>
-        </p:txBody>
-      </p:sp>
-      <p:sp>
-        <p:nvSpPr>
-          <p:cNvPr id="202" name=""/>
-          <p:cNvSpPr/>
-          <p:nvPr/>
-        </p:nvSpPr>
-        <p:spPr>
-          <a:xfrm>
-            <a:off x="3402720" y="5362920"/>
-            <a:ext cx="3885840" cy="685440"/>
-          </a:xfrm>
-          <a:prstGeom prst="rect">
-            <a:avLst/>
-          </a:prstGeom>
-          <a:solidFill>
-            <a:srgbClr val="729fcf"/>
-          </a:solidFill>
-          <a:ln w="0">
-            <a:solidFill>
-              <a:srgbClr val="3465a4"/>
-            </a:solidFill>
-          </a:ln>
-        </p:spPr>
-        <p:style>
-          <a:lnRef idx="0"/>
-          <a:fillRef idx="0"/>
-          <a:effectRef idx="0"/>
-          <a:fontRef idx="minor"/>
-        </p:style>
-        <p:txBody>
-          <a:bodyPr lIns="90000" rIns="90000" tIns="45000" bIns="45000" anchor="ctr">
-            <a:noAutofit/>
-          </a:bodyPr>
-          <a:p>
-            <a:pPr algn="ctr">
-              <a:lnSpc>
-                <a:spcPct val="100000"/>
-              </a:lnSpc>
-              <a:buNone/>
-            </a:pPr>
-            <a:r>
-              <a:rPr b="0" lang="zh-CN" sz="1800" spc="-1" strike="noStrike">
-                <a:solidFill>
-                  <a:srgbClr val="000000"/>
-                </a:solidFill>
-                <a:latin typeface="Arial"/>
-                <a:ea typeface="DejaVu Sans"/>
-              </a:rPr>
-              <a:t>감정 감지 모델 </a:t>
-            </a:r>
-            <a:r>
-              <a:rPr b="0" lang="en-US" sz="1800" spc="-1" strike="noStrike">
-                <a:solidFill>
-                  <a:srgbClr val="000000"/>
-                </a:solidFill>
-                <a:latin typeface="Arial"/>
-                <a:ea typeface="DejaVu Sans"/>
-              </a:rPr>
-              <a:t>interactive_face_detection_demo</a:t>
-            </a:r>
-            <a:endParaRPr b="0" lang="en-US" sz="1800" spc="-1" strike="noStrike">
-              <a:latin typeface="Arial"/>
-            </a:endParaRPr>
-          </a:p>
-        </p:txBody>
-      </p:sp>
-      <p:sp>
-        <p:nvSpPr>
-          <p:cNvPr id="203" name=""/>
-          <p:cNvSpPr/>
-          <p:nvPr/>
-        </p:nvSpPr>
-        <p:spPr>
-          <a:xfrm>
-            <a:off x="10107000" y="5556600"/>
-            <a:ext cx="3885840" cy="685440"/>
-          </a:xfrm>
-          <a:prstGeom prst="rect">
-            <a:avLst/>
-          </a:prstGeom>
-          <a:solidFill>
-            <a:srgbClr val="729fcf"/>
-          </a:solidFill>
-          <a:ln w="0">
-            <a:solidFill>
-              <a:srgbClr val="3465a4"/>
-            </a:solidFill>
-          </a:ln>
-        </p:spPr>
-        <p:style>
-          <a:lnRef idx="0"/>
-          <a:fillRef idx="0"/>
-          <a:effectRef idx="0"/>
-          <a:fontRef idx="minor"/>
-        </p:style>
-        <p:txBody>
-          <a:bodyPr lIns="90000" rIns="90000" tIns="45000" bIns="45000" anchor="ctr">
-            <a:noAutofit/>
-          </a:bodyPr>
-          <a:p>
-            <a:pPr algn="ctr">
-              <a:lnSpc>
-                <a:spcPct val="100000"/>
-              </a:lnSpc>
-              <a:buNone/>
-            </a:pPr>
-            <a:r>
-              <a:rPr b="0" lang="zh-CN" sz="1800" spc="-1" strike="noStrike">
-                <a:solidFill>
-                  <a:srgbClr val="000000"/>
-                </a:solidFill>
-                <a:latin typeface="Arial"/>
-                <a:ea typeface="DejaVu Sans"/>
-              </a:rPr>
-              <a:t>소리 감지 모델   </a:t>
-            </a:r>
-            <a:r>
-              <a:rPr b="0" lang="en-US" sz="1800" spc="-1" strike="noStrike">
-                <a:solidFill>
-                  <a:srgbClr val="000000"/>
-                </a:solidFill>
-                <a:latin typeface="Arial"/>
-                <a:ea typeface="DejaVu Sans"/>
-              </a:rPr>
-              <a:t>speech_to_wav2vec-demo</a:t>
-            </a:r>
-            <a:endParaRPr b="0" lang="en-US" sz="1800" spc="-1" strike="noStrike">
-              <a:latin typeface="Arial"/>
-            </a:endParaRPr>
-          </a:p>
-        </p:txBody>
-      </p:sp>
-      <p:sp>
-        <p:nvSpPr>
-          <p:cNvPr id="204" name=""/>
-          <p:cNvSpPr/>
-          <p:nvPr/>
-        </p:nvSpPr>
-        <p:spPr>
-          <a:xfrm>
-            <a:off x="5257800" y="4788000"/>
-            <a:ext cx="456840" cy="456840"/>
-          </a:xfrm>
-          <a:custGeom>
-            <a:avLst/>
-            <a:gdLst/>
-            <a:ahLst/>
-            <a:rect l="l" t="t" r="r" b="b"/>
-            <a:pathLst>
-              <a:path w="21600" h="21600">
-                <a:moveTo>
-                  <a:pt x="5400" y="0"/>
-                </a:moveTo>
-                <a:lnTo>
-                  <a:pt x="5400" y="16200"/>
-                </a:lnTo>
-                <a:lnTo>
-                  <a:pt x="0" y="16200"/>
-                </a:lnTo>
-                <a:lnTo>
-                  <a:pt x="10800" y="21600"/>
-                </a:lnTo>
-                <a:lnTo>
-                  <a:pt x="21600" y="16200"/>
-                </a:lnTo>
-                <a:lnTo>
-                  <a:pt x="16200" y="16200"/>
-                </a:lnTo>
-                <a:lnTo>
-                  <a:pt x="16200" y="0"/>
-                </a:lnTo>
-                <a:close/>
-              </a:path>
-            </a:pathLst>
-          </a:custGeom>
-          <a:solidFill>
-            <a:srgbClr val="729fcf"/>
-          </a:solidFill>
-          <a:ln w="0">
-            <a:solidFill>
-              <a:srgbClr val="3465a4"/>
-            </a:solidFill>
-          </a:ln>
-        </p:spPr>
-        <p:style>
-          <a:lnRef idx="0"/>
-          <a:fillRef idx="0"/>
-          <a:effectRef idx="0"/>
-          <a:fontRef idx="minor"/>
-        </p:style>
-      </p:sp>
-      <p:sp>
-        <p:nvSpPr>
-          <p:cNvPr id="205" name=""/>
-          <p:cNvSpPr/>
-          <p:nvPr/>
-        </p:nvSpPr>
-        <p:spPr>
-          <a:xfrm>
-            <a:off x="5258160" y="6228360"/>
-            <a:ext cx="456840" cy="456840"/>
-          </a:xfrm>
-          <a:custGeom>
-            <a:avLst/>
-            <a:gdLst/>
-            <a:ahLst/>
-            <a:rect l="l" t="t" r="r" b="b"/>
-            <a:pathLst>
-              <a:path w="21600" h="21600">
-                <a:moveTo>
-                  <a:pt x="5400" y="0"/>
-                </a:moveTo>
-                <a:lnTo>
-                  <a:pt x="5400" y="16200"/>
-                </a:lnTo>
-                <a:lnTo>
-                  <a:pt x="0" y="16200"/>
-                </a:lnTo>
-                <a:lnTo>
-                  <a:pt x="10800" y="21600"/>
-                </a:lnTo>
-                <a:lnTo>
-                  <a:pt x="21600" y="16200"/>
-                </a:lnTo>
-                <a:lnTo>
-                  <a:pt x="16200" y="16200"/>
-                </a:lnTo>
-                <a:lnTo>
-                  <a:pt x="16200" y="0"/>
-                </a:lnTo>
-                <a:close/>
-              </a:path>
-            </a:pathLst>
-          </a:custGeom>
-          <a:solidFill>
-            <a:srgbClr val="729fcf"/>
-          </a:solidFill>
-          <a:ln w="0">
-            <a:solidFill>
-              <a:srgbClr val="3465a4"/>
-            </a:solidFill>
-          </a:ln>
-        </p:spPr>
-        <p:style>
-          <a:lnRef idx="0"/>
-          <a:fillRef idx="0"/>
-          <a:effectRef idx="0"/>
-          <a:fontRef idx="minor"/>
-        </p:style>
-      </p:sp>
-      <p:sp>
-        <p:nvSpPr>
-          <p:cNvPr id="206" name=""/>
-          <p:cNvSpPr/>
-          <p:nvPr/>
-        </p:nvSpPr>
-        <p:spPr>
-          <a:xfrm>
-            <a:off x="11887200" y="6242400"/>
-            <a:ext cx="456840" cy="446040"/>
-          </a:xfrm>
-          <a:custGeom>
-            <a:avLst/>
-            <a:gdLst/>
-            <a:ahLst/>
-            <a:rect l="l" t="t" r="r" b="b"/>
-            <a:pathLst>
-              <a:path w="21600" h="21600">
-                <a:moveTo>
-                  <a:pt x="5400" y="21600"/>
-                </a:moveTo>
-                <a:lnTo>
-                  <a:pt x="5400" y="5400"/>
-                </a:lnTo>
-                <a:lnTo>
-                  <a:pt x="0" y="5400"/>
-                </a:lnTo>
-                <a:lnTo>
-                  <a:pt x="10800" y="0"/>
-                </a:lnTo>
-                <a:lnTo>
-                  <a:pt x="21600" y="5400"/>
-                </a:lnTo>
-                <a:lnTo>
-                  <a:pt x="16200" y="5400"/>
-                </a:lnTo>
-                <a:lnTo>
-                  <a:pt x="16200" y="21600"/>
-                </a:lnTo>
-                <a:close/>
-              </a:path>
-            </a:pathLst>
-          </a:custGeom>
-          <a:solidFill>
-            <a:srgbClr val="729fcf"/>
-          </a:solidFill>
-          <a:ln w="0">
-            <a:solidFill>
-              <a:srgbClr val="3465a4"/>
-            </a:solidFill>
-          </a:ln>
-        </p:spPr>
-        <p:style>
-          <a:lnRef idx="0"/>
-          <a:fillRef idx="0"/>
-          <a:effectRef idx="0"/>
-          <a:fontRef idx="minor"/>
-        </p:style>
-      </p:sp>
-      <p:sp>
-        <p:nvSpPr>
-          <p:cNvPr id="207" name=""/>
-          <p:cNvSpPr/>
-          <p:nvPr/>
-        </p:nvSpPr>
-        <p:spPr>
-          <a:xfrm>
-            <a:off x="10107000" y="6555600"/>
-            <a:ext cx="3885840" cy="1081440"/>
-          </a:xfrm>
-          <a:prstGeom prst="rect">
-            <a:avLst/>
-          </a:prstGeom>
-          <a:solidFill>
-            <a:srgbClr val="ffffff"/>
-          </a:solidFill>
-          <a:ln w="0">
-            <a:solidFill>
-              <a:srgbClr val="000000"/>
-            </a:solidFill>
-          </a:ln>
-        </p:spPr>
-        <p:style>
-          <a:lnRef idx="0"/>
-          <a:fillRef idx="0"/>
-          <a:effectRef idx="0"/>
-          <a:fontRef idx="minor"/>
-        </p:style>
-        <p:txBody>
-          <a:bodyPr lIns="90000" rIns="90000" tIns="45000" bIns="45000" anchor="ctr">
-            <a:noAutofit/>
-          </a:bodyPr>
-          <a:p>
-            <a:pPr>
-              <a:lnSpc>
-                <a:spcPct val="100000"/>
-              </a:lnSpc>
-              <a:buNone/>
-            </a:pPr>
-            <a:r>
-              <a:rPr b="0" lang="en-US" sz="1800" spc="-1" strike="noStrike">
-                <a:solidFill>
-                  <a:srgbClr val="000000"/>
-                </a:solidFill>
-                <a:latin typeface="Arial"/>
-                <a:ea typeface="DejaVu Sans"/>
-              </a:rPr>
-              <a:t>- 5</a:t>
-            </a:r>
-            <a:r>
-              <a:rPr b="0" lang="zh-CN" sz="1800" spc="-1" strike="noStrike">
-                <a:solidFill>
-                  <a:srgbClr val="000000"/>
-                </a:solidFill>
-                <a:latin typeface="Arial"/>
-                <a:ea typeface="DejaVu Sans"/>
-              </a:rPr>
-              <a:t>초간 </a:t>
-            </a:r>
-            <a:r>
-              <a:rPr b="0" lang="en-US" sz="1800" spc="-1" strike="noStrike">
-                <a:solidFill>
-                  <a:srgbClr val="000000"/>
-                </a:solidFill>
-                <a:latin typeface="Arial"/>
-                <a:ea typeface="DejaVu Sans"/>
-              </a:rPr>
-              <a:t>44.1kHz</a:t>
-            </a:r>
-            <a:r>
-              <a:rPr b="0" lang="zh-CN" sz="1800" spc="-1" strike="noStrike">
-                <a:solidFill>
-                  <a:srgbClr val="000000"/>
-                </a:solidFill>
-                <a:latin typeface="Arial"/>
-                <a:ea typeface="DejaVu Sans"/>
-              </a:rPr>
-              <a:t>로 녹음 </a:t>
-            </a:r>
-            <a:endParaRPr b="0" lang="en-US" sz="1800" spc="-1" strike="noStrike">
-              <a:latin typeface="Arial"/>
-            </a:endParaRPr>
-          </a:p>
-          <a:p>
-            <a:pPr>
-              <a:lnSpc>
-                <a:spcPct val="100000"/>
-              </a:lnSpc>
-              <a:buNone/>
-            </a:pPr>
-            <a:r>
-              <a:rPr b="0" lang="en-US" sz="1800" spc="-1" strike="noStrike">
-                <a:solidFill>
-                  <a:srgbClr val="000000"/>
-                </a:solidFill>
-                <a:latin typeface="Arial"/>
-                <a:ea typeface="DejaVu Sans"/>
-              </a:rPr>
-              <a:t>- ffmpeg</a:t>
-            </a:r>
-            <a:r>
-              <a:rPr b="0" lang="zh-CN" sz="1800" spc="-1" strike="noStrike">
-                <a:solidFill>
-                  <a:srgbClr val="000000"/>
-                </a:solidFill>
-                <a:latin typeface="Arial"/>
-                <a:ea typeface="DejaVu Sans"/>
-              </a:rPr>
-              <a:t>로 </a:t>
-            </a:r>
-            <a:r>
-              <a:rPr b="0" lang="en-US" sz="1800" spc="-1" strike="noStrike">
-                <a:solidFill>
-                  <a:srgbClr val="000000"/>
-                </a:solidFill>
-                <a:latin typeface="Arial"/>
-                <a:ea typeface="DejaVu Sans"/>
-              </a:rPr>
-              <a:t>16-bit, 16 kHz, mono-channel WAVE audio file</a:t>
-            </a:r>
-            <a:r>
-              <a:rPr b="0" lang="zh-CN" sz="1800" spc="-1" strike="noStrike">
-                <a:solidFill>
-                  <a:srgbClr val="000000"/>
-                </a:solidFill>
-                <a:latin typeface="Arial"/>
-                <a:ea typeface="DejaVu Sans"/>
-              </a:rPr>
-              <a:t>로 변환 </a:t>
-            </a:r>
-            <a:endParaRPr b="0" lang="en-US" sz="1800" spc="-1" strike="noStrike">
-              <a:latin typeface="Arial"/>
-            </a:endParaRPr>
-          </a:p>
-        </p:txBody>
-      </p:sp>
-      <p:sp>
-        <p:nvSpPr>
-          <p:cNvPr id="208" name=""/>
-          <p:cNvSpPr/>
-          <p:nvPr/>
-        </p:nvSpPr>
-        <p:spPr>
-          <a:xfrm>
-            <a:off x="11874600" y="7698600"/>
-            <a:ext cx="456840" cy="446040"/>
-          </a:xfrm>
-          <a:custGeom>
-            <a:avLst/>
-            <a:gdLst/>
-            <a:ahLst/>
-            <a:rect l="l" t="t" r="r" b="b"/>
-            <a:pathLst>
-              <a:path w="21600" h="21600">
-                <a:moveTo>
-                  <a:pt x="5400" y="21600"/>
-                </a:moveTo>
-                <a:lnTo>
-                  <a:pt x="5400" y="5400"/>
-                </a:lnTo>
-                <a:lnTo>
-                  <a:pt x="0" y="5400"/>
-                </a:lnTo>
-                <a:lnTo>
-                  <a:pt x="10800" y="0"/>
-                </a:lnTo>
-                <a:lnTo>
-                  <a:pt x="21600" y="5400"/>
-                </a:lnTo>
-                <a:lnTo>
-                  <a:pt x="16200" y="5400"/>
-                </a:lnTo>
-                <a:lnTo>
-                  <a:pt x="16200" y="21600"/>
-                </a:lnTo>
-                <a:close/>
-              </a:path>
-            </a:pathLst>
-          </a:custGeom>
-          <a:solidFill>
-            <a:srgbClr val="729fcf"/>
-          </a:solidFill>
-          <a:ln w="0">
-            <a:solidFill>
-              <a:srgbClr val="3465a4"/>
-            </a:solidFill>
-          </a:ln>
-        </p:spPr>
-        <p:style>
-          <a:lnRef idx="0"/>
-          <a:fillRef idx="0"/>
-          <a:effectRef idx="0"/>
-          <a:fontRef idx="minor"/>
-        </p:style>
-      </p:sp>
-      <p:sp>
-        <p:nvSpPr>
-          <p:cNvPr id="209" name=""/>
-          <p:cNvSpPr/>
-          <p:nvPr/>
-        </p:nvSpPr>
-        <p:spPr>
-          <a:xfrm rot="18760800">
-            <a:off x="11538000" y="4754160"/>
-            <a:ext cx="416160" cy="891360"/>
-          </a:xfrm>
-          <a:custGeom>
-            <a:avLst/>
-            <a:gdLst/>
-            <a:ahLst/>
-            <a:rect l="l" t="t" r="r" b="b"/>
-            <a:pathLst>
-              <a:path w="21600" h="21600">
-                <a:moveTo>
-                  <a:pt x="5400" y="21600"/>
-                </a:moveTo>
-                <a:lnTo>
-                  <a:pt x="5400" y="5400"/>
-                </a:lnTo>
-                <a:lnTo>
-                  <a:pt x="0" y="5400"/>
-                </a:lnTo>
-                <a:lnTo>
-                  <a:pt x="10800" y="0"/>
-                </a:lnTo>
-                <a:lnTo>
-                  <a:pt x="21600" y="5400"/>
-                </a:lnTo>
-                <a:lnTo>
-                  <a:pt x="16200" y="5400"/>
-                </a:lnTo>
-                <a:lnTo>
-                  <a:pt x="16200" y="21600"/>
-                </a:lnTo>
-                <a:close/>
-              </a:path>
-            </a:pathLst>
-          </a:custGeom>
-          <a:solidFill>
-            <a:srgbClr val="729fcf"/>
-          </a:solidFill>
-          <a:ln w="0">
-            <a:solidFill>
-              <a:srgbClr val="3465a4"/>
-            </a:solidFill>
-          </a:ln>
-        </p:spPr>
-        <p:style>
-          <a:lnRef idx="0"/>
-          <a:fillRef idx="0"/>
-          <a:effectRef idx="0"/>
-          <a:fontRef idx="minor"/>
-        </p:style>
-      </p:sp>
-      <p:pic>
-        <p:nvPicPr>
-          <p:cNvPr id="210" name="" descr=""/>
-          <p:cNvPicPr/>
-          <p:nvPr/>
-        </p:nvPicPr>
-        <p:blipFill>
-          <a:blip r:embed="rId4"/>
-          <a:stretch/>
-        </p:blipFill>
-        <p:spPr>
-          <a:xfrm>
-            <a:off x="12598920" y="3495960"/>
-            <a:ext cx="1828440" cy="1362600"/>
-          </a:xfrm>
-          <a:prstGeom prst="rect">
-            <a:avLst/>
-          </a:prstGeom>
-          <a:ln w="0">
-            <a:noFill/>
-          </a:ln>
-        </p:spPr>
-      </p:pic>
-      <p:sp>
-        <p:nvSpPr>
-          <p:cNvPr id="211" name=""/>
-          <p:cNvSpPr/>
-          <p:nvPr/>
-        </p:nvSpPr>
-        <p:spPr>
-          <a:xfrm rot="2705400">
-            <a:off x="12369960" y="4746960"/>
-            <a:ext cx="416160" cy="891360"/>
-          </a:xfrm>
-          <a:custGeom>
-            <a:avLst/>
-            <a:gdLst/>
-            <a:ahLst/>
-            <a:rect l="l" t="t" r="r" b="b"/>
-            <a:pathLst>
-              <a:path w="21600" h="21600">
-                <a:moveTo>
-                  <a:pt x="5400" y="21600"/>
-                </a:moveTo>
-                <a:lnTo>
-                  <a:pt x="5400" y="5400"/>
-                </a:lnTo>
-                <a:lnTo>
-                  <a:pt x="0" y="5400"/>
-                </a:lnTo>
-                <a:lnTo>
-                  <a:pt x="10800" y="0"/>
-                </a:lnTo>
-                <a:lnTo>
-                  <a:pt x="21600" y="5400"/>
-                </a:lnTo>
-                <a:lnTo>
-                  <a:pt x="16200" y="5400"/>
-                </a:lnTo>
-                <a:lnTo>
-                  <a:pt x="16200" y="21600"/>
-                </a:lnTo>
-                <a:close/>
-              </a:path>
-            </a:pathLst>
-          </a:custGeom>
-          <a:solidFill>
-            <a:srgbClr val="729fcf"/>
-          </a:solidFill>
-          <a:ln w="0">
-            <a:solidFill>
-              <a:srgbClr val="3465a4"/>
-            </a:solidFill>
-          </a:ln>
-        </p:spPr>
-        <p:style>
-          <a:lnRef idx="0"/>
-          <a:fillRef idx="0"/>
-          <a:effectRef idx="0"/>
-          <a:fontRef idx="minor"/>
-        </p:style>
-      </p:sp>
-      <p:sp>
-        <p:nvSpPr>
-          <p:cNvPr id="212" name="TextBox 3"/>
-          <p:cNvSpPr/>
-          <p:nvPr/>
-        </p:nvSpPr>
-        <p:spPr>
-          <a:xfrm flipH="1">
-            <a:off x="10320480" y="4647960"/>
-            <a:ext cx="1108440" cy="609480"/>
-          </a:xfrm>
-          <a:prstGeom prst="rect">
-            <a:avLst/>
-          </a:prstGeom>
-          <a:noFill/>
-          <a:ln w="0">
-            <a:noFill/>
-          </a:ln>
-        </p:spPr>
-        <p:style>
-          <a:lnRef idx="0"/>
-          <a:fillRef idx="0"/>
-          <a:effectRef idx="0"/>
-          <a:fontRef idx="minor"/>
-        </p:style>
-        <p:txBody>
-          <a:bodyPr lIns="0" rIns="0" tIns="0" bIns="0" anchor="t">
-            <a:spAutoFit/>
-          </a:bodyPr>
-          <a:p>
-            <a:pPr>
-              <a:lnSpc>
-                <a:spcPts val="4799"/>
-              </a:lnSpc>
-              <a:buNone/>
-            </a:pPr>
-            <a:r>
-              <a:rPr b="0" lang="en-US" sz="2000" spc="-1" strike="noStrike">
-                <a:solidFill>
-                  <a:srgbClr val="000000"/>
-                </a:solidFill>
-                <a:latin typeface="Montserrat Semi-Bold"/>
-                <a:ea typeface="DejaVu Sans"/>
-              </a:rPr>
-              <a:t>“</a:t>
-            </a:r>
-            <a:r>
-              <a:rPr b="0" lang="en-US" sz="2000" spc="-1" strike="noStrike">
-                <a:solidFill>
-                  <a:srgbClr val="000000"/>
-                </a:solidFill>
-                <a:latin typeface="Montserrat Semi-Bold"/>
-                <a:ea typeface="DejaVu Sans"/>
-              </a:rPr>
-              <a:t>Sorry”</a:t>
-            </a:r>
-            <a:endParaRPr b="0" lang="en-US" sz="2000" spc="-1" strike="noStrike">
-              <a:latin typeface="Arial"/>
-            </a:endParaRPr>
-          </a:p>
-        </p:txBody>
-      </p:sp>
     </p:spTree>
   </p:cSld>
   <mc:AlternateContent>
@@ -7229,28 +6517,117 @@
       </p:grpSpPr>
       <p:grpSp>
         <p:nvGrpSpPr>
-          <p:cNvPr id="213" name="Group 7"/>
+          <p:cNvPr id="201" name="Group 31"/>
           <p:cNvGrpSpPr/>
           <p:nvPr/>
         </p:nvGrpSpPr>
         <p:grpSpPr>
           <a:xfrm>
-            <a:off x="1509120" y="2778840"/>
-            <a:ext cx="15095520" cy="6857640"/>
-            <a:chOff x="1509120" y="2778840"/>
-            <a:chExt cx="15095520" cy="6857640"/>
+            <a:off x="2085480" y="990360"/>
+            <a:ext cx="15086880" cy="1860480"/>
+            <a:chOff x="2085480" y="990360"/>
+            <a:chExt cx="15086880" cy="1860480"/>
           </a:xfrm>
         </p:grpSpPr>
         <p:sp>
           <p:nvSpPr>
-            <p:cNvPr id="214" name="Freeform 7"/>
+            <p:cNvPr id="202" name="Freeform 26"/>
             <p:cNvSpPr/>
             <p:nvPr/>
           </p:nvSpPr>
           <p:spPr>
             <a:xfrm>
-              <a:off x="1509120" y="3080520"/>
-              <a:ext cx="15095520" cy="6555960"/>
+              <a:off x="2085480" y="1356480"/>
+              <a:ext cx="15086880" cy="1494360"/>
+            </a:xfrm>
+            <a:custGeom>
+              <a:avLst/>
+              <a:gdLst/>
+              <a:ahLst/>
+              <a:rect l="l" t="t" r="r" b="b"/>
+              <a:pathLst>
+                <a:path w="2107169" h="233764">
+                  <a:moveTo>
+                    <a:pt x="0" y="0"/>
+                  </a:moveTo>
+                  <a:lnTo>
+                    <a:pt x="2107169" y="0"/>
+                  </a:lnTo>
+                  <a:lnTo>
+                    <a:pt x="2107169" y="233764"/>
+                  </a:lnTo>
+                  <a:lnTo>
+                    <a:pt x="0" y="233764"/>
+                  </a:lnTo>
+                  <a:close/>
+                </a:path>
+              </a:pathLst>
+            </a:custGeom>
+            <a:solidFill>
+              <a:srgbClr val="ffffff"/>
+            </a:solidFill>
+            <a:ln w="0">
+              <a:noFill/>
+            </a:ln>
+          </p:spPr>
+          <p:style>
+            <a:lnRef idx="0"/>
+            <a:fillRef idx="0"/>
+            <a:effectRef idx="0"/>
+            <a:fontRef idx="minor"/>
+          </p:style>
+        </p:sp>
+        <p:sp>
+          <p:nvSpPr>
+            <p:cNvPr id="203" name="TextBox 47"/>
+            <p:cNvSpPr/>
+            <p:nvPr/>
+          </p:nvSpPr>
+          <p:spPr>
+            <a:xfrm>
+              <a:off x="2085480" y="990360"/>
+              <a:ext cx="15086880" cy="1860480"/>
+            </a:xfrm>
+            <a:prstGeom prst="rect">
+              <a:avLst/>
+            </a:prstGeom>
+            <a:noFill/>
+            <a:ln w="0">
+              <a:noFill/>
+            </a:ln>
+          </p:spPr>
+          <p:style>
+            <a:lnRef idx="0"/>
+            <a:fillRef idx="0"/>
+            <a:effectRef idx="0"/>
+            <a:fontRef idx="minor"/>
+          </p:style>
+        </p:sp>
+      </p:grpSp>
+      <p:grpSp>
+        <p:nvGrpSpPr>
+          <p:cNvPr id="204" name="Group 1"/>
+          <p:cNvGrpSpPr/>
+          <p:nvPr/>
+        </p:nvGrpSpPr>
+        <p:grpSpPr>
+          <a:xfrm>
+            <a:off x="2049120" y="2778840"/>
+            <a:ext cx="15095160" cy="6857280"/>
+            <a:chOff x="2049120" y="2778840"/>
+            <a:chExt cx="15095160" cy="6857280"/>
+          </a:xfrm>
+        </p:grpSpPr>
+        <p:sp>
+          <p:nvSpPr>
+            <p:cNvPr id="205" name="Freeform 1"/>
+            <p:cNvSpPr/>
+            <p:nvPr/>
+          </p:nvSpPr>
+          <p:spPr>
+            <a:xfrm>
+              <a:off x="2049120" y="3080520"/>
+              <a:ext cx="15095160" cy="6555600"/>
             </a:xfrm>
             <a:custGeom>
               <a:avLst/>
@@ -7334,14 +6711,1189 @@
         </p:sp>
         <p:sp>
           <p:nvSpPr>
-            <p:cNvPr id="215" name="TextBox 15"/>
+            <p:cNvPr id="206" name="TextBox 2"/>
+            <p:cNvSpPr/>
+            <p:nvPr/>
+          </p:nvSpPr>
+          <p:spPr>
+            <a:xfrm>
+              <a:off x="2049120" y="2778840"/>
+              <a:ext cx="15095160" cy="6856920"/>
+            </a:xfrm>
+            <a:prstGeom prst="rect">
+              <a:avLst/>
+            </a:prstGeom>
+            <a:noFill/>
+            <a:ln w="0">
+              <a:noFill/>
+            </a:ln>
+          </p:spPr>
+          <p:style>
+            <a:lnRef idx="0"/>
+            <a:fillRef idx="0"/>
+            <a:effectRef idx="0"/>
+            <a:fontRef idx="minor"/>
+          </p:style>
+        </p:sp>
+      </p:grpSp>
+      <p:sp>
+        <p:nvSpPr>
+          <p:cNvPr id="207" name="TextBox 45"/>
+          <p:cNvSpPr/>
+          <p:nvPr/>
+        </p:nvSpPr>
+        <p:spPr>
+          <a:xfrm>
+            <a:off x="4161600" y="8697240"/>
+            <a:ext cx="3656880" cy="609120"/>
+          </a:xfrm>
+          <a:prstGeom prst="rect">
+            <a:avLst/>
+          </a:prstGeom>
+          <a:noFill/>
+          <a:ln w="0">
+            <a:noFill/>
+          </a:ln>
+        </p:spPr>
+        <p:style>
+          <a:lnRef idx="0"/>
+          <a:fillRef idx="0"/>
+          <a:effectRef idx="0"/>
+          <a:fontRef idx="minor"/>
+        </p:style>
+        <p:txBody>
+          <a:bodyPr lIns="0" rIns="0" tIns="0" bIns="0" anchor="t">
+            <a:spAutoFit/>
+          </a:bodyPr>
+          <a:p>
+            <a:pPr>
+              <a:lnSpc>
+                <a:spcPts val="4799"/>
+              </a:lnSpc>
+              <a:buNone/>
+            </a:pPr>
+            <a:r>
+              <a:rPr b="0" lang="en-US" sz="2000" spc="-1" strike="noStrike">
+                <a:solidFill>
+                  <a:srgbClr val="000000"/>
+                </a:solidFill>
+                <a:latin typeface="Montserrat Semi-Bold"/>
+                <a:ea typeface="DejaVu Sans"/>
+              </a:rPr>
+              <a:t>Angry Precision &gt; 0.8</a:t>
+            </a:r>
+            <a:endParaRPr b="0" lang="en-US" sz="2000" spc="-1" strike="noStrike">
+              <a:latin typeface="Arial"/>
+            </a:endParaRPr>
+          </a:p>
+        </p:txBody>
+      </p:sp>
+      <p:sp>
+        <p:nvSpPr>
+          <p:cNvPr id="208" name="TextBox 48"/>
+          <p:cNvSpPr/>
+          <p:nvPr/>
+        </p:nvSpPr>
+        <p:spPr>
+          <a:xfrm>
+            <a:off x="3753360" y="1688400"/>
+            <a:ext cx="10779840" cy="944280"/>
+          </a:xfrm>
+          <a:prstGeom prst="rect">
+            <a:avLst/>
+          </a:prstGeom>
+          <a:noFill/>
+          <a:ln w="0">
+            <a:noFill/>
+          </a:ln>
+        </p:spPr>
+        <p:style>
+          <a:lnRef idx="0"/>
+          <a:fillRef idx="0"/>
+          <a:effectRef idx="0"/>
+          <a:fontRef idx="minor"/>
+        </p:style>
+        <p:txBody>
+          <a:bodyPr lIns="0" rIns="0" tIns="0" bIns="0" anchor="t">
+            <a:spAutoFit/>
+          </a:bodyPr>
+          <a:p>
+            <a:pPr algn="ctr">
+              <a:lnSpc>
+                <a:spcPts val="7438"/>
+              </a:lnSpc>
+              <a:buNone/>
+            </a:pPr>
+            <a:r>
+              <a:rPr b="0" lang="zh-CN" sz="6200" spc="-1" strike="noStrike">
+                <a:solidFill>
+                  <a:srgbClr val="000000"/>
+                </a:solidFill>
+                <a:latin typeface="Montserrat Semi-Bold"/>
+                <a:ea typeface="DejaVu Sans"/>
+              </a:rPr>
+              <a:t>시연 과정  </a:t>
+            </a:r>
+            <a:endParaRPr b="0" lang="en-US" sz="6200" spc="-1" strike="noStrike">
+              <a:latin typeface="Arial"/>
+            </a:endParaRPr>
+          </a:p>
+        </p:txBody>
+      </p:sp>
+      <p:pic>
+        <p:nvPicPr>
+          <p:cNvPr id="209" name="" descr=""/>
+          <p:cNvPicPr/>
+          <p:nvPr/>
+        </p:nvPicPr>
+        <p:blipFill>
+          <a:blip r:embed="rId1"/>
+          <a:stretch/>
+        </p:blipFill>
+        <p:spPr>
+          <a:xfrm>
+            <a:off x="4114800" y="6858000"/>
+            <a:ext cx="2742480" cy="2056680"/>
+          </a:xfrm>
+          <a:prstGeom prst="rect">
+            <a:avLst/>
+          </a:prstGeom>
+          <a:ln w="0">
+            <a:noFill/>
+          </a:ln>
+        </p:spPr>
+      </p:pic>
+      <p:pic>
+        <p:nvPicPr>
+          <p:cNvPr id="210" name="" descr=""/>
+          <p:cNvPicPr/>
+          <p:nvPr/>
+        </p:nvPicPr>
+        <p:blipFill>
+          <a:blip r:embed="rId2"/>
+          <a:stretch/>
+        </p:blipFill>
+        <p:spPr>
+          <a:xfrm rot="21599400">
+            <a:off x="9300600" y="8144640"/>
+            <a:ext cx="5481360" cy="1414800"/>
+          </a:xfrm>
+          <a:prstGeom prst="rect">
+            <a:avLst/>
+          </a:prstGeom>
+          <a:ln w="0">
+            <a:noFill/>
+          </a:ln>
+        </p:spPr>
+      </p:pic>
+      <p:pic>
+        <p:nvPicPr>
+          <p:cNvPr id="211" name="" descr=""/>
+          <p:cNvPicPr/>
+          <p:nvPr/>
+        </p:nvPicPr>
+        <p:blipFill>
+          <a:blip r:embed="rId3"/>
+          <a:stretch/>
+        </p:blipFill>
+        <p:spPr>
+          <a:xfrm>
+            <a:off x="9660600" y="3429000"/>
+            <a:ext cx="2799360" cy="1456200"/>
+          </a:xfrm>
+          <a:prstGeom prst="rect">
+            <a:avLst/>
+          </a:prstGeom>
+          <a:ln w="0">
+            <a:noFill/>
+          </a:ln>
+        </p:spPr>
+      </p:pic>
+      <p:sp>
+        <p:nvSpPr>
+          <p:cNvPr id="212" name=""/>
+          <p:cNvSpPr/>
+          <p:nvPr/>
+        </p:nvSpPr>
+        <p:spPr>
+          <a:xfrm>
+            <a:off x="7315200" y="8502840"/>
+            <a:ext cx="1828080" cy="456480"/>
+          </a:xfrm>
+          <a:custGeom>
+            <a:avLst/>
+            <a:gdLst/>
+            <a:ahLst/>
+            <a:rect l="l" t="t" r="r" b="b"/>
+            <a:pathLst>
+              <a:path w="21600" h="21600">
+                <a:moveTo>
+                  <a:pt x="0" y="5400"/>
+                </a:moveTo>
+                <a:lnTo>
+                  <a:pt x="16200" y="5400"/>
+                </a:lnTo>
+                <a:lnTo>
+                  <a:pt x="16200" y="0"/>
+                </a:lnTo>
+                <a:lnTo>
+                  <a:pt x="21600" y="10800"/>
+                </a:lnTo>
+                <a:lnTo>
+                  <a:pt x="16200" y="21600"/>
+                </a:lnTo>
+                <a:lnTo>
+                  <a:pt x="16200" y="16200"/>
+                </a:lnTo>
+                <a:lnTo>
+                  <a:pt x="0" y="16200"/>
+                </a:lnTo>
+                <a:close/>
+              </a:path>
+            </a:pathLst>
+          </a:custGeom>
+          <a:solidFill>
+            <a:srgbClr val="729fcf"/>
+          </a:solidFill>
+          <a:ln w="0">
+            <a:solidFill>
+              <a:srgbClr val="3465a4"/>
+            </a:solidFill>
+          </a:ln>
+        </p:spPr>
+        <p:style>
+          <a:lnRef idx="0"/>
+          <a:fillRef idx="0"/>
+          <a:effectRef idx="0"/>
+          <a:fontRef idx="minor"/>
+        </p:style>
+      </p:sp>
+      <p:sp>
+        <p:nvSpPr>
+          <p:cNvPr id="213" name=""/>
+          <p:cNvSpPr/>
+          <p:nvPr/>
+        </p:nvSpPr>
+        <p:spPr>
+          <a:xfrm>
+            <a:off x="3423600" y="4009680"/>
+            <a:ext cx="3885480" cy="685080"/>
+          </a:xfrm>
+          <a:prstGeom prst="rect">
+            <a:avLst/>
+          </a:prstGeom>
+          <a:solidFill>
+            <a:srgbClr val="729fcf"/>
+          </a:solidFill>
+          <a:ln w="0">
+            <a:solidFill>
+              <a:srgbClr val="3465a4"/>
+            </a:solidFill>
+          </a:ln>
+        </p:spPr>
+        <p:style>
+          <a:lnRef idx="0"/>
+          <a:fillRef idx="0"/>
+          <a:effectRef idx="0"/>
+          <a:fontRef idx="minor"/>
+        </p:style>
+        <p:txBody>
+          <a:bodyPr lIns="90000" rIns="90000" tIns="45000" bIns="45000" anchor="ctr">
+            <a:noAutofit/>
+          </a:bodyPr>
+          <a:p>
+            <a:pPr algn="ctr">
+              <a:lnSpc>
+                <a:spcPct val="100000"/>
+              </a:lnSpc>
+              <a:buNone/>
+            </a:pPr>
+            <a:r>
+              <a:rPr b="0" lang="zh-CN" sz="1800" spc="-1" strike="noStrike">
+                <a:solidFill>
+                  <a:srgbClr val="000000"/>
+                </a:solidFill>
+                <a:latin typeface="Arial"/>
+                <a:ea typeface="DejaVu Sans"/>
+              </a:rPr>
+              <a:t>안면 감지 모델 </a:t>
+            </a:r>
+            <a:r>
+              <a:rPr b="0" lang="en-US" sz="1800" spc="-1" strike="noStrike">
+                <a:solidFill>
+                  <a:srgbClr val="000000"/>
+                </a:solidFill>
+                <a:latin typeface="Arial"/>
+                <a:ea typeface="DejaVu Sans"/>
+              </a:rPr>
+              <a:t>interactive_face_detection_demo</a:t>
+            </a:r>
+            <a:endParaRPr b="0" lang="en-US" sz="1800" spc="-1" strike="noStrike">
+              <a:latin typeface="Arial"/>
+            </a:endParaRPr>
+          </a:p>
+        </p:txBody>
+      </p:sp>
+      <p:sp>
+        <p:nvSpPr>
+          <p:cNvPr id="214" name=""/>
+          <p:cNvSpPr/>
+          <p:nvPr/>
+        </p:nvSpPr>
+        <p:spPr>
+          <a:xfrm>
+            <a:off x="3402720" y="5362920"/>
+            <a:ext cx="3885480" cy="685080"/>
+          </a:xfrm>
+          <a:prstGeom prst="rect">
+            <a:avLst/>
+          </a:prstGeom>
+          <a:solidFill>
+            <a:srgbClr val="729fcf"/>
+          </a:solidFill>
+          <a:ln w="0">
+            <a:solidFill>
+              <a:srgbClr val="3465a4"/>
+            </a:solidFill>
+          </a:ln>
+        </p:spPr>
+        <p:style>
+          <a:lnRef idx="0"/>
+          <a:fillRef idx="0"/>
+          <a:effectRef idx="0"/>
+          <a:fontRef idx="minor"/>
+        </p:style>
+        <p:txBody>
+          <a:bodyPr lIns="90000" rIns="90000" tIns="45000" bIns="45000" anchor="ctr">
+            <a:noAutofit/>
+          </a:bodyPr>
+          <a:p>
+            <a:pPr algn="ctr">
+              <a:lnSpc>
+                <a:spcPct val="100000"/>
+              </a:lnSpc>
+              <a:buNone/>
+            </a:pPr>
+            <a:r>
+              <a:rPr b="0" lang="zh-CN" sz="1800" spc="-1" strike="noStrike">
+                <a:solidFill>
+                  <a:srgbClr val="000000"/>
+                </a:solidFill>
+                <a:latin typeface="Arial"/>
+                <a:ea typeface="DejaVu Sans"/>
+              </a:rPr>
+              <a:t>감정 감지 모델 </a:t>
+            </a:r>
+            <a:r>
+              <a:rPr b="0" lang="en-US" sz="1800" spc="-1" strike="noStrike">
+                <a:solidFill>
+                  <a:srgbClr val="000000"/>
+                </a:solidFill>
+                <a:latin typeface="Arial"/>
+                <a:ea typeface="DejaVu Sans"/>
+              </a:rPr>
+              <a:t>interactive_face_detection_demo</a:t>
+            </a:r>
+            <a:endParaRPr b="0" lang="en-US" sz="1800" spc="-1" strike="noStrike">
+              <a:latin typeface="Arial"/>
+            </a:endParaRPr>
+          </a:p>
+        </p:txBody>
+      </p:sp>
+      <p:sp>
+        <p:nvSpPr>
+          <p:cNvPr id="215" name=""/>
+          <p:cNvSpPr/>
+          <p:nvPr/>
+        </p:nvSpPr>
+        <p:spPr>
+          <a:xfrm>
+            <a:off x="10107000" y="5556600"/>
+            <a:ext cx="3885480" cy="685080"/>
+          </a:xfrm>
+          <a:prstGeom prst="rect">
+            <a:avLst/>
+          </a:prstGeom>
+          <a:solidFill>
+            <a:srgbClr val="729fcf"/>
+          </a:solidFill>
+          <a:ln w="0">
+            <a:solidFill>
+              <a:srgbClr val="3465a4"/>
+            </a:solidFill>
+          </a:ln>
+        </p:spPr>
+        <p:style>
+          <a:lnRef idx="0"/>
+          <a:fillRef idx="0"/>
+          <a:effectRef idx="0"/>
+          <a:fontRef idx="minor"/>
+        </p:style>
+        <p:txBody>
+          <a:bodyPr lIns="90000" rIns="90000" tIns="45000" bIns="45000" anchor="ctr">
+            <a:noAutofit/>
+          </a:bodyPr>
+          <a:p>
+            <a:pPr algn="ctr">
+              <a:lnSpc>
+                <a:spcPct val="100000"/>
+              </a:lnSpc>
+              <a:buNone/>
+            </a:pPr>
+            <a:r>
+              <a:rPr b="0" lang="zh-CN" sz="1800" spc="-1" strike="noStrike">
+                <a:solidFill>
+                  <a:srgbClr val="000000"/>
+                </a:solidFill>
+                <a:latin typeface="Arial"/>
+                <a:ea typeface="DejaVu Sans"/>
+              </a:rPr>
+              <a:t>소리 감지 모델   </a:t>
+            </a:r>
+            <a:r>
+              <a:rPr b="0" lang="en-US" sz="1800" spc="-1" strike="noStrike">
+                <a:solidFill>
+                  <a:srgbClr val="000000"/>
+                </a:solidFill>
+                <a:latin typeface="Arial"/>
+                <a:ea typeface="DejaVu Sans"/>
+              </a:rPr>
+              <a:t>speech_to_wav2vec-demo</a:t>
+            </a:r>
+            <a:endParaRPr b="0" lang="en-US" sz="1800" spc="-1" strike="noStrike">
+              <a:latin typeface="Arial"/>
+            </a:endParaRPr>
+          </a:p>
+        </p:txBody>
+      </p:sp>
+      <p:sp>
+        <p:nvSpPr>
+          <p:cNvPr id="216" name=""/>
+          <p:cNvSpPr/>
+          <p:nvPr/>
+        </p:nvSpPr>
+        <p:spPr>
+          <a:xfrm>
+            <a:off x="5257800" y="4788000"/>
+            <a:ext cx="456480" cy="456480"/>
+          </a:xfrm>
+          <a:custGeom>
+            <a:avLst/>
+            <a:gdLst/>
+            <a:ahLst/>
+            <a:rect l="l" t="t" r="r" b="b"/>
+            <a:pathLst>
+              <a:path w="21600" h="21600">
+                <a:moveTo>
+                  <a:pt x="5400" y="0"/>
+                </a:moveTo>
+                <a:lnTo>
+                  <a:pt x="5400" y="16200"/>
+                </a:lnTo>
+                <a:lnTo>
+                  <a:pt x="0" y="16200"/>
+                </a:lnTo>
+                <a:lnTo>
+                  <a:pt x="10800" y="21600"/>
+                </a:lnTo>
+                <a:lnTo>
+                  <a:pt x="21600" y="16200"/>
+                </a:lnTo>
+                <a:lnTo>
+                  <a:pt x="16200" y="16200"/>
+                </a:lnTo>
+                <a:lnTo>
+                  <a:pt x="16200" y="0"/>
+                </a:lnTo>
+                <a:close/>
+              </a:path>
+            </a:pathLst>
+          </a:custGeom>
+          <a:solidFill>
+            <a:srgbClr val="729fcf"/>
+          </a:solidFill>
+          <a:ln w="0">
+            <a:solidFill>
+              <a:srgbClr val="3465a4"/>
+            </a:solidFill>
+          </a:ln>
+        </p:spPr>
+        <p:style>
+          <a:lnRef idx="0"/>
+          <a:fillRef idx="0"/>
+          <a:effectRef idx="0"/>
+          <a:fontRef idx="minor"/>
+        </p:style>
+      </p:sp>
+      <p:sp>
+        <p:nvSpPr>
+          <p:cNvPr id="217" name=""/>
+          <p:cNvSpPr/>
+          <p:nvPr/>
+        </p:nvSpPr>
+        <p:spPr>
+          <a:xfrm>
+            <a:off x="5258160" y="6228360"/>
+            <a:ext cx="456480" cy="456480"/>
+          </a:xfrm>
+          <a:custGeom>
+            <a:avLst/>
+            <a:gdLst/>
+            <a:ahLst/>
+            <a:rect l="l" t="t" r="r" b="b"/>
+            <a:pathLst>
+              <a:path w="21600" h="21600">
+                <a:moveTo>
+                  <a:pt x="5400" y="0"/>
+                </a:moveTo>
+                <a:lnTo>
+                  <a:pt x="5400" y="16200"/>
+                </a:lnTo>
+                <a:lnTo>
+                  <a:pt x="0" y="16200"/>
+                </a:lnTo>
+                <a:lnTo>
+                  <a:pt x="10800" y="21600"/>
+                </a:lnTo>
+                <a:lnTo>
+                  <a:pt x="21600" y="16200"/>
+                </a:lnTo>
+                <a:lnTo>
+                  <a:pt x="16200" y="16200"/>
+                </a:lnTo>
+                <a:lnTo>
+                  <a:pt x="16200" y="0"/>
+                </a:lnTo>
+                <a:close/>
+              </a:path>
+            </a:pathLst>
+          </a:custGeom>
+          <a:solidFill>
+            <a:srgbClr val="729fcf"/>
+          </a:solidFill>
+          <a:ln w="0">
+            <a:solidFill>
+              <a:srgbClr val="3465a4"/>
+            </a:solidFill>
+          </a:ln>
+        </p:spPr>
+        <p:style>
+          <a:lnRef idx="0"/>
+          <a:fillRef idx="0"/>
+          <a:effectRef idx="0"/>
+          <a:fontRef idx="minor"/>
+        </p:style>
+      </p:sp>
+      <p:sp>
+        <p:nvSpPr>
+          <p:cNvPr id="218" name=""/>
+          <p:cNvSpPr/>
+          <p:nvPr/>
+        </p:nvSpPr>
+        <p:spPr>
+          <a:xfrm>
+            <a:off x="11887200" y="6242400"/>
+            <a:ext cx="456480" cy="445680"/>
+          </a:xfrm>
+          <a:custGeom>
+            <a:avLst/>
+            <a:gdLst/>
+            <a:ahLst/>
+            <a:rect l="l" t="t" r="r" b="b"/>
+            <a:pathLst>
+              <a:path w="21600" h="21600">
+                <a:moveTo>
+                  <a:pt x="5400" y="21600"/>
+                </a:moveTo>
+                <a:lnTo>
+                  <a:pt x="5400" y="5400"/>
+                </a:lnTo>
+                <a:lnTo>
+                  <a:pt x="0" y="5400"/>
+                </a:lnTo>
+                <a:lnTo>
+                  <a:pt x="10800" y="0"/>
+                </a:lnTo>
+                <a:lnTo>
+                  <a:pt x="21600" y="5400"/>
+                </a:lnTo>
+                <a:lnTo>
+                  <a:pt x="16200" y="5400"/>
+                </a:lnTo>
+                <a:lnTo>
+                  <a:pt x="16200" y="21600"/>
+                </a:lnTo>
+                <a:close/>
+              </a:path>
+            </a:pathLst>
+          </a:custGeom>
+          <a:solidFill>
+            <a:srgbClr val="729fcf"/>
+          </a:solidFill>
+          <a:ln w="0">
+            <a:solidFill>
+              <a:srgbClr val="3465a4"/>
+            </a:solidFill>
+          </a:ln>
+        </p:spPr>
+        <p:style>
+          <a:lnRef idx="0"/>
+          <a:fillRef idx="0"/>
+          <a:effectRef idx="0"/>
+          <a:fontRef idx="minor"/>
+        </p:style>
+      </p:sp>
+      <p:sp>
+        <p:nvSpPr>
+          <p:cNvPr id="219" name=""/>
+          <p:cNvSpPr/>
+          <p:nvPr/>
+        </p:nvSpPr>
+        <p:spPr>
+          <a:xfrm>
+            <a:off x="10107000" y="6555600"/>
+            <a:ext cx="3885480" cy="1081080"/>
+          </a:xfrm>
+          <a:prstGeom prst="rect">
+            <a:avLst/>
+          </a:prstGeom>
+          <a:solidFill>
+            <a:srgbClr val="ffffff"/>
+          </a:solidFill>
+          <a:ln w="0">
+            <a:solidFill>
+              <a:srgbClr val="000000"/>
+            </a:solidFill>
+          </a:ln>
+        </p:spPr>
+        <p:style>
+          <a:lnRef idx="0"/>
+          <a:fillRef idx="0"/>
+          <a:effectRef idx="0"/>
+          <a:fontRef idx="minor"/>
+        </p:style>
+        <p:txBody>
+          <a:bodyPr lIns="90000" rIns="90000" tIns="45000" bIns="45000" anchor="ctr">
+            <a:noAutofit/>
+          </a:bodyPr>
+          <a:p>
+            <a:pPr>
+              <a:lnSpc>
+                <a:spcPct val="100000"/>
+              </a:lnSpc>
+              <a:buNone/>
+            </a:pPr>
+            <a:r>
+              <a:rPr b="0" lang="en-US" sz="1800" spc="-1" strike="noStrike">
+                <a:solidFill>
+                  <a:srgbClr val="000000"/>
+                </a:solidFill>
+                <a:latin typeface="Arial"/>
+                <a:ea typeface="DejaVu Sans"/>
+              </a:rPr>
+              <a:t>- 5</a:t>
+            </a:r>
+            <a:r>
+              <a:rPr b="0" lang="zh-CN" sz="1800" spc="-1" strike="noStrike">
+                <a:solidFill>
+                  <a:srgbClr val="000000"/>
+                </a:solidFill>
+                <a:latin typeface="Arial"/>
+                <a:ea typeface="DejaVu Sans"/>
+              </a:rPr>
+              <a:t>초간 </a:t>
+            </a:r>
+            <a:r>
+              <a:rPr b="0" lang="en-US" sz="1800" spc="-1" strike="noStrike">
+                <a:solidFill>
+                  <a:srgbClr val="000000"/>
+                </a:solidFill>
+                <a:latin typeface="Arial"/>
+                <a:ea typeface="DejaVu Sans"/>
+              </a:rPr>
+              <a:t>44.1kHz</a:t>
+            </a:r>
+            <a:r>
+              <a:rPr b="0" lang="zh-CN" sz="1800" spc="-1" strike="noStrike">
+                <a:solidFill>
+                  <a:srgbClr val="000000"/>
+                </a:solidFill>
+                <a:latin typeface="Arial"/>
+                <a:ea typeface="DejaVu Sans"/>
+              </a:rPr>
+              <a:t>로 녹음 </a:t>
+            </a:r>
+            <a:endParaRPr b="0" lang="en-US" sz="1800" spc="-1" strike="noStrike">
+              <a:latin typeface="Arial"/>
+            </a:endParaRPr>
+          </a:p>
+          <a:p>
+            <a:pPr>
+              <a:lnSpc>
+                <a:spcPct val="100000"/>
+              </a:lnSpc>
+              <a:buNone/>
+            </a:pPr>
+            <a:r>
+              <a:rPr b="0" lang="en-US" sz="1800" spc="-1" strike="noStrike">
+                <a:solidFill>
+                  <a:srgbClr val="000000"/>
+                </a:solidFill>
+                <a:latin typeface="Arial"/>
+                <a:ea typeface="DejaVu Sans"/>
+              </a:rPr>
+              <a:t>- ffmpeg</a:t>
+            </a:r>
+            <a:r>
+              <a:rPr b="0" lang="zh-CN" sz="1800" spc="-1" strike="noStrike">
+                <a:solidFill>
+                  <a:srgbClr val="000000"/>
+                </a:solidFill>
+                <a:latin typeface="Arial"/>
+                <a:ea typeface="DejaVu Sans"/>
+              </a:rPr>
+              <a:t>로 </a:t>
+            </a:r>
+            <a:r>
+              <a:rPr b="0" lang="en-US" sz="1800" spc="-1" strike="noStrike">
+                <a:solidFill>
+                  <a:srgbClr val="000000"/>
+                </a:solidFill>
+                <a:latin typeface="Arial"/>
+                <a:ea typeface="DejaVu Sans"/>
+              </a:rPr>
+              <a:t>16-bit, 16 kHz, mono-channel WAVE audio file</a:t>
+            </a:r>
+            <a:r>
+              <a:rPr b="0" lang="zh-CN" sz="1800" spc="-1" strike="noStrike">
+                <a:solidFill>
+                  <a:srgbClr val="000000"/>
+                </a:solidFill>
+                <a:latin typeface="Arial"/>
+                <a:ea typeface="DejaVu Sans"/>
+              </a:rPr>
+              <a:t>로 변환 </a:t>
+            </a:r>
+            <a:endParaRPr b="0" lang="en-US" sz="1800" spc="-1" strike="noStrike">
+              <a:latin typeface="Arial"/>
+            </a:endParaRPr>
+          </a:p>
+        </p:txBody>
+      </p:sp>
+      <p:sp>
+        <p:nvSpPr>
+          <p:cNvPr id="220" name=""/>
+          <p:cNvSpPr/>
+          <p:nvPr/>
+        </p:nvSpPr>
+        <p:spPr>
+          <a:xfrm>
+            <a:off x="11874600" y="7698600"/>
+            <a:ext cx="456480" cy="445680"/>
+          </a:xfrm>
+          <a:custGeom>
+            <a:avLst/>
+            <a:gdLst/>
+            <a:ahLst/>
+            <a:rect l="l" t="t" r="r" b="b"/>
+            <a:pathLst>
+              <a:path w="21600" h="21600">
+                <a:moveTo>
+                  <a:pt x="5400" y="21600"/>
+                </a:moveTo>
+                <a:lnTo>
+                  <a:pt x="5400" y="5400"/>
+                </a:lnTo>
+                <a:lnTo>
+                  <a:pt x="0" y="5400"/>
+                </a:lnTo>
+                <a:lnTo>
+                  <a:pt x="10800" y="0"/>
+                </a:lnTo>
+                <a:lnTo>
+                  <a:pt x="21600" y="5400"/>
+                </a:lnTo>
+                <a:lnTo>
+                  <a:pt x="16200" y="5400"/>
+                </a:lnTo>
+                <a:lnTo>
+                  <a:pt x="16200" y="21600"/>
+                </a:lnTo>
+                <a:close/>
+              </a:path>
+            </a:pathLst>
+          </a:custGeom>
+          <a:solidFill>
+            <a:srgbClr val="729fcf"/>
+          </a:solidFill>
+          <a:ln w="0">
+            <a:solidFill>
+              <a:srgbClr val="3465a4"/>
+            </a:solidFill>
+          </a:ln>
+        </p:spPr>
+        <p:style>
+          <a:lnRef idx="0"/>
+          <a:fillRef idx="0"/>
+          <a:effectRef idx="0"/>
+          <a:fontRef idx="minor"/>
+        </p:style>
+      </p:sp>
+      <p:sp>
+        <p:nvSpPr>
+          <p:cNvPr id="221" name=""/>
+          <p:cNvSpPr/>
+          <p:nvPr/>
+        </p:nvSpPr>
+        <p:spPr>
+          <a:xfrm rot="18760800">
+            <a:off x="11537640" y="4754160"/>
+            <a:ext cx="415800" cy="891000"/>
+          </a:xfrm>
+          <a:custGeom>
+            <a:avLst/>
+            <a:gdLst/>
+            <a:ahLst/>
+            <a:rect l="l" t="t" r="r" b="b"/>
+            <a:pathLst>
+              <a:path w="21600" h="21600">
+                <a:moveTo>
+                  <a:pt x="5400" y="21600"/>
+                </a:moveTo>
+                <a:lnTo>
+                  <a:pt x="5400" y="5400"/>
+                </a:lnTo>
+                <a:lnTo>
+                  <a:pt x="0" y="5400"/>
+                </a:lnTo>
+                <a:lnTo>
+                  <a:pt x="10800" y="0"/>
+                </a:lnTo>
+                <a:lnTo>
+                  <a:pt x="21600" y="5400"/>
+                </a:lnTo>
+                <a:lnTo>
+                  <a:pt x="16200" y="5400"/>
+                </a:lnTo>
+                <a:lnTo>
+                  <a:pt x="16200" y="21600"/>
+                </a:lnTo>
+                <a:close/>
+              </a:path>
+            </a:pathLst>
+          </a:custGeom>
+          <a:solidFill>
+            <a:srgbClr val="729fcf"/>
+          </a:solidFill>
+          <a:ln w="0">
+            <a:solidFill>
+              <a:srgbClr val="3465a4"/>
+            </a:solidFill>
+          </a:ln>
+        </p:spPr>
+        <p:style>
+          <a:lnRef idx="0"/>
+          <a:fillRef idx="0"/>
+          <a:effectRef idx="0"/>
+          <a:fontRef idx="minor"/>
+        </p:style>
+      </p:sp>
+      <p:pic>
+        <p:nvPicPr>
+          <p:cNvPr id="222" name="" descr=""/>
+          <p:cNvPicPr/>
+          <p:nvPr/>
+        </p:nvPicPr>
+        <p:blipFill>
+          <a:blip r:embed="rId4"/>
+          <a:stretch/>
+        </p:blipFill>
+        <p:spPr>
+          <a:xfrm>
+            <a:off x="12598920" y="3495960"/>
+            <a:ext cx="1828080" cy="1362240"/>
+          </a:xfrm>
+          <a:prstGeom prst="rect">
+            <a:avLst/>
+          </a:prstGeom>
+          <a:ln w="0">
+            <a:noFill/>
+          </a:ln>
+        </p:spPr>
+      </p:pic>
+      <p:sp>
+        <p:nvSpPr>
+          <p:cNvPr id="223" name=""/>
+          <p:cNvSpPr/>
+          <p:nvPr/>
+        </p:nvSpPr>
+        <p:spPr>
+          <a:xfrm rot="2705400">
+            <a:off x="12369960" y="4746960"/>
+            <a:ext cx="415800" cy="891000"/>
+          </a:xfrm>
+          <a:custGeom>
+            <a:avLst/>
+            <a:gdLst/>
+            <a:ahLst/>
+            <a:rect l="l" t="t" r="r" b="b"/>
+            <a:pathLst>
+              <a:path w="21600" h="21600">
+                <a:moveTo>
+                  <a:pt x="5400" y="21600"/>
+                </a:moveTo>
+                <a:lnTo>
+                  <a:pt x="5400" y="5400"/>
+                </a:lnTo>
+                <a:lnTo>
+                  <a:pt x="0" y="5400"/>
+                </a:lnTo>
+                <a:lnTo>
+                  <a:pt x="10800" y="0"/>
+                </a:lnTo>
+                <a:lnTo>
+                  <a:pt x="21600" y="5400"/>
+                </a:lnTo>
+                <a:lnTo>
+                  <a:pt x="16200" y="5400"/>
+                </a:lnTo>
+                <a:lnTo>
+                  <a:pt x="16200" y="21600"/>
+                </a:lnTo>
+                <a:close/>
+              </a:path>
+            </a:pathLst>
+          </a:custGeom>
+          <a:solidFill>
+            <a:srgbClr val="729fcf"/>
+          </a:solidFill>
+          <a:ln w="0">
+            <a:solidFill>
+              <a:srgbClr val="3465a4"/>
+            </a:solidFill>
+          </a:ln>
+        </p:spPr>
+        <p:style>
+          <a:lnRef idx="0"/>
+          <a:fillRef idx="0"/>
+          <a:effectRef idx="0"/>
+          <a:fontRef idx="minor"/>
+        </p:style>
+      </p:sp>
+      <p:sp>
+        <p:nvSpPr>
+          <p:cNvPr id="224" name="TextBox 3"/>
+          <p:cNvSpPr/>
+          <p:nvPr/>
+        </p:nvSpPr>
+        <p:spPr>
+          <a:xfrm flipH="1">
+            <a:off x="10320480" y="4647960"/>
+            <a:ext cx="1108080" cy="609120"/>
+          </a:xfrm>
+          <a:prstGeom prst="rect">
+            <a:avLst/>
+          </a:prstGeom>
+          <a:noFill/>
+          <a:ln w="0">
+            <a:noFill/>
+          </a:ln>
+        </p:spPr>
+        <p:style>
+          <a:lnRef idx="0"/>
+          <a:fillRef idx="0"/>
+          <a:effectRef idx="0"/>
+          <a:fontRef idx="minor"/>
+        </p:style>
+        <p:txBody>
+          <a:bodyPr lIns="0" rIns="0" tIns="0" bIns="0" anchor="t">
+            <a:spAutoFit/>
+          </a:bodyPr>
+          <a:p>
+            <a:pPr>
+              <a:lnSpc>
+                <a:spcPts val="4799"/>
+              </a:lnSpc>
+              <a:buNone/>
+            </a:pPr>
+            <a:r>
+              <a:rPr b="0" lang="en-US" sz="2000" spc="-1" strike="noStrike">
+                <a:solidFill>
+                  <a:srgbClr val="000000"/>
+                </a:solidFill>
+                <a:latin typeface="Montserrat Semi-Bold"/>
+                <a:ea typeface="DejaVu Sans"/>
+              </a:rPr>
+              <a:t>“</a:t>
+            </a:r>
+            <a:r>
+              <a:rPr b="0" lang="en-US" sz="2000" spc="-1" strike="noStrike">
+                <a:solidFill>
+                  <a:srgbClr val="000000"/>
+                </a:solidFill>
+                <a:latin typeface="Montserrat Semi-Bold"/>
+                <a:ea typeface="DejaVu Sans"/>
+              </a:rPr>
+              <a:t>Sorry”</a:t>
+            </a:r>
+            <a:endParaRPr b="0" lang="en-US" sz="2000" spc="-1" strike="noStrike">
+              <a:latin typeface="Arial"/>
+            </a:endParaRPr>
+          </a:p>
+        </p:txBody>
+      </p:sp>
+    </p:spTree>
+  </p:cSld>
+  <mc:AlternateContent>
+    <mc:Choice Requires="p14">
+      <p:transition spd="slow" p14:dur="2000"/>
+    </mc:Choice>
+    <mc:Fallback>
+      <p:transition spd="slow"/>
+    </mc:Fallback>
+  </mc:AlternateContent>
+</p:sld>
+</file>
+
+<file path=ppt/slides/slide12.xml><?xml version="1.0" encoding="utf-8"?>
+<p:sld xmlns:a="http://schemas.openxmlformats.org/drawingml/2006/main" xmlns:p="http://schemas.openxmlformats.org/presentationml/2006/main" xmlns:r="http://schemas.openxmlformats.org/officeDocument/2006/relationships" xmlns:p14="http://schemas.microsoft.com/office/powerpoint/2010/main" xmlns:p15="http://schemas.microsoft.com/office/powerpoint/2012/main" xmlns:mc="http://schemas.openxmlformats.org/markup-compatibility/2006">
+  <p:cSld>
+    <p:bg>
+      <p:bgPr>
+        <a:solidFill>
+          <a:srgbClr val="efefef"/>
+        </a:solidFill>
+      </p:bgPr>
+    </p:bg>
+    <p:spTree>
+      <p:nvGrpSpPr>
+        <p:cNvPr id="1" name=""/>
+        <p:cNvGrpSpPr/>
+        <p:nvPr/>
+      </p:nvGrpSpPr>
+      <p:grpSpPr>
+        <a:xfrm>
+          <a:off x="0" y="0"/>
+          <a:ext cx="0" cy="0"/>
+          <a:chOff x="0" y="0"/>
+          <a:chExt cx="0" cy="0"/>
+        </a:xfrm>
+      </p:grpSpPr>
+      <p:grpSp>
+        <p:nvGrpSpPr>
+          <p:cNvPr id="225" name="Group 7"/>
+          <p:cNvGrpSpPr/>
+          <p:nvPr/>
+        </p:nvGrpSpPr>
+        <p:grpSpPr>
+          <a:xfrm>
+            <a:off x="1509120" y="2778840"/>
+            <a:ext cx="15095160" cy="6857280"/>
+            <a:chOff x="1509120" y="2778840"/>
+            <a:chExt cx="15095160" cy="6857280"/>
+          </a:xfrm>
+        </p:grpSpPr>
+        <p:sp>
+          <p:nvSpPr>
+            <p:cNvPr id="226" name="Freeform 7"/>
+            <p:cNvSpPr/>
+            <p:nvPr/>
+          </p:nvSpPr>
+          <p:spPr>
+            <a:xfrm>
+              <a:off x="1509120" y="3080520"/>
+              <a:ext cx="15095160" cy="6555600"/>
+            </a:xfrm>
+            <a:custGeom>
+              <a:avLst/>
+              <a:gdLst/>
+              <a:ahLst/>
+              <a:rect l="l" t="t" r="r" b="b"/>
+              <a:pathLst>
+                <a:path w="1763798" h="1242233">
+                  <a:moveTo>
+                    <a:pt x="58958" y="0"/>
+                  </a:moveTo>
+                  <a:lnTo>
+                    <a:pt x="1704839" y="0"/>
+                  </a:lnTo>
+                  <a:cubicBezTo>
+                    <a:pt x="1720476" y="0"/>
+                    <a:pt x="1735472" y="6212"/>
+                    <a:pt x="1746529" y="17268"/>
+                  </a:cubicBezTo>
+                  <a:cubicBezTo>
+                    <a:pt x="1757586" y="28325"/>
+                    <a:pt x="1763798" y="43321"/>
+                    <a:pt x="1763798" y="58958"/>
+                  </a:cubicBezTo>
+                  <a:lnTo>
+                    <a:pt x="1763798" y="1183275"/>
+                  </a:lnTo>
+                  <a:cubicBezTo>
+                    <a:pt x="1763798" y="1198911"/>
+                    <a:pt x="1757586" y="1213908"/>
+                    <a:pt x="1746529" y="1224964"/>
+                  </a:cubicBezTo>
+                  <a:cubicBezTo>
+                    <a:pt x="1735472" y="1236021"/>
+                    <a:pt x="1720476" y="1242233"/>
+                    <a:pt x="1704839" y="1242233"/>
+                  </a:cubicBezTo>
+                  <a:lnTo>
+                    <a:pt x="58958" y="1242233"/>
+                  </a:lnTo>
+                  <a:cubicBezTo>
+                    <a:pt x="43321" y="1242233"/>
+                    <a:pt x="28325" y="1236021"/>
+                    <a:pt x="17268" y="1224964"/>
+                  </a:cubicBezTo>
+                  <a:cubicBezTo>
+                    <a:pt x="6212" y="1213908"/>
+                    <a:pt x="0" y="1198911"/>
+                    <a:pt x="0" y="1183275"/>
+                  </a:cubicBezTo>
+                  <a:lnTo>
+                    <a:pt x="0" y="58958"/>
+                  </a:lnTo>
+                  <a:cubicBezTo>
+                    <a:pt x="0" y="43321"/>
+                    <a:pt x="6212" y="28325"/>
+                    <a:pt x="17268" y="17268"/>
+                  </a:cubicBezTo>
+                  <a:cubicBezTo>
+                    <a:pt x="28325" y="6212"/>
+                    <a:pt x="43321" y="0"/>
+                    <a:pt x="58958" y="0"/>
+                  </a:cubicBezTo>
+                  <a:close/>
+                </a:path>
+              </a:pathLst>
+            </a:custGeom>
+            <a:solidFill>
+              <a:srgbClr val="ffffff"/>
+            </a:solidFill>
+            <a:ln w="0">
+              <a:noFill/>
+            </a:ln>
+          </p:spPr>
+          <p:style>
+            <a:lnRef idx="0"/>
+            <a:fillRef idx="0"/>
+            <a:effectRef idx="0"/>
+            <a:fontRef idx="minor"/>
+          </p:style>
+        </p:sp>
+        <p:sp>
+          <p:nvSpPr>
+            <p:cNvPr id="227" name="TextBox 15"/>
             <p:cNvSpPr/>
             <p:nvPr/>
           </p:nvSpPr>
           <p:spPr>
             <a:xfrm>
               <a:off x="1509120" y="2778840"/>
-              <a:ext cx="15095520" cy="6857280"/>
+              <a:ext cx="15095160" cy="6856920"/>
             </a:xfrm>
             <a:prstGeom prst="rect">
               <a:avLst/>
@@ -7361,28 +7913,28 @@
       </p:grpSp>
       <p:grpSp>
         <p:nvGrpSpPr>
-          <p:cNvPr id="216" name="Group 4"/>
+          <p:cNvPr id="228" name="Group 4"/>
           <p:cNvGrpSpPr/>
           <p:nvPr/>
         </p:nvGrpSpPr>
         <p:grpSpPr>
           <a:xfrm>
             <a:off x="1544760" y="918360"/>
-            <a:ext cx="15087240" cy="1860840"/>
+            <a:ext cx="15086880" cy="1860480"/>
             <a:chOff x="1544760" y="918360"/>
-            <a:chExt cx="15087240" cy="1860840"/>
+            <a:chExt cx="15086880" cy="1860480"/>
           </a:xfrm>
         </p:grpSpPr>
         <p:sp>
           <p:nvSpPr>
-            <p:cNvPr id="217" name="Freeform 5"/>
+            <p:cNvPr id="229" name="Freeform 5"/>
             <p:cNvSpPr/>
             <p:nvPr/>
           </p:nvSpPr>
           <p:spPr>
             <a:xfrm>
               <a:off x="1544760" y="1284480"/>
-              <a:ext cx="15087240" cy="1494720"/>
+              <a:ext cx="15086880" cy="1494360"/>
             </a:xfrm>
             <a:custGeom>
               <a:avLst/>
@@ -7423,14 +7975,14 @@
         </p:sp>
         <p:sp>
           <p:nvSpPr>
-            <p:cNvPr id="218" name="TextBox 12"/>
+            <p:cNvPr id="230" name="TextBox 12"/>
             <p:cNvSpPr/>
             <p:nvPr/>
           </p:nvSpPr>
           <p:spPr>
             <a:xfrm>
               <a:off x="1544760" y="918360"/>
-              <a:ext cx="15087240" cy="1860840"/>
+              <a:ext cx="15086880" cy="1860480"/>
             </a:xfrm>
             <a:prstGeom prst="rect">
               <a:avLst/>
@@ -7450,28 +8002,28 @@
       </p:grpSp>
       <p:grpSp>
         <p:nvGrpSpPr>
-          <p:cNvPr id="219" name="Group 6"/>
+          <p:cNvPr id="231" name="Group 6"/>
           <p:cNvGrpSpPr/>
           <p:nvPr/>
         </p:nvGrpSpPr>
         <p:grpSpPr>
           <a:xfrm>
             <a:off x="1600200" y="2971440"/>
-            <a:ext cx="15094440" cy="6856200"/>
+            <a:ext cx="15094080" cy="6855840"/>
             <a:chOff x="1600200" y="2971440"/>
-            <a:chExt cx="15094440" cy="6856200"/>
+            <a:chExt cx="15094080" cy="6855840"/>
           </a:xfrm>
         </p:grpSpPr>
         <p:sp>
           <p:nvSpPr>
-            <p:cNvPr id="220" name="TextBox 13"/>
+            <p:cNvPr id="232" name="TextBox 13"/>
             <p:cNvSpPr/>
             <p:nvPr/>
           </p:nvSpPr>
           <p:spPr>
             <a:xfrm>
               <a:off x="1600200" y="2971440"/>
-              <a:ext cx="15094440" cy="6856200"/>
+              <a:ext cx="15094080" cy="6855840"/>
             </a:xfrm>
             <a:prstGeom prst="rect">
               <a:avLst/>
@@ -7490,14 +8042,14 @@
         </p:sp>
         <p:sp>
           <p:nvSpPr>
-            <p:cNvPr id="221" name=""/>
+            <p:cNvPr id="233" name=""/>
             <p:cNvSpPr/>
             <p:nvPr/>
           </p:nvSpPr>
           <p:spPr>
             <a:xfrm>
               <a:off x="2286000" y="5257440"/>
-              <a:ext cx="5485320" cy="1932480"/>
+              <a:ext cx="5484960" cy="1932120"/>
             </a:xfrm>
             <a:prstGeom prst="rect">
               <a:avLst/>
@@ -7517,14 +8069,14 @@
       </p:grpSp>
       <p:sp>
         <p:nvSpPr>
-          <p:cNvPr id="222" name="TextBox 14"/>
+          <p:cNvPr id="234" name="TextBox 14"/>
           <p:cNvSpPr/>
           <p:nvPr/>
         </p:nvSpPr>
         <p:spPr>
           <a:xfrm>
             <a:off x="1755360" y="4489200"/>
-            <a:ext cx="6275520" cy="1218960"/>
+            <a:ext cx="6275160" cy="1218600"/>
           </a:xfrm>
           <a:prstGeom prst="rect">
             <a:avLst/>
@@ -7580,14 +8132,14 @@
       </p:sp>
       <p:sp>
         <p:nvSpPr>
-          <p:cNvPr id="223" name="TextBox 16"/>
+          <p:cNvPr id="235" name="TextBox 16"/>
           <p:cNvSpPr/>
           <p:nvPr/>
         </p:nvSpPr>
         <p:spPr>
           <a:xfrm>
             <a:off x="3753360" y="1688400"/>
-            <a:ext cx="10779120" cy="944280"/>
+            <a:ext cx="10778760" cy="944280"/>
           </a:xfrm>
           <a:prstGeom prst="rect">
             <a:avLst/>
@@ -7632,14 +8184,14 @@
       </p:sp>
       <p:sp>
         <p:nvSpPr>
-          <p:cNvPr id="224" name="TextBox 17"/>
+          <p:cNvPr id="236" name="TextBox 17"/>
           <p:cNvSpPr/>
           <p:nvPr/>
         </p:nvSpPr>
         <p:spPr>
           <a:xfrm>
             <a:off x="2044440" y="4489200"/>
-            <a:ext cx="6275520" cy="610560"/>
+            <a:ext cx="6275160" cy="610200"/>
           </a:xfrm>
           <a:prstGeom prst="rect">
             <a:avLst/>
@@ -7658,14 +8210,14 @@
       </p:sp>
       <p:sp>
         <p:nvSpPr>
-          <p:cNvPr id="225" name=""/>
+          <p:cNvPr id="237" name=""/>
           <p:cNvSpPr/>
           <p:nvPr/>
         </p:nvSpPr>
         <p:spPr>
           <a:xfrm>
             <a:off x="2691720" y="3934800"/>
-            <a:ext cx="13322160" cy="3269520"/>
+            <a:ext cx="13321800" cy="3269160"/>
           </a:xfrm>
           <a:prstGeom prst="rect">
             <a:avLst/>
@@ -7825,7 +8377,7 @@
 </p:sld>
 </file>
 
-<file path=ppt/slides/slide12.xml><?xml version="1.0" encoding="utf-8"?>
+<file path=ppt/slides/slide13.xml><?xml version="1.0" encoding="utf-8"?>
 <p:sld xmlns:a="http://schemas.openxmlformats.org/drawingml/2006/main" xmlns:p="http://schemas.openxmlformats.org/presentationml/2006/main" xmlns:r="http://schemas.openxmlformats.org/officeDocument/2006/relationships" xmlns:p14="http://schemas.microsoft.com/office/powerpoint/2010/main" xmlns:p15="http://schemas.microsoft.com/office/powerpoint/2012/main" xmlns:mc="http://schemas.openxmlformats.org/markup-compatibility/2006">
   <p:cSld>
     <p:bg>
@@ -7851,28 +8403,28 @@
       </p:grpSpPr>
       <p:grpSp>
         <p:nvGrpSpPr>
-          <p:cNvPr id="226" name="Group 2"/>
+          <p:cNvPr id="238" name="Group 2"/>
           <p:cNvGrpSpPr/>
           <p:nvPr/>
         </p:nvGrpSpPr>
         <p:grpSpPr>
           <a:xfrm>
             <a:off x="-567720" y="3308400"/>
-            <a:ext cx="19422720" cy="3452400"/>
+            <a:ext cx="19422360" cy="3452040"/>
             <a:chOff x="-567720" y="3308400"/>
-            <a:chExt cx="19422720" cy="3452400"/>
+            <a:chExt cx="19422360" cy="3452040"/>
           </a:xfrm>
         </p:grpSpPr>
         <p:sp>
           <p:nvSpPr>
-            <p:cNvPr id="227" name="Freeform 3"/>
+            <p:cNvPr id="239" name="Freeform 3"/>
             <p:cNvSpPr/>
             <p:nvPr/>
           </p:nvSpPr>
           <p:spPr>
             <a:xfrm>
               <a:off x="-567720" y="3525480"/>
-              <a:ext cx="19422720" cy="3235320"/>
+              <a:ext cx="19422360" cy="3234960"/>
             </a:xfrm>
             <a:custGeom>
               <a:avLst/>
@@ -7913,14 +8465,14 @@
         </p:sp>
         <p:sp>
           <p:nvSpPr>
-            <p:cNvPr id="228" name="TextBox 4"/>
+            <p:cNvPr id="240" name="TextBox 4"/>
             <p:cNvSpPr/>
             <p:nvPr/>
           </p:nvSpPr>
           <p:spPr>
             <a:xfrm>
               <a:off x="-567720" y="3308400"/>
-              <a:ext cx="19422720" cy="3452400"/>
+              <a:ext cx="19422360" cy="3452040"/>
             </a:xfrm>
             <a:prstGeom prst="rect">
               <a:avLst/>
@@ -7940,14 +8492,14 @@
       </p:grpSp>
       <p:sp>
         <p:nvSpPr>
-          <p:cNvPr id="229" name="TextBox 5"/>
+          <p:cNvPr id="241" name="TextBox 5"/>
           <p:cNvSpPr/>
           <p:nvPr/>
         </p:nvSpPr>
         <p:spPr>
           <a:xfrm>
             <a:off x="1725480" y="4056840"/>
-            <a:ext cx="14836320" cy="2186280"/>
+            <a:ext cx="14835960" cy="2186280"/>
           </a:xfrm>
           <a:prstGeom prst="rect">
             <a:avLst/>
@@ -8036,9 +8588,9 @@
         <p:grpSpPr>
           <a:xfrm>
             <a:off x="2049120" y="2971080"/>
-            <a:ext cx="15095520" cy="6857640"/>
+            <a:ext cx="15095160" cy="6857280"/>
             <a:chOff x="2049120" y="2971080"/>
-            <a:chExt cx="15095520" cy="6857640"/>
+            <a:chExt cx="15095160" cy="6857280"/>
           </a:xfrm>
         </p:grpSpPr>
         <p:sp>
@@ -8050,7 +8602,7 @@
           <p:spPr>
             <a:xfrm>
               <a:off x="2049120" y="3272760"/>
-              <a:ext cx="15095520" cy="6555960"/>
+              <a:ext cx="15095160" cy="6555600"/>
             </a:xfrm>
             <a:custGeom>
               <a:avLst/>
@@ -8141,7 +8693,7 @@
           <p:spPr>
             <a:xfrm>
               <a:off x="2049120" y="2971080"/>
-              <a:ext cx="15095520" cy="6857280"/>
+              <a:ext cx="15095160" cy="6856920"/>
             </a:xfrm>
             <a:prstGeom prst="rect">
               <a:avLst/>
@@ -8168,9 +8720,9 @@
         <p:grpSpPr>
           <a:xfrm>
             <a:off x="1600200" y="2971800"/>
-            <a:ext cx="15095520" cy="6857280"/>
+            <a:ext cx="15095160" cy="6856920"/>
             <a:chOff x="1600200" y="2971800"/>
-            <a:chExt cx="15095520" cy="6857280"/>
+            <a:chExt cx="15095160" cy="6856920"/>
           </a:xfrm>
         </p:grpSpPr>
         <p:sp>
@@ -8182,7 +8734,7 @@
           <p:spPr>
             <a:xfrm>
               <a:off x="1600200" y="2971800"/>
-              <a:ext cx="15095520" cy="6857280"/>
+              <a:ext cx="15095160" cy="6856920"/>
             </a:xfrm>
             <a:prstGeom prst="rect">
               <a:avLst/>
@@ -8209,7 +8761,7 @@
         <p:spPr>
           <a:xfrm>
             <a:off x="2691360" y="3851640"/>
-            <a:ext cx="3899880" cy="609120"/>
+            <a:ext cx="3899520" cy="609120"/>
           </a:xfrm>
           <a:prstGeom prst="rect">
             <a:avLst/>
@@ -8268,14 +8820,14 @@
       </p:sp>
       <p:sp>
         <p:nvSpPr>
-          <p:cNvPr id="99" name="TextBox 38"/>
+          <p:cNvPr id="99" name="TextBox 43"/>
           <p:cNvSpPr/>
           <p:nvPr/>
         </p:nvSpPr>
         <p:spPr>
           <a:xfrm>
-            <a:off x="10365120" y="3851640"/>
-            <a:ext cx="6250680" cy="609120"/>
+            <a:off x="3753360" y="1688400"/>
+            <a:ext cx="10779840" cy="944280"/>
           </a:xfrm>
           <a:prstGeom prst="rect">
             <a:avLst/>
@@ -8296,72 +8848,6 @@
             <a:spAutoFit/>
           </a:bodyPr>
           <a:p>
-            <a:pPr marL="216000" indent="-216000">
-              <a:lnSpc>
-                <a:spcPts val="4799"/>
-              </a:lnSpc>
-              <a:buClr>
-                <a:srgbClr val="000000"/>
-              </a:buClr>
-              <a:buFont typeface="Wingdings" charset="2"/>
-              <a:buChar char=""/>
-            </a:pPr>
-            <a:r>
-              <a:rPr b="0" lang="en-US" sz="4000" spc="-1" strike="noStrike">
-                <a:solidFill>
-                  <a:srgbClr val="000000"/>
-                </a:solidFill>
-                <a:latin typeface="Montserrat Semi-Bold"/>
-                <a:ea typeface="DejaVu Sans"/>
-              </a:rPr>
-              <a:t> </a:t>
-            </a:r>
-            <a:r>
-              <a:rPr b="0" lang="zh-CN" sz="4000" spc="-1" strike="noStrike">
-                <a:solidFill>
-                  <a:srgbClr val="000000"/>
-                </a:solidFill>
-                <a:latin typeface="Montserrat Semi-Bold"/>
-                <a:ea typeface="DejaVu Sans"/>
-              </a:rPr>
-              <a:t>미션 </a:t>
-            </a:r>
-            <a:endParaRPr b="0" lang="en-US" sz="4000" spc="-1" strike="noStrike">
-              <a:latin typeface="Arial"/>
-            </a:endParaRPr>
-          </a:p>
-        </p:txBody>
-      </p:sp>
-      <p:sp>
-        <p:nvSpPr>
-          <p:cNvPr id="100" name="TextBox 43"/>
-          <p:cNvSpPr/>
-          <p:nvPr/>
-        </p:nvSpPr>
-        <p:spPr>
-          <a:xfrm>
-            <a:off x="3753360" y="1688400"/>
-            <a:ext cx="10780200" cy="944280"/>
-          </a:xfrm>
-          <a:prstGeom prst="rect">
-            <a:avLst/>
-          </a:prstGeom>
-          <a:noFill/>
-          <a:ln w="0">
-            <a:noFill/>
-          </a:ln>
-        </p:spPr>
-        <p:style>
-          <a:lnRef idx="0"/>
-          <a:fillRef idx="0"/>
-          <a:effectRef idx="0"/>
-          <a:fontRef idx="minor"/>
-        </p:style>
-        <p:txBody>
-          <a:bodyPr lIns="0" rIns="0" tIns="0" bIns="0" anchor="t">
-            <a:spAutoFit/>
-          </a:bodyPr>
-          <a:p>
             <a:pPr algn="ctr">
               <a:lnSpc>
                 <a:spcPts val="7438"/>
@@ -8396,14 +8882,14 @@
       </p:sp>
       <p:sp>
         <p:nvSpPr>
-          <p:cNvPr id="101" name="TextBox 1"/>
+          <p:cNvPr id="100" name="TextBox 1"/>
           <p:cNvSpPr/>
           <p:nvPr/>
         </p:nvSpPr>
         <p:spPr>
           <a:xfrm>
             <a:off x="2453400" y="4802400"/>
-            <a:ext cx="7376400" cy="3014640"/>
+            <a:ext cx="7376040" cy="3014640"/>
           </a:xfrm>
           <a:prstGeom prst="rect">
             <a:avLst/>
@@ -8578,154 +9064,30 @@
           </a:p>
         </p:txBody>
       </p:sp>
-      <p:sp>
-        <p:nvSpPr>
-          <p:cNvPr id="102" name="TextBox 44"/>
-          <p:cNvSpPr/>
-          <p:nvPr/>
-        </p:nvSpPr>
-        <p:spPr>
-          <a:xfrm>
-            <a:off x="10121400" y="4803120"/>
-            <a:ext cx="6503760" cy="2512080"/>
-          </a:xfrm>
-          <a:prstGeom prst="rect">
-            <a:avLst/>
-          </a:prstGeom>
-          <a:noFill/>
-          <a:ln w="0">
-            <a:noFill/>
-          </a:ln>
-        </p:spPr>
-        <p:style>
-          <a:lnRef idx="0"/>
-          <a:fillRef idx="0"/>
-          <a:effectRef idx="0"/>
-          <a:fontRef idx="minor"/>
-        </p:style>
-        <p:txBody>
-          <a:bodyPr lIns="0" rIns="0" tIns="0" bIns="0" anchor="ctr">
-            <a:spAutoFit/>
-          </a:bodyPr>
-          <a:p>
-            <a:pPr>
-              <a:lnSpc>
-                <a:spcPct val="150000"/>
-              </a:lnSpc>
-              <a:buNone/>
-            </a:pPr>
-            <a:r>
-              <a:rPr b="0" lang="en-US" sz="2200" spc="-1" strike="noStrike">
-                <a:solidFill>
-                  <a:srgbClr val="000000"/>
-                </a:solidFill>
-                <a:latin typeface="Montserrat Semi-Bold"/>
-                <a:ea typeface="DejaVu Sans"/>
-              </a:rPr>
-              <a:t>- </a:t>
-            </a:r>
-            <a:r>
-              <a:rPr b="0" lang="zh-CN" sz="2200" spc="-1" strike="noStrike">
-                <a:solidFill>
-                  <a:srgbClr val="000000"/>
-                </a:solidFill>
-                <a:latin typeface="Montserrat Semi-Bold"/>
-                <a:ea typeface="DejaVu Sans"/>
-              </a:rPr>
-              <a:t>사용자의 감정 조절 및 건전한 </a:t>
-            </a:r>
-            <a:r>
-              <a:rPr b="0" lang="en-US" sz="2200" spc="-1" strike="noStrike">
-                <a:solidFill>
-                  <a:srgbClr val="000000"/>
-                </a:solidFill>
-                <a:latin typeface="Montserrat Semi-Bold"/>
-                <a:ea typeface="DejaVu Sans"/>
-              </a:rPr>
-              <a:t>PC </a:t>
-            </a:r>
-            <a:r>
-              <a:rPr b="0" lang="zh-CN" sz="2200" spc="-1" strike="noStrike">
-                <a:solidFill>
-                  <a:srgbClr val="000000"/>
-                </a:solidFill>
-                <a:latin typeface="Montserrat Semi-Bold"/>
-                <a:ea typeface="DejaVu Sans"/>
-              </a:rPr>
-              <a:t>사용 습관 형성에 도움을 줄 것으로 기대됨</a:t>
-            </a:r>
-            <a:endParaRPr b="0" lang="en-US" sz="2200" spc="-1" strike="noStrike">
-              <a:latin typeface="Arial"/>
-            </a:endParaRPr>
-          </a:p>
-          <a:p>
-            <a:pPr>
-              <a:lnSpc>
-                <a:spcPct val="150000"/>
-              </a:lnSpc>
-              <a:buNone/>
-            </a:pPr>
-            <a:endParaRPr b="0" lang="en-US" sz="2200" spc="-1" strike="noStrike">
-              <a:latin typeface="Arial"/>
-            </a:endParaRPr>
-          </a:p>
-          <a:p>
-            <a:pPr>
-              <a:lnSpc>
-                <a:spcPct val="150000"/>
-              </a:lnSpc>
-              <a:buNone/>
-            </a:pPr>
-            <a:r>
-              <a:rPr b="0" lang="en-US" sz="2200" spc="-1" strike="noStrike">
-                <a:solidFill>
-                  <a:srgbClr val="000000"/>
-                </a:solidFill>
-                <a:latin typeface="Montserrat Semi-Bold"/>
-                <a:ea typeface="DejaVu Sans"/>
-              </a:rPr>
-              <a:t>- </a:t>
-            </a:r>
-            <a:r>
-              <a:rPr b="0" lang="zh-CN" sz="2200" spc="-1" strike="noStrike">
-                <a:solidFill>
-                  <a:srgbClr val="000000"/>
-                </a:solidFill>
-                <a:latin typeface="Montserrat Semi-Bold"/>
-                <a:ea typeface="DejaVu Sans"/>
-              </a:rPr>
-              <a:t>이 시스템을 통해 사용자는 자신의 감정을 인지하고 조절할 수 있는 기회를 가짐  </a:t>
-            </a:r>
-            <a:endParaRPr b="0" lang="en-US" sz="2200" spc="-1" strike="noStrike">
-              <a:latin typeface="Arial"/>
-            </a:endParaRPr>
-          </a:p>
-        </p:txBody>
-      </p:sp>
       <p:grpSp>
         <p:nvGrpSpPr>
-          <p:cNvPr id="103" name="Group 25"/>
+          <p:cNvPr id="101" name="Group 25"/>
           <p:cNvGrpSpPr/>
           <p:nvPr/>
         </p:nvGrpSpPr>
         <p:grpSpPr>
           <a:xfrm>
             <a:off x="2057400" y="685800"/>
-            <a:ext cx="15087240" cy="1860840"/>
+            <a:ext cx="15086880" cy="1860480"/>
             <a:chOff x="2057400" y="685800"/>
-            <a:chExt cx="15087240" cy="1860840"/>
+            <a:chExt cx="15086880" cy="1860480"/>
           </a:xfrm>
         </p:grpSpPr>
         <p:sp>
           <p:nvSpPr>
-            <p:cNvPr id="104" name="Freeform 19"/>
+            <p:cNvPr id="102" name="Freeform 19"/>
             <p:cNvSpPr/>
             <p:nvPr/>
           </p:nvSpPr>
           <p:spPr>
             <a:xfrm>
               <a:off x="2057400" y="1051920"/>
-              <a:ext cx="15087240" cy="1494720"/>
+              <a:ext cx="15086880" cy="1494360"/>
             </a:xfrm>
             <a:custGeom>
               <a:avLst/>
@@ -8766,14 +9128,14 @@
         </p:sp>
         <p:sp>
           <p:nvSpPr>
-            <p:cNvPr id="105" name="TextBox 42"/>
+            <p:cNvPr id="103" name="TextBox 42"/>
             <p:cNvSpPr/>
             <p:nvPr/>
           </p:nvSpPr>
           <p:spPr>
             <a:xfrm>
               <a:off x="2057400" y="685800"/>
-              <a:ext cx="15087240" cy="1860840"/>
+              <a:ext cx="15086880" cy="1860480"/>
             </a:xfrm>
             <a:prstGeom prst="rect">
               <a:avLst/>
@@ -8793,14 +9155,14 @@
       </p:grpSp>
       <p:sp>
         <p:nvSpPr>
-          <p:cNvPr id="106" name="TextBox 51"/>
+          <p:cNvPr id="104" name="TextBox 51"/>
           <p:cNvSpPr/>
           <p:nvPr/>
         </p:nvSpPr>
         <p:spPr>
           <a:xfrm>
             <a:off x="6353640" y="1371600"/>
-            <a:ext cx="7999920" cy="944280"/>
+            <a:ext cx="7999560" cy="944280"/>
           </a:xfrm>
           <a:prstGeom prst="rect">
             <a:avLst/>
@@ -8843,6 +9205,29 @@
           </a:p>
         </p:txBody>
       </p:sp>
+      <p:pic>
+        <p:nvPicPr>
+          <p:cNvPr id="105" name="" descr=""/>
+          <p:cNvPicPr/>
+          <p:nvPr/>
+        </p:nvPicPr>
+        <p:blipFill>
+          <a:blip r:embed="rId1"/>
+          <a:stretch/>
+        </p:blipFill>
+        <p:spPr>
+          <a:xfrm>
+            <a:off x="10257120" y="3429000"/>
+            <a:ext cx="6202080" cy="6202080"/>
+          </a:xfrm>
+          <a:prstGeom prst="rect">
+            <a:avLst/>
+          </a:prstGeom>
+          <a:ln w="0">
+            <a:noFill/>
+          </a:ln>
+        </p:spPr>
+      </p:pic>
     </p:spTree>
   </p:cSld>
   <mc:AlternateContent>
@@ -8882,117 +9267,28 @@
       </p:grpSpPr>
       <p:grpSp>
         <p:nvGrpSpPr>
-          <p:cNvPr id="107" name="Group 26"/>
+          <p:cNvPr id="106" name="Group 8"/>
           <p:cNvGrpSpPr/>
           <p:nvPr/>
         </p:nvGrpSpPr>
         <p:grpSpPr>
           <a:xfrm>
-            <a:off x="1544760" y="918360"/>
-            <a:ext cx="15087240" cy="1860840"/>
-            <a:chOff x="1544760" y="918360"/>
-            <a:chExt cx="15087240" cy="1860840"/>
+            <a:off x="2049120" y="2970720"/>
+            <a:ext cx="15095160" cy="6857280"/>
+            <a:chOff x="2049120" y="2970720"/>
+            <a:chExt cx="15095160" cy="6857280"/>
           </a:xfrm>
         </p:grpSpPr>
         <p:sp>
           <p:nvSpPr>
-            <p:cNvPr id="108" name="Freeform 17"/>
+            <p:cNvPr id="107" name="Freeform 8"/>
             <p:cNvSpPr/>
             <p:nvPr/>
           </p:nvSpPr>
           <p:spPr>
             <a:xfrm>
-              <a:off x="1544760" y="1284480"/>
-              <a:ext cx="15087240" cy="1494720"/>
-            </a:xfrm>
-            <a:custGeom>
-              <a:avLst/>
-              <a:gdLst/>
-              <a:ahLst/>
-              <a:rect l="l" t="t" r="r" b="b"/>
-              <a:pathLst>
-                <a:path w="2107169" h="233764">
-                  <a:moveTo>
-                    <a:pt x="0" y="0"/>
-                  </a:moveTo>
-                  <a:lnTo>
-                    <a:pt x="2107169" y="0"/>
-                  </a:lnTo>
-                  <a:lnTo>
-                    <a:pt x="2107169" y="233764"/>
-                  </a:lnTo>
-                  <a:lnTo>
-                    <a:pt x="0" y="233764"/>
-                  </a:lnTo>
-                  <a:close/>
-                </a:path>
-              </a:pathLst>
-            </a:custGeom>
-            <a:solidFill>
-              <a:srgbClr val="ffffff"/>
-            </a:solidFill>
-            <a:ln w="0">
-              <a:noFill/>
-            </a:ln>
-          </p:spPr>
-          <p:style>
-            <a:lnRef idx="0"/>
-            <a:fillRef idx="0"/>
-            <a:effectRef idx="0"/>
-            <a:fontRef idx="minor"/>
-          </p:style>
-        </p:sp>
-        <p:sp>
-          <p:nvSpPr>
-            <p:cNvPr id="109" name="TextBox 11"/>
-            <p:cNvSpPr/>
-            <p:nvPr/>
-          </p:nvSpPr>
-          <p:spPr>
-            <a:xfrm>
-              <a:off x="1544760" y="918360"/>
-              <a:ext cx="15087240" cy="1860840"/>
-            </a:xfrm>
-            <a:prstGeom prst="rect">
-              <a:avLst/>
-            </a:prstGeom>
-            <a:noFill/>
-            <a:ln w="0">
-              <a:noFill/>
-            </a:ln>
-          </p:spPr>
-          <p:style>
-            <a:lnRef idx="0"/>
-            <a:fillRef idx="0"/>
-            <a:effectRef idx="0"/>
-            <a:fontRef idx="minor"/>
-          </p:style>
-        </p:sp>
-      </p:grpSp>
-      <p:grpSp>
-        <p:nvGrpSpPr>
-          <p:cNvPr id="110" name="Group 36"/>
-          <p:cNvGrpSpPr/>
-          <p:nvPr/>
-        </p:nvGrpSpPr>
-        <p:grpSpPr>
-          <a:xfrm>
-            <a:off x="1600200" y="2971440"/>
-            <a:ext cx="15094440" cy="6856560"/>
-            <a:chOff x="1600200" y="2971440"/>
-            <a:chExt cx="15094440" cy="6856560"/>
-          </a:xfrm>
-        </p:grpSpPr>
-        <p:sp>
-          <p:nvSpPr>
-            <p:cNvPr id="111" name="Freeform 22"/>
-            <p:cNvSpPr/>
-            <p:nvPr/>
-          </p:nvSpPr>
-          <p:spPr>
-            <a:xfrm>
-              <a:off x="1600200" y="3273120"/>
-              <a:ext cx="15094440" cy="6554880"/>
+              <a:off x="2049120" y="3272400"/>
+              <a:ext cx="15095160" cy="6555600"/>
             </a:xfrm>
             <a:custGeom>
               <a:avLst/>
@@ -9076,40 +9372,14 @@
         </p:sp>
         <p:sp>
           <p:nvSpPr>
-            <p:cNvPr id="112" name="TextBox 74"/>
+            <p:cNvPr id="108" name="TextBox 18"/>
             <p:cNvSpPr/>
             <p:nvPr/>
           </p:nvSpPr>
           <p:spPr>
             <a:xfrm>
-              <a:off x="1600200" y="2971440"/>
-              <a:ext cx="15094440" cy="6856200"/>
-            </a:xfrm>
-            <a:prstGeom prst="rect">
-              <a:avLst/>
-            </a:prstGeom>
-            <a:noFill/>
-            <a:ln w="0">
-              <a:noFill/>
-            </a:ln>
-          </p:spPr>
-          <p:style>
-            <a:lnRef idx="0"/>
-            <a:fillRef idx="0"/>
-            <a:effectRef idx="0"/>
-            <a:fontRef idx="minor"/>
-          </p:style>
-        </p:sp>
-        <p:sp>
-          <p:nvSpPr>
-            <p:cNvPr id="113" name=""/>
-            <p:cNvSpPr/>
-            <p:nvPr/>
-          </p:nvSpPr>
-          <p:spPr>
-            <a:xfrm>
-              <a:off x="2286000" y="5257440"/>
-              <a:ext cx="5485320" cy="1932480"/>
+              <a:off x="2049120" y="2970720"/>
+              <a:ext cx="15095160" cy="6856920"/>
             </a:xfrm>
             <a:prstGeom prst="rect">
               <a:avLst/>
@@ -9127,16 +9397,57 @@
           </p:style>
         </p:sp>
       </p:grpSp>
-      <p:sp>
-        <p:nvSpPr>
-          <p:cNvPr id="114" name="TextBox 75"/>
+      <p:grpSp>
+        <p:nvGrpSpPr>
+          <p:cNvPr id="109" name="Group 9"/>
+          <p:cNvGrpSpPr/>
+          <p:nvPr/>
+        </p:nvGrpSpPr>
+        <p:grpSpPr>
+          <a:xfrm>
+            <a:off x="1600200" y="2971800"/>
+            <a:ext cx="15095160" cy="6856920"/>
+            <a:chOff x="1600200" y="2971800"/>
+            <a:chExt cx="15095160" cy="6856920"/>
+          </a:xfrm>
+        </p:grpSpPr>
+        <p:sp>
+          <p:nvSpPr>
+            <p:cNvPr id="110" name="TextBox 19"/>
+            <p:cNvSpPr/>
+            <p:nvPr/>
+          </p:nvSpPr>
+          <p:spPr>
+            <a:xfrm>
+              <a:off x="1600200" y="2971800"/>
+              <a:ext cx="15095160" cy="6856920"/>
+            </a:xfrm>
+            <a:prstGeom prst="rect">
+              <a:avLst/>
+            </a:prstGeom>
+            <a:noFill/>
+            <a:ln w="0">
+              <a:noFill/>
+            </a:ln>
+          </p:spPr>
+          <p:style>
+            <a:lnRef idx="0"/>
+            <a:fillRef idx="0"/>
+            <a:effectRef idx="0"/>
+            <a:fontRef idx="minor"/>
+          </p:style>
+        </p:sp>
+      </p:grpSp>
+      <p:sp>
+        <p:nvSpPr>
+          <p:cNvPr id="111" name="TextBox 21"/>
           <p:cNvSpPr/>
           <p:nvPr/>
         </p:nvSpPr>
         <p:spPr>
           <a:xfrm>
-            <a:off x="2043360" y="4319640"/>
-            <a:ext cx="6249600" cy="609120"/>
+            <a:off x="2771640" y="3851640"/>
+            <a:ext cx="6591240" cy="609120"/>
           </a:xfrm>
           <a:prstGeom prst="rect">
             <a:avLst/>
@@ -9185,7 +9496,7 @@
                 <a:latin typeface="Montserrat Semi-Bold"/>
                 <a:ea typeface="DejaVu Sans"/>
               </a:rPr>
-              <a:t>요구 모델</a:t>
+              <a:t>미션 </a:t>
             </a:r>
             <a:endParaRPr b="0" lang="en-US" sz="4000" spc="-1" strike="noStrike">
               <a:latin typeface="Arial"/>
@@ -9195,14 +9506,14 @@
       </p:sp>
       <p:sp>
         <p:nvSpPr>
-          <p:cNvPr id="115" name="TextBox 76"/>
+          <p:cNvPr id="112" name="TextBox 22"/>
           <p:cNvSpPr/>
           <p:nvPr/>
         </p:nvSpPr>
         <p:spPr>
           <a:xfrm>
-            <a:off x="9211680" y="4319640"/>
-            <a:ext cx="6249600" cy="609120"/>
+            <a:off x="3753360" y="1688400"/>
+            <a:ext cx="10779840" cy="944280"/>
           </a:xfrm>
           <a:prstGeom prst="rect">
             <a:avLst/>
@@ -9223,52 +9534,48 @@
             <a:spAutoFit/>
           </a:bodyPr>
           <a:p>
-            <a:pPr marL="216000" indent="-216000">
+            <a:pPr algn="ctr">
               <a:lnSpc>
-                <a:spcPts val="4799"/>
+                <a:spcPts val="7438"/>
               </a:lnSpc>
-              <a:buClr>
-                <a:srgbClr val="000000"/>
-              </a:buClr>
-              <a:buFont typeface="Wingdings" charset="2"/>
-              <a:buChar char=""/>
+              <a:buNone/>
             </a:pPr>
             <a:r>
-              <a:rPr b="0" lang="en-US" sz="4000" spc="-1" strike="noStrike">
+              <a:rPr b="0" lang="zh-CN" sz="6200" spc="-1" strike="noStrike">
                 <a:solidFill>
                   <a:srgbClr val="000000"/>
                 </a:solidFill>
                 <a:latin typeface="Montserrat Semi-Bold"/>
                 <a:ea typeface="DejaVu Sans"/>
               </a:rPr>
-              <a:t> </a:t>
-            </a:r>
-            <a:r>
-              <a:rPr b="0" lang="zh-CN" sz="4000" spc="-1" strike="noStrike">
+              <a:t>프로젝트 개요</a:t>
+            </a:r>
+            <a:r>
+              <a:rPr b="0" lang="en-US" sz="6200" spc="-1" strike="noStrike">
                 <a:solidFill>
                   <a:srgbClr val="000000"/>
                 </a:solidFill>
                 <a:latin typeface="Montserrat Semi-Bold"/>
                 <a:ea typeface="DejaVu Sans"/>
               </a:rPr>
-              <a:t>개발 요소</a:t>
-            </a:r>
-            <a:endParaRPr b="0" lang="en-US" sz="4000" spc="-1" strike="noStrike">
-              <a:latin typeface="Arial"/>
-            </a:endParaRPr>
-          </a:p>
-        </p:txBody>
-      </p:sp>
-      <p:sp>
-        <p:nvSpPr>
-          <p:cNvPr id="116" name="TextBox 78"/>
+              <a:t>  </a:t>
+            </a:r>
+            <a:endParaRPr b="0" lang="en-US" sz="6200" spc="-1" strike="noStrike">
+              <a:latin typeface="Arial"/>
+            </a:endParaRPr>
+          </a:p>
+        </p:txBody>
+      </p:sp>
+      <p:sp>
+        <p:nvSpPr>
+          <p:cNvPr id="113" name="TextBox 24"/>
           <p:cNvSpPr/>
           <p:nvPr/>
         </p:nvSpPr>
         <p:spPr>
           <a:xfrm>
-            <a:off x="3753360" y="1688400"/>
-            <a:ext cx="10779120" cy="944280"/>
+            <a:off x="2514600" y="4803120"/>
+            <a:ext cx="6858000" cy="2512080"/>
           </a:xfrm>
           <a:prstGeom prst="rect">
             <a:avLst/>
@@ -9285,122 +9592,64 @@
           <a:fontRef idx="minor"/>
         </p:style>
         <p:txBody>
-          <a:bodyPr lIns="0" rIns="0" tIns="0" bIns="0" anchor="t">
+          <a:bodyPr lIns="0" rIns="0" tIns="0" bIns="0" anchor="ctr">
             <a:spAutoFit/>
           </a:bodyPr>
           <a:p>
-            <a:pPr algn="ctr">
+            <a:pPr>
               <a:lnSpc>
-                <a:spcPts val="7438"/>
+                <a:spcPct val="150000"/>
               </a:lnSpc>
               <a:buNone/>
             </a:pPr>
             <a:r>
-              <a:rPr b="0" lang="zh-CN" sz="6200" spc="-1" strike="noStrike">
+              <a:rPr b="0" lang="en-US" sz="2200" spc="-1" strike="noStrike">
                 <a:solidFill>
                   <a:srgbClr val="000000"/>
                 </a:solidFill>
                 <a:latin typeface="Montserrat Semi-Bold"/>
                 <a:ea typeface="DejaVu Sans"/>
               </a:rPr>
-              <a:t>개발 과정  </a:t>
-            </a:r>
-            <a:endParaRPr b="0" lang="en-US" sz="6200" spc="-1" strike="noStrike">
-              <a:latin typeface="Arial"/>
-            </a:endParaRPr>
-          </a:p>
-        </p:txBody>
-      </p:sp>
-      <p:sp>
-        <p:nvSpPr>
-          <p:cNvPr id="117" name="TextBox 79"/>
-          <p:cNvSpPr/>
-          <p:nvPr/>
-        </p:nvSpPr>
-        <p:spPr>
-          <a:xfrm>
-            <a:off x="2331360" y="4319640"/>
-            <a:ext cx="6249600" cy="608040"/>
-          </a:xfrm>
-          <a:prstGeom prst="rect">
-            <a:avLst/>
-          </a:prstGeom>
-          <a:noFill/>
-          <a:ln w="0">
-            <a:noFill/>
-          </a:ln>
-        </p:spPr>
-        <p:style>
-          <a:lnRef idx="0"/>
-          <a:fillRef idx="0"/>
-          <a:effectRef idx="0"/>
-          <a:fontRef idx="minor"/>
-        </p:style>
-      </p:sp>
-      <p:sp>
-        <p:nvSpPr>
-          <p:cNvPr id="118" name=""/>
-          <p:cNvSpPr/>
-          <p:nvPr/>
-        </p:nvSpPr>
-        <p:spPr>
-          <a:xfrm>
-            <a:off x="2080800" y="5257800"/>
-            <a:ext cx="6857280" cy="3199680"/>
-          </a:xfrm>
-          <a:prstGeom prst="rect">
-            <a:avLst/>
-          </a:prstGeom>
-          <a:noFill/>
-          <a:ln w="0">
-            <a:noFill/>
-          </a:ln>
-        </p:spPr>
-        <p:style>
-          <a:lnRef idx="0"/>
-          <a:fillRef idx="0"/>
-          <a:effectRef idx="0"/>
-          <a:fontRef idx="minor"/>
-        </p:style>
-        <p:txBody>
-          <a:bodyPr lIns="90000" rIns="90000" tIns="45000" bIns="45000" anchor="t">
-            <a:noAutofit/>
-          </a:bodyPr>
+              <a:t>- </a:t>
+            </a:r>
+            <a:r>
+              <a:rPr b="0" lang="zh-CN" sz="2200" spc="-1" strike="noStrike">
+                <a:solidFill>
+                  <a:srgbClr val="000000"/>
+                </a:solidFill>
+                <a:latin typeface="Montserrat Semi-Bold"/>
+                <a:ea typeface="DejaVu Sans"/>
+              </a:rPr>
+              <a:t>사용자의 감정 조절 및 건전한 </a:t>
+            </a:r>
+            <a:r>
+              <a:rPr b="0" lang="en-US" sz="2200" spc="-1" strike="noStrike">
+                <a:solidFill>
+                  <a:srgbClr val="000000"/>
+                </a:solidFill>
+                <a:latin typeface="Montserrat Semi-Bold"/>
+                <a:ea typeface="DejaVu Sans"/>
+              </a:rPr>
+              <a:t>PC </a:t>
+            </a:r>
+            <a:r>
+              <a:rPr b="0" lang="zh-CN" sz="2200" spc="-1" strike="noStrike">
+                <a:solidFill>
+                  <a:srgbClr val="000000"/>
+                </a:solidFill>
+                <a:latin typeface="Montserrat Semi-Bold"/>
+                <a:ea typeface="DejaVu Sans"/>
+              </a:rPr>
+              <a:t>사용 습관 형성에 도움을 줄 것으로 기대됨</a:t>
+            </a:r>
+            <a:endParaRPr b="0" lang="en-US" sz="2200" spc="-1" strike="noStrike">
+              <a:latin typeface="Arial"/>
+            </a:endParaRPr>
+          </a:p>
           <a:p>
             <a:pPr>
               <a:lnSpc>
-                <a:spcPct val="100000"/>
-              </a:lnSpc>
-              <a:buNone/>
-            </a:pPr>
-            <a:r>
-              <a:rPr b="0" lang="en-US" sz="2200" spc="-1" strike="noStrike">
-                <a:solidFill>
-                  <a:srgbClr val="000000"/>
-                </a:solidFill>
-                <a:latin typeface="Arial"/>
-                <a:ea typeface="DejaVu Sans"/>
-              </a:rPr>
-              <a:t>1. </a:t>
-            </a:r>
-            <a:r>
-              <a:rPr b="0" lang="zh-CN" sz="2200" spc="-1" strike="noStrike">
-                <a:solidFill>
-                  <a:srgbClr val="000000"/>
-                </a:solidFill>
-                <a:latin typeface="Arial"/>
-                <a:ea typeface="DejaVu Sans"/>
-              </a:rPr>
-              <a:t>이미지 속 얼굴 위치를 감지하는 얼굴 객체 감지 모델</a:t>
-            </a:r>
-            <a:endParaRPr b="0" lang="en-US" sz="2200" spc="-1" strike="noStrike">
-              <a:latin typeface="Arial"/>
-            </a:endParaRPr>
-          </a:p>
-          <a:p>
-            <a:pPr>
-              <a:lnSpc>
-                <a:spcPct val="100000"/>
+                <a:spcPct val="150000"/>
               </a:lnSpc>
               <a:buNone/>
             </a:pPr>
@@ -9411,7 +9660,7 @@
           <a:p>
             <a:pPr>
               <a:lnSpc>
-                <a:spcPct val="100000"/>
+                <a:spcPct val="150000"/>
               </a:lnSpc>
               <a:buNone/>
             </a:pPr>
@@ -9420,442 +9669,51 @@
                 <a:solidFill>
                   <a:srgbClr val="000000"/>
                 </a:solidFill>
-                <a:latin typeface="Arial"/>
-                <a:ea typeface="DejaVu Sans"/>
-              </a:rPr>
-              <a:t>2. </a:t>
+                <a:latin typeface="Montserrat Semi-Bold"/>
+                <a:ea typeface="DejaVu Sans"/>
+              </a:rPr>
+              <a:t>- </a:t>
             </a:r>
             <a:r>
               <a:rPr b="0" lang="zh-CN" sz="2200" spc="-1" strike="noStrike">
                 <a:solidFill>
                   <a:srgbClr val="000000"/>
                 </a:solidFill>
-                <a:latin typeface="Arial"/>
-                <a:ea typeface="DejaVu Sans"/>
-              </a:rPr>
-              <a:t>각 얼굴의 감정을 예측하는 감정 예측 모델</a:t>
+                <a:latin typeface="Montserrat Semi-Bold"/>
+                <a:ea typeface="DejaVu Sans"/>
+              </a:rPr>
+              <a:t>이 시스템을 통해 사용자는 자신의 감정을 인지하고 조절할 수 있는 기회를 가짐  </a:t>
             </a:r>
             <a:endParaRPr b="0" lang="en-US" sz="2200" spc="-1" strike="noStrike">
               <a:latin typeface="Arial"/>
             </a:endParaRPr>
           </a:p>
-          <a:p>
-            <a:pPr>
-              <a:lnSpc>
-                <a:spcPct val="100000"/>
-              </a:lnSpc>
-              <a:buNone/>
-            </a:pPr>
-            <a:endParaRPr b="0" lang="en-US" sz="2200" spc="-1" strike="noStrike">
-              <a:latin typeface="Arial"/>
-            </a:endParaRPr>
-          </a:p>
-          <a:p>
-            <a:pPr>
-              <a:lnSpc>
-                <a:spcPct val="100000"/>
-              </a:lnSpc>
-              <a:buNone/>
-            </a:pPr>
-            <a:r>
-              <a:rPr b="0" lang="en-US" sz="2200" spc="-1" strike="noStrike">
-                <a:solidFill>
-                  <a:srgbClr val="000000"/>
-                </a:solidFill>
-                <a:latin typeface="Arial"/>
-                <a:ea typeface="DejaVu Sans"/>
-              </a:rPr>
-              <a:t>3. </a:t>
-            </a:r>
-            <a:r>
-              <a:rPr b="0" lang="zh-CN" sz="2200" spc="-1" strike="noStrike">
-                <a:solidFill>
-                  <a:srgbClr val="000000"/>
-                </a:solidFill>
-                <a:latin typeface="Arial"/>
-                <a:ea typeface="DejaVu Sans"/>
-              </a:rPr>
-              <a:t>음성을 녹음하고 변환할 음성 모델</a:t>
-            </a:r>
-            <a:endParaRPr b="0" lang="en-US" sz="2200" spc="-1" strike="noStrike">
-              <a:latin typeface="Arial"/>
-            </a:endParaRPr>
-          </a:p>
-          <a:p>
-            <a:pPr>
-              <a:lnSpc>
-                <a:spcPct val="100000"/>
-              </a:lnSpc>
-              <a:buNone/>
-            </a:pPr>
-            <a:endParaRPr b="0" lang="en-US" sz="2200" spc="-1" strike="noStrike">
-              <a:latin typeface="Arial"/>
-            </a:endParaRPr>
-          </a:p>
-          <a:p>
-            <a:pPr>
-              <a:lnSpc>
-                <a:spcPct val="100000"/>
-              </a:lnSpc>
-              <a:buNone/>
-            </a:pPr>
-            <a:r>
-              <a:rPr b="0" lang="en-US" sz="2200" spc="-1" strike="noStrike">
-                <a:solidFill>
-                  <a:srgbClr val="000000"/>
-                </a:solidFill>
-                <a:latin typeface="Arial"/>
-                <a:ea typeface="DejaVu Sans"/>
-              </a:rPr>
-              <a:t>4. </a:t>
-            </a:r>
-            <a:r>
-              <a:rPr b="0" lang="zh-CN" sz="2200" spc="-1" strike="noStrike">
-                <a:solidFill>
-                  <a:srgbClr val="000000"/>
-                </a:solidFill>
-                <a:latin typeface="Arial"/>
-                <a:ea typeface="DejaVu Sans"/>
-              </a:rPr>
-              <a:t>음성을 텍스트로 변환해줄 문자 변환 모델</a:t>
-            </a:r>
-            <a:endParaRPr b="0" lang="en-US" sz="2200" spc="-1" strike="noStrike">
-              <a:latin typeface="Arial"/>
-            </a:endParaRPr>
-          </a:p>
-        </p:txBody>
-      </p:sp>
-      <p:sp>
-        <p:nvSpPr>
-          <p:cNvPr id="119" name=""/>
-          <p:cNvSpPr/>
-          <p:nvPr/>
-        </p:nvSpPr>
-        <p:spPr>
-          <a:xfrm>
-            <a:off x="9277200" y="5257800"/>
-            <a:ext cx="7085880" cy="3199680"/>
-          </a:xfrm>
-          <a:prstGeom prst="rect">
-            <a:avLst/>
-          </a:prstGeom>
-          <a:noFill/>
-          <a:ln w="0">
-            <a:noFill/>
-          </a:ln>
-        </p:spPr>
-        <p:style>
-          <a:lnRef idx="0"/>
-          <a:fillRef idx="0"/>
-          <a:effectRef idx="0"/>
-          <a:fontRef idx="minor"/>
-        </p:style>
-        <p:txBody>
-          <a:bodyPr lIns="90000" rIns="90000" tIns="45000" bIns="45000" anchor="t">
-            <a:noAutofit/>
-          </a:bodyPr>
-          <a:p>
-            <a:pPr>
-              <a:lnSpc>
-                <a:spcPct val="100000"/>
-              </a:lnSpc>
-              <a:buNone/>
-            </a:pPr>
-            <a:r>
-              <a:rPr b="0" lang="en-US" sz="2200" spc="-1" strike="noStrike">
-                <a:solidFill>
-                  <a:srgbClr val="000000"/>
-                </a:solidFill>
-                <a:latin typeface="Arial"/>
-                <a:ea typeface="DejaVu Sans"/>
-              </a:rPr>
-              <a:t>1. </a:t>
-            </a:r>
-            <a:r>
-              <a:rPr b="0" lang="zh-CN" sz="2200" spc="-1" strike="noStrike">
-                <a:solidFill>
-                  <a:srgbClr val="000000"/>
-                </a:solidFill>
-                <a:latin typeface="Arial"/>
-                <a:ea typeface="DejaVu Sans"/>
-              </a:rPr>
-              <a:t>얼굴 객체 감지 모델로 부터 객체 </a:t>
-            </a:r>
-            <a:r>
-              <a:rPr b="0" lang="en-US" sz="2200" spc="-1" strike="noStrike">
-                <a:solidFill>
-                  <a:srgbClr val="000000"/>
-                </a:solidFill>
-                <a:latin typeface="Arial"/>
-                <a:ea typeface="DejaVu Sans"/>
-              </a:rPr>
-              <a:t>box</a:t>
-            </a:r>
-            <a:r>
-              <a:rPr b="0" lang="zh-CN" sz="2200" spc="-1" strike="noStrike">
-                <a:solidFill>
-                  <a:srgbClr val="000000"/>
-                </a:solidFill>
-                <a:latin typeface="Arial"/>
-                <a:ea typeface="DejaVu Sans"/>
-              </a:rPr>
-              <a:t>위치 처리</a:t>
-            </a:r>
-            <a:endParaRPr b="0" lang="en-US" sz="2200" spc="-1" strike="noStrike">
-              <a:latin typeface="Arial"/>
-            </a:endParaRPr>
-          </a:p>
-          <a:p>
-            <a:pPr>
-              <a:lnSpc>
-                <a:spcPct val="100000"/>
-              </a:lnSpc>
-              <a:buNone/>
-            </a:pPr>
-            <a:endParaRPr b="0" lang="en-US" sz="2200" spc="-1" strike="noStrike">
-              <a:latin typeface="Arial"/>
-            </a:endParaRPr>
-          </a:p>
-          <a:p>
-            <a:pPr>
-              <a:lnSpc>
-                <a:spcPct val="100000"/>
-              </a:lnSpc>
-              <a:buNone/>
-            </a:pPr>
-            <a:r>
-              <a:rPr b="0" lang="en-US" sz="2200" spc="-1" strike="noStrike">
-                <a:solidFill>
-                  <a:srgbClr val="000000"/>
-                </a:solidFill>
-                <a:latin typeface="Arial"/>
-                <a:ea typeface="DejaVu Sans"/>
-              </a:rPr>
-              <a:t>2. </a:t>
-            </a:r>
-            <a:r>
-              <a:rPr b="0" lang="zh-CN" sz="2200" spc="-1" strike="noStrike">
-                <a:solidFill>
-                  <a:srgbClr val="000000"/>
-                </a:solidFill>
-                <a:latin typeface="Arial"/>
-                <a:ea typeface="DejaVu Sans"/>
-              </a:rPr>
-              <a:t>각 </a:t>
-            </a:r>
-            <a:r>
-              <a:rPr b="0" lang="en-US" sz="2200" spc="-1" strike="noStrike">
-                <a:solidFill>
-                  <a:srgbClr val="000000"/>
-                </a:solidFill>
-                <a:latin typeface="Arial"/>
-                <a:ea typeface="DejaVu Sans"/>
-              </a:rPr>
-              <a:t>box</a:t>
-            </a:r>
-            <a:r>
-              <a:rPr b="0" lang="zh-CN" sz="2200" spc="-1" strike="noStrike">
-                <a:solidFill>
-                  <a:srgbClr val="000000"/>
-                </a:solidFill>
-                <a:latin typeface="Arial"/>
-                <a:ea typeface="DejaVu Sans"/>
-              </a:rPr>
-              <a:t>에 대해 감정 예측 후 결과값 처리</a:t>
-            </a:r>
-            <a:endParaRPr b="0" lang="en-US" sz="2200" spc="-1" strike="noStrike">
-              <a:latin typeface="Arial"/>
-            </a:endParaRPr>
-          </a:p>
-          <a:p>
-            <a:pPr>
-              <a:lnSpc>
-                <a:spcPct val="100000"/>
-              </a:lnSpc>
-              <a:buNone/>
-            </a:pPr>
-            <a:endParaRPr b="0" lang="en-US" sz="2200" spc="-1" strike="noStrike">
-              <a:latin typeface="Arial"/>
-            </a:endParaRPr>
-          </a:p>
-          <a:p>
-            <a:pPr>
-              <a:lnSpc>
-                <a:spcPct val="100000"/>
-              </a:lnSpc>
-              <a:buNone/>
-            </a:pPr>
-            <a:r>
-              <a:rPr b="0" lang="en-US" sz="2200" spc="-1" strike="noStrike">
-                <a:solidFill>
-                  <a:srgbClr val="000000"/>
-                </a:solidFill>
-                <a:latin typeface="Arial"/>
-                <a:ea typeface="DejaVu Sans"/>
-              </a:rPr>
-              <a:t>3. </a:t>
-            </a:r>
-            <a:r>
-              <a:rPr b="0" lang="zh-CN" sz="2200" spc="-1" strike="noStrike">
-                <a:solidFill>
-                  <a:srgbClr val="000000"/>
-                </a:solidFill>
-                <a:latin typeface="Arial"/>
-                <a:ea typeface="DejaVu Sans"/>
-              </a:rPr>
-              <a:t>마이크 음성 녹음 후 포맷 변환 처리</a:t>
-            </a:r>
-            <a:endParaRPr b="0" lang="en-US" sz="2200" spc="-1" strike="noStrike">
-              <a:latin typeface="Arial"/>
-            </a:endParaRPr>
-          </a:p>
-          <a:p>
-            <a:pPr>
-              <a:lnSpc>
-                <a:spcPct val="100000"/>
-              </a:lnSpc>
-              <a:buNone/>
-            </a:pPr>
-            <a:endParaRPr b="0" lang="en-US" sz="2200" spc="-1" strike="noStrike">
-              <a:latin typeface="Arial"/>
-            </a:endParaRPr>
-          </a:p>
-          <a:p>
-            <a:pPr>
-              <a:lnSpc>
-                <a:spcPct val="100000"/>
-              </a:lnSpc>
-              <a:buNone/>
-            </a:pPr>
-            <a:r>
-              <a:rPr b="0" lang="en-US" sz="2200" spc="-1" strike="noStrike">
-                <a:solidFill>
-                  <a:srgbClr val="000000"/>
-                </a:solidFill>
-                <a:latin typeface="Arial"/>
-                <a:ea typeface="DejaVu Sans"/>
-              </a:rPr>
-              <a:t>4. </a:t>
-            </a:r>
-            <a:r>
-              <a:rPr b="0" lang="zh-CN" sz="2200" spc="-1" strike="noStrike">
-                <a:solidFill>
-                  <a:srgbClr val="000000"/>
-                </a:solidFill>
-                <a:latin typeface="Arial"/>
-                <a:ea typeface="DejaVu Sans"/>
-              </a:rPr>
-              <a:t>처리된 음성을 텍스트로 변환 후 해당 텍스트에 따라 결과 처리</a:t>
-            </a:r>
-            <a:endParaRPr b="0" lang="en-US" sz="2200" spc="-1" strike="noStrike">
-              <a:latin typeface="Arial"/>
-            </a:endParaRPr>
-          </a:p>
-          <a:p>
-            <a:pPr>
-              <a:lnSpc>
-                <a:spcPct val="100000"/>
-              </a:lnSpc>
-              <a:buNone/>
-            </a:pPr>
-            <a:endParaRPr b="0" lang="en-US" sz="2200" spc="-1" strike="noStrike">
-              <a:latin typeface="Arial"/>
-            </a:endParaRPr>
-          </a:p>
-          <a:p>
-            <a:pPr>
-              <a:lnSpc>
-                <a:spcPct val="100000"/>
-              </a:lnSpc>
-              <a:buNone/>
-            </a:pPr>
-            <a:r>
-              <a:rPr b="0" lang="en-US" sz="2200" spc="-1" strike="noStrike">
-                <a:solidFill>
-                  <a:srgbClr val="000000"/>
-                </a:solidFill>
-                <a:latin typeface="Arial"/>
-                <a:ea typeface="DejaVu Sans"/>
-              </a:rPr>
-              <a:t>5. </a:t>
-            </a:r>
-            <a:r>
-              <a:rPr b="0" lang="zh-CN" sz="2200" spc="-1" strike="noStrike">
-                <a:solidFill>
-                  <a:srgbClr val="000000"/>
-                </a:solidFill>
-                <a:latin typeface="Arial"/>
-                <a:ea typeface="DejaVu Sans"/>
-              </a:rPr>
-              <a:t>각 과정을 하나의 실행되는 프로그램으로 만들기</a:t>
-            </a:r>
-            <a:endParaRPr b="0" lang="en-US" sz="2200" spc="-1" strike="noStrike">
-              <a:latin typeface="Arial"/>
-            </a:endParaRPr>
-          </a:p>
-        </p:txBody>
-      </p:sp>
-    </p:spTree>
-  </p:cSld>
-  <mc:AlternateContent>
-    <mc:Choice Requires="p14">
-      <p:transition spd="slow" p14:dur="2000"/>
-    </mc:Choice>
-    <mc:Fallback>
-      <p:transition spd="slow"/>
-    </mc:Fallback>
-  </mc:AlternateContent>
-</p:sld>
-</file>
-
-<file path=ppt/slides/slide4.xml><?xml version="1.0" encoding="utf-8"?>
-<p:sld xmlns:a="http://schemas.openxmlformats.org/drawingml/2006/main" xmlns:p="http://schemas.openxmlformats.org/presentationml/2006/main" xmlns:r="http://schemas.openxmlformats.org/officeDocument/2006/relationships" xmlns:p14="http://schemas.microsoft.com/office/powerpoint/2010/main" xmlns:p15="http://schemas.microsoft.com/office/powerpoint/2012/main" xmlns:mc="http://schemas.openxmlformats.org/markup-compatibility/2006">
-  <p:cSld>
-    <p:bg>
-      <p:bgPr>
-        <a:solidFill>
-          <a:srgbClr val="efefef"/>
-        </a:solidFill>
-      </p:bgPr>
-    </p:bg>
-    <p:spTree>
-      <p:nvGrpSpPr>
-        <p:cNvPr id="1" name=""/>
-        <p:cNvGrpSpPr/>
-        <p:nvPr/>
-      </p:nvGrpSpPr>
-      <p:grpSpPr>
-        <a:xfrm>
-          <a:off x="0" y="0"/>
-          <a:ext cx="0" cy="0"/>
-          <a:chOff x="0" y="0"/>
-          <a:chExt cx="0" cy="0"/>
-        </a:xfrm>
-      </p:grpSpPr>
+        </p:txBody>
+      </p:sp>
       <p:grpSp>
         <p:nvGrpSpPr>
-          <p:cNvPr id="120" name="Group 19"/>
+          <p:cNvPr id="114" name="Group 10"/>
           <p:cNvGrpSpPr/>
           <p:nvPr/>
         </p:nvGrpSpPr>
         <p:grpSpPr>
           <a:xfrm>
-            <a:off x="2013120" y="990360"/>
-            <a:ext cx="15087240" cy="1860840"/>
-            <a:chOff x="2013120" y="990360"/>
-            <a:chExt cx="15087240" cy="1860840"/>
+            <a:off x="2057400" y="685800"/>
+            <a:ext cx="15086880" cy="1860480"/>
+            <a:chOff x="2057400" y="685800"/>
+            <a:chExt cx="15086880" cy="1860480"/>
           </a:xfrm>
         </p:grpSpPr>
         <p:sp>
           <p:nvSpPr>
-            <p:cNvPr id="121" name="Freeform 18"/>
+            <p:cNvPr id="115" name="Freeform 9"/>
             <p:cNvSpPr/>
             <p:nvPr/>
           </p:nvSpPr>
           <p:spPr>
             <a:xfrm>
-              <a:off x="2013120" y="1356480"/>
-              <a:ext cx="15087240" cy="1494720"/>
+              <a:off x="2057400" y="1051920"/>
+              <a:ext cx="15086880" cy="1494360"/>
             </a:xfrm>
             <a:custGeom>
               <a:avLst/>
@@ -9896,14 +9754,215 @@
         </p:sp>
         <p:sp>
           <p:nvSpPr>
-            <p:cNvPr id="122" name="TextBox 32"/>
+            <p:cNvPr id="116" name="TextBox 25"/>
             <p:cNvSpPr/>
             <p:nvPr/>
           </p:nvSpPr>
           <p:spPr>
             <a:xfrm>
-              <a:off x="2013120" y="990360"/>
-              <a:ext cx="15087240" cy="1860840"/>
+              <a:off x="2057400" y="685800"/>
+              <a:ext cx="15086880" cy="1860480"/>
+            </a:xfrm>
+            <a:prstGeom prst="rect">
+              <a:avLst/>
+            </a:prstGeom>
+            <a:noFill/>
+            <a:ln w="0">
+              <a:noFill/>
+            </a:ln>
+          </p:spPr>
+          <p:style>
+            <a:lnRef idx="0"/>
+            <a:fillRef idx="0"/>
+            <a:effectRef idx="0"/>
+            <a:fontRef idx="minor"/>
+          </p:style>
+        </p:sp>
+      </p:grpSp>
+      <p:sp>
+        <p:nvSpPr>
+          <p:cNvPr id="117" name="TextBox 26"/>
+          <p:cNvSpPr/>
+          <p:nvPr/>
+        </p:nvSpPr>
+        <p:spPr>
+          <a:xfrm>
+            <a:off x="6353640" y="1371600"/>
+            <a:ext cx="7999560" cy="944280"/>
+          </a:xfrm>
+          <a:prstGeom prst="rect">
+            <a:avLst/>
+          </a:prstGeom>
+          <a:noFill/>
+          <a:ln w="0">
+            <a:noFill/>
+          </a:ln>
+        </p:spPr>
+        <p:style>
+          <a:lnRef idx="0"/>
+          <a:fillRef idx="0"/>
+          <a:effectRef idx="0"/>
+          <a:fontRef idx="minor"/>
+        </p:style>
+        <p:txBody>
+          <a:bodyPr lIns="0" rIns="0" tIns="0" bIns="0" anchor="t">
+            <a:spAutoFit/>
+          </a:bodyPr>
+          <a:p>
+            <a:pPr algn="ctr">
+              <a:lnSpc>
+                <a:spcPts val="7438"/>
+              </a:lnSpc>
+              <a:buNone/>
+            </a:pPr>
+            <a:r>
+              <a:rPr b="0" lang="zh-CN" sz="6200" spc="-1" strike="noStrike">
+                <a:solidFill>
+                  <a:srgbClr val="000000"/>
+                </a:solidFill>
+                <a:latin typeface="Montserrat Semi-Bold"/>
+                <a:ea typeface="DejaVu Sans"/>
+              </a:rPr>
+              <a:t>프로젝트 개요 </a:t>
+            </a:r>
+            <a:endParaRPr b="0" lang="en-US" sz="6200" spc="-1" strike="noStrike">
+              <a:latin typeface="Arial"/>
+            </a:endParaRPr>
+          </a:p>
+        </p:txBody>
+      </p:sp>
+      <p:pic>
+        <p:nvPicPr>
+          <p:cNvPr id="118" name="" descr=""/>
+          <p:cNvPicPr/>
+          <p:nvPr/>
+        </p:nvPicPr>
+        <p:blipFill>
+          <a:blip r:embed="rId1"/>
+          <a:stretch/>
+        </p:blipFill>
+        <p:spPr>
+          <a:xfrm>
+            <a:off x="10257120" y="3429000"/>
+            <a:ext cx="6202080" cy="6202080"/>
+          </a:xfrm>
+          <a:prstGeom prst="rect">
+            <a:avLst/>
+          </a:prstGeom>
+          <a:ln w="0">
+            <a:noFill/>
+          </a:ln>
+        </p:spPr>
+      </p:pic>
+    </p:spTree>
+  </p:cSld>
+  <mc:AlternateContent>
+    <mc:Choice Requires="p14">
+      <p:transition spd="slow" p14:dur="2000"/>
+    </mc:Choice>
+    <mc:Fallback>
+      <p:transition spd="slow"/>
+    </mc:Fallback>
+  </mc:AlternateContent>
+</p:sld>
+</file>
+
+<file path=ppt/slides/slide4.xml><?xml version="1.0" encoding="utf-8"?>
+<p:sld xmlns:a="http://schemas.openxmlformats.org/drawingml/2006/main" xmlns:p="http://schemas.openxmlformats.org/presentationml/2006/main" xmlns:r="http://schemas.openxmlformats.org/officeDocument/2006/relationships" xmlns:p14="http://schemas.microsoft.com/office/powerpoint/2010/main" xmlns:p15="http://schemas.microsoft.com/office/powerpoint/2012/main" xmlns:mc="http://schemas.openxmlformats.org/markup-compatibility/2006">
+  <p:cSld>
+    <p:bg>
+      <p:bgPr>
+        <a:solidFill>
+          <a:srgbClr val="efefef"/>
+        </a:solidFill>
+      </p:bgPr>
+    </p:bg>
+    <p:spTree>
+      <p:nvGrpSpPr>
+        <p:cNvPr id="1" name=""/>
+        <p:cNvGrpSpPr/>
+        <p:nvPr/>
+      </p:nvGrpSpPr>
+      <p:grpSpPr>
+        <a:xfrm>
+          <a:off x="0" y="0"/>
+          <a:ext cx="0" cy="0"/>
+          <a:chOff x="0" y="0"/>
+          <a:chExt cx="0" cy="0"/>
+        </a:xfrm>
+      </p:grpSpPr>
+      <p:grpSp>
+        <p:nvGrpSpPr>
+          <p:cNvPr id="119" name="Group 26"/>
+          <p:cNvGrpSpPr/>
+          <p:nvPr/>
+        </p:nvGrpSpPr>
+        <p:grpSpPr>
+          <a:xfrm>
+            <a:off x="1544760" y="918360"/>
+            <a:ext cx="15086880" cy="1860480"/>
+            <a:chOff x="1544760" y="918360"/>
+            <a:chExt cx="15086880" cy="1860480"/>
+          </a:xfrm>
+        </p:grpSpPr>
+        <p:sp>
+          <p:nvSpPr>
+            <p:cNvPr id="120" name="Freeform 17"/>
+            <p:cNvSpPr/>
+            <p:nvPr/>
+          </p:nvSpPr>
+          <p:spPr>
+            <a:xfrm>
+              <a:off x="1544760" y="1284480"/>
+              <a:ext cx="15086880" cy="1494360"/>
+            </a:xfrm>
+            <a:custGeom>
+              <a:avLst/>
+              <a:gdLst/>
+              <a:ahLst/>
+              <a:rect l="l" t="t" r="r" b="b"/>
+              <a:pathLst>
+                <a:path w="2107169" h="233764">
+                  <a:moveTo>
+                    <a:pt x="0" y="0"/>
+                  </a:moveTo>
+                  <a:lnTo>
+                    <a:pt x="2107169" y="0"/>
+                  </a:lnTo>
+                  <a:lnTo>
+                    <a:pt x="2107169" y="233764"/>
+                  </a:lnTo>
+                  <a:lnTo>
+                    <a:pt x="0" y="233764"/>
+                  </a:lnTo>
+                  <a:close/>
+                </a:path>
+              </a:pathLst>
+            </a:custGeom>
+            <a:solidFill>
+              <a:srgbClr val="ffffff"/>
+            </a:solidFill>
+            <a:ln w="0">
+              <a:noFill/>
+            </a:ln>
+          </p:spPr>
+          <p:style>
+            <a:lnRef idx="0"/>
+            <a:fillRef idx="0"/>
+            <a:effectRef idx="0"/>
+            <a:fontRef idx="minor"/>
+          </p:style>
+        </p:sp>
+        <p:sp>
+          <p:nvSpPr>
+            <p:cNvPr id="121" name="TextBox 11"/>
+            <p:cNvSpPr/>
+            <p:nvPr/>
+          </p:nvSpPr>
+          <p:spPr>
+            <a:xfrm>
+              <a:off x="1544760" y="918360"/>
+              <a:ext cx="15086880" cy="1860480"/>
             </a:xfrm>
             <a:prstGeom prst="rect">
               <a:avLst/>
@@ -9923,28 +9982,28 @@
       </p:grpSp>
       <p:grpSp>
         <p:nvGrpSpPr>
-          <p:cNvPr id="123" name="Group 3"/>
+          <p:cNvPr id="122" name="Group 36"/>
           <p:cNvGrpSpPr/>
           <p:nvPr/>
         </p:nvGrpSpPr>
         <p:grpSpPr>
           <a:xfrm>
-            <a:off x="2049120" y="2971440"/>
-            <a:ext cx="15095520" cy="6857640"/>
-            <a:chOff x="2049120" y="2971440"/>
-            <a:chExt cx="15095520" cy="6857640"/>
+            <a:off x="1600200" y="2971440"/>
+            <a:ext cx="15094080" cy="6856200"/>
+            <a:chOff x="1600200" y="2971440"/>
+            <a:chExt cx="15094080" cy="6856200"/>
           </a:xfrm>
         </p:grpSpPr>
         <p:sp>
           <p:nvSpPr>
-            <p:cNvPr id="124" name="Freeform 4"/>
+            <p:cNvPr id="123" name="Freeform 22"/>
             <p:cNvSpPr/>
             <p:nvPr/>
           </p:nvSpPr>
           <p:spPr>
             <a:xfrm>
-              <a:off x="2049120" y="3273120"/>
-              <a:ext cx="15095520" cy="6555960"/>
+              <a:off x="1600200" y="3273120"/>
+              <a:ext cx="15094080" cy="6554520"/>
             </a:xfrm>
             <a:custGeom>
               <a:avLst/>
@@ -10028,14 +10087,40 @@
         </p:sp>
         <p:sp>
           <p:nvSpPr>
-            <p:cNvPr id="125" name="TextBox 35"/>
+            <p:cNvPr id="124" name="TextBox 74"/>
             <p:cNvSpPr/>
             <p:nvPr/>
           </p:nvSpPr>
           <p:spPr>
             <a:xfrm>
-              <a:off x="2049120" y="2971440"/>
-              <a:ext cx="15095520" cy="6857280"/>
+              <a:off x="1600200" y="2971440"/>
+              <a:ext cx="15094080" cy="6855840"/>
+            </a:xfrm>
+            <a:prstGeom prst="rect">
+              <a:avLst/>
+            </a:prstGeom>
+            <a:noFill/>
+            <a:ln w="0">
+              <a:noFill/>
+            </a:ln>
+          </p:spPr>
+          <p:style>
+            <a:lnRef idx="0"/>
+            <a:fillRef idx="0"/>
+            <a:effectRef idx="0"/>
+            <a:fontRef idx="minor"/>
+          </p:style>
+        </p:sp>
+        <p:sp>
+          <p:nvSpPr>
+            <p:cNvPr id="125" name=""/>
+            <p:cNvSpPr/>
+            <p:nvPr/>
+          </p:nvSpPr>
+          <p:spPr>
+            <a:xfrm>
+              <a:off x="2286000" y="5257440"/>
+              <a:ext cx="5484960" cy="1932120"/>
             </a:xfrm>
             <a:prstGeom prst="rect">
               <a:avLst/>
@@ -10055,14 +10140,14 @@
       </p:grpSp>
       <p:sp>
         <p:nvSpPr>
-          <p:cNvPr id="126" name="TextBox 41"/>
+          <p:cNvPr id="126" name="TextBox 75"/>
           <p:cNvSpPr/>
           <p:nvPr/>
         </p:nvSpPr>
         <p:spPr>
           <a:xfrm>
-            <a:off x="3753360" y="1688400"/>
-            <a:ext cx="10780200" cy="944280"/>
+            <a:off x="2043360" y="4319640"/>
+            <a:ext cx="6249240" cy="609120"/>
           </a:xfrm>
           <a:prstGeom prst="rect">
             <a:avLst/>
@@ -10083,6 +10168,138 @@
             <a:spAutoFit/>
           </a:bodyPr>
           <a:p>
+            <a:pPr marL="216000" indent="-216000">
+              <a:lnSpc>
+                <a:spcPts val="4799"/>
+              </a:lnSpc>
+              <a:buClr>
+                <a:srgbClr val="000000"/>
+              </a:buClr>
+              <a:buFont typeface="Wingdings" charset="2"/>
+              <a:buChar char=""/>
+            </a:pPr>
+            <a:r>
+              <a:rPr b="0" lang="en-US" sz="4000" spc="-1" strike="noStrike">
+                <a:solidFill>
+                  <a:srgbClr val="000000"/>
+                </a:solidFill>
+                <a:latin typeface="Montserrat Semi-Bold"/>
+                <a:ea typeface="DejaVu Sans"/>
+              </a:rPr>
+              <a:t> </a:t>
+            </a:r>
+            <a:r>
+              <a:rPr b="0" lang="zh-CN" sz="4000" spc="-1" strike="noStrike">
+                <a:solidFill>
+                  <a:srgbClr val="000000"/>
+                </a:solidFill>
+                <a:latin typeface="Montserrat Semi-Bold"/>
+                <a:ea typeface="DejaVu Sans"/>
+              </a:rPr>
+              <a:t>요구 모델</a:t>
+            </a:r>
+            <a:endParaRPr b="0" lang="en-US" sz="4000" spc="-1" strike="noStrike">
+              <a:latin typeface="Arial"/>
+            </a:endParaRPr>
+          </a:p>
+        </p:txBody>
+      </p:sp>
+      <p:sp>
+        <p:nvSpPr>
+          <p:cNvPr id="127" name="TextBox 76"/>
+          <p:cNvSpPr/>
+          <p:nvPr/>
+        </p:nvSpPr>
+        <p:spPr>
+          <a:xfrm>
+            <a:off x="9211680" y="4319640"/>
+            <a:ext cx="6249240" cy="609120"/>
+          </a:xfrm>
+          <a:prstGeom prst="rect">
+            <a:avLst/>
+          </a:prstGeom>
+          <a:noFill/>
+          <a:ln w="0">
+            <a:noFill/>
+          </a:ln>
+        </p:spPr>
+        <p:style>
+          <a:lnRef idx="0"/>
+          <a:fillRef idx="0"/>
+          <a:effectRef idx="0"/>
+          <a:fontRef idx="minor"/>
+        </p:style>
+        <p:txBody>
+          <a:bodyPr lIns="0" rIns="0" tIns="0" bIns="0" anchor="t">
+            <a:spAutoFit/>
+          </a:bodyPr>
+          <a:p>
+            <a:pPr marL="216000" indent="-216000">
+              <a:lnSpc>
+                <a:spcPts val="4799"/>
+              </a:lnSpc>
+              <a:buClr>
+                <a:srgbClr val="000000"/>
+              </a:buClr>
+              <a:buFont typeface="Wingdings" charset="2"/>
+              <a:buChar char=""/>
+            </a:pPr>
+            <a:r>
+              <a:rPr b="0" lang="en-US" sz="4000" spc="-1" strike="noStrike">
+                <a:solidFill>
+                  <a:srgbClr val="000000"/>
+                </a:solidFill>
+                <a:latin typeface="Montserrat Semi-Bold"/>
+                <a:ea typeface="DejaVu Sans"/>
+              </a:rPr>
+              <a:t> </a:t>
+            </a:r>
+            <a:r>
+              <a:rPr b="0" lang="zh-CN" sz="4000" spc="-1" strike="noStrike">
+                <a:solidFill>
+                  <a:srgbClr val="000000"/>
+                </a:solidFill>
+                <a:latin typeface="Montserrat Semi-Bold"/>
+                <a:ea typeface="DejaVu Sans"/>
+              </a:rPr>
+              <a:t>개발 요소</a:t>
+            </a:r>
+            <a:endParaRPr b="0" lang="en-US" sz="4000" spc="-1" strike="noStrike">
+              <a:latin typeface="Arial"/>
+            </a:endParaRPr>
+          </a:p>
+        </p:txBody>
+      </p:sp>
+      <p:sp>
+        <p:nvSpPr>
+          <p:cNvPr id="128" name="TextBox 78"/>
+          <p:cNvSpPr/>
+          <p:nvPr/>
+        </p:nvSpPr>
+        <p:spPr>
+          <a:xfrm>
+            <a:off x="3753360" y="1688400"/>
+            <a:ext cx="10778760" cy="944280"/>
+          </a:xfrm>
+          <a:prstGeom prst="rect">
+            <a:avLst/>
+          </a:prstGeom>
+          <a:noFill/>
+          <a:ln w="0">
+            <a:noFill/>
+          </a:ln>
+        </p:spPr>
+        <p:style>
+          <a:lnRef idx="0"/>
+          <a:fillRef idx="0"/>
+          <a:effectRef idx="0"/>
+          <a:fontRef idx="minor"/>
+        </p:style>
+        <p:txBody>
+          <a:bodyPr lIns="0" rIns="0" tIns="0" bIns="0" anchor="t">
+            <a:spAutoFit/>
+          </a:bodyPr>
+          <a:p>
             <a:pPr algn="ctr">
               <a:lnSpc>
                 <a:spcPts val="7438"/>
@@ -10097,7 +10314,7 @@
                 <a:latin typeface="Montserrat Semi-Bold"/>
                 <a:ea typeface="DejaVu Sans"/>
               </a:rPr>
-              <a:t>시스템 동작 방식   </a:t>
+              <a:t>개발 과정  </a:t>
             </a:r>
             <a:endParaRPr b="0" lang="en-US" sz="6200" spc="-1" strike="noStrike">
               <a:latin typeface="Arial"/>
@@ -10105,29 +10322,490 @@
           </a:p>
         </p:txBody>
       </p:sp>
-      <p:pic>
-        <p:nvPicPr>
-          <p:cNvPr id="127" name="" descr=""/>
-          <p:cNvPicPr/>
+      <p:sp>
+        <p:nvSpPr>
+          <p:cNvPr id="129" name="TextBox 79"/>
+          <p:cNvSpPr/>
           <p:nvPr/>
-        </p:nvPicPr>
-        <p:blipFill>
-          <a:blip r:embed="rId1"/>
-          <a:stretch/>
-        </p:blipFill>
-        <p:spPr>
-          <a:xfrm>
-            <a:off x="4634640" y="3480480"/>
-            <a:ext cx="9786600" cy="6171480"/>
-          </a:xfrm>
-          <a:prstGeom prst="rect">
-            <a:avLst/>
-          </a:prstGeom>
-          <a:ln w="0">
-            <a:noFill/>
-          </a:ln>
-        </p:spPr>
-      </p:pic>
+        </p:nvSpPr>
+        <p:spPr>
+          <a:xfrm>
+            <a:off x="2331360" y="4319640"/>
+            <a:ext cx="6249240" cy="607680"/>
+          </a:xfrm>
+          <a:prstGeom prst="rect">
+            <a:avLst/>
+          </a:prstGeom>
+          <a:noFill/>
+          <a:ln w="0">
+            <a:noFill/>
+          </a:ln>
+        </p:spPr>
+        <p:style>
+          <a:lnRef idx="0"/>
+          <a:fillRef idx="0"/>
+          <a:effectRef idx="0"/>
+          <a:fontRef idx="minor"/>
+        </p:style>
+      </p:sp>
+      <p:sp>
+        <p:nvSpPr>
+          <p:cNvPr id="130" name=""/>
+          <p:cNvSpPr/>
+          <p:nvPr/>
+        </p:nvSpPr>
+        <p:spPr>
+          <a:xfrm>
+            <a:off x="2080800" y="5257800"/>
+            <a:ext cx="6856920" cy="3199320"/>
+          </a:xfrm>
+          <a:prstGeom prst="rect">
+            <a:avLst/>
+          </a:prstGeom>
+          <a:noFill/>
+          <a:ln w="0">
+            <a:noFill/>
+          </a:ln>
+        </p:spPr>
+        <p:style>
+          <a:lnRef idx="0"/>
+          <a:fillRef idx="0"/>
+          <a:effectRef idx="0"/>
+          <a:fontRef idx="minor"/>
+        </p:style>
+        <p:txBody>
+          <a:bodyPr lIns="90000" rIns="90000" tIns="45000" bIns="45000" anchor="t">
+            <a:noAutofit/>
+          </a:bodyPr>
+          <a:p>
+            <a:pPr>
+              <a:lnSpc>
+                <a:spcPct val="100000"/>
+              </a:lnSpc>
+              <a:buNone/>
+            </a:pPr>
+            <a:r>
+              <a:rPr b="0" lang="en-US" sz="2200" spc="-1" strike="noStrike">
+                <a:solidFill>
+                  <a:srgbClr val="000000"/>
+                </a:solidFill>
+                <a:latin typeface="Arial"/>
+                <a:ea typeface="DejaVu Sans"/>
+              </a:rPr>
+              <a:t>1. </a:t>
+            </a:r>
+            <a:r>
+              <a:rPr b="0" lang="zh-CN" sz="2200" spc="-1" strike="noStrike">
+                <a:solidFill>
+                  <a:srgbClr val="000000"/>
+                </a:solidFill>
+                <a:latin typeface="Arial"/>
+                <a:ea typeface="DejaVu Sans"/>
+              </a:rPr>
+              <a:t>이미지 속 얼굴 위치를 감지하는 얼굴 객체 감지 모델</a:t>
+            </a:r>
+            <a:endParaRPr b="0" lang="en-US" sz="2200" spc="-1" strike="noStrike">
+              <a:latin typeface="Arial"/>
+            </a:endParaRPr>
+          </a:p>
+          <a:p>
+            <a:pPr>
+              <a:lnSpc>
+                <a:spcPct val="100000"/>
+              </a:lnSpc>
+              <a:buNone/>
+            </a:pPr>
+            <a:endParaRPr b="0" lang="en-US" sz="2200" spc="-1" strike="noStrike">
+              <a:latin typeface="Arial"/>
+            </a:endParaRPr>
+          </a:p>
+          <a:p>
+            <a:pPr>
+              <a:lnSpc>
+                <a:spcPct val="100000"/>
+              </a:lnSpc>
+              <a:buNone/>
+            </a:pPr>
+            <a:r>
+              <a:rPr b="0" lang="en-US" sz="2200" spc="-1" strike="noStrike">
+                <a:solidFill>
+                  <a:srgbClr val="000000"/>
+                </a:solidFill>
+                <a:latin typeface="Arial"/>
+                <a:ea typeface="DejaVu Sans"/>
+              </a:rPr>
+              <a:t>2. </a:t>
+            </a:r>
+            <a:r>
+              <a:rPr b="0" lang="zh-CN" sz="2200" spc="-1" strike="noStrike">
+                <a:solidFill>
+                  <a:srgbClr val="000000"/>
+                </a:solidFill>
+                <a:latin typeface="Arial"/>
+                <a:ea typeface="DejaVu Sans"/>
+              </a:rPr>
+              <a:t>각 얼굴의 감정을 예측하는 감정 예측 모델</a:t>
+            </a:r>
+            <a:endParaRPr b="0" lang="en-US" sz="2200" spc="-1" strike="noStrike">
+              <a:latin typeface="Arial"/>
+            </a:endParaRPr>
+          </a:p>
+          <a:p>
+            <a:pPr>
+              <a:lnSpc>
+                <a:spcPct val="100000"/>
+              </a:lnSpc>
+              <a:buNone/>
+            </a:pPr>
+            <a:endParaRPr b="0" lang="en-US" sz="2200" spc="-1" strike="noStrike">
+              <a:latin typeface="Arial"/>
+            </a:endParaRPr>
+          </a:p>
+          <a:p>
+            <a:pPr>
+              <a:lnSpc>
+                <a:spcPct val="100000"/>
+              </a:lnSpc>
+              <a:buNone/>
+            </a:pPr>
+            <a:r>
+              <a:rPr b="0" lang="en-US" sz="2200" spc="-1" strike="noStrike">
+                <a:solidFill>
+                  <a:srgbClr val="000000"/>
+                </a:solidFill>
+                <a:latin typeface="Arial"/>
+                <a:ea typeface="DejaVu Sans"/>
+              </a:rPr>
+              <a:t>3. </a:t>
+            </a:r>
+            <a:r>
+              <a:rPr b="0" lang="zh-CN" sz="2200" spc="-1" strike="noStrike">
+                <a:solidFill>
+                  <a:srgbClr val="000000"/>
+                </a:solidFill>
+                <a:latin typeface="Arial"/>
+                <a:ea typeface="DejaVu Sans"/>
+              </a:rPr>
+              <a:t>음성을 녹음하고 변환할 음성 모델</a:t>
+            </a:r>
+            <a:endParaRPr b="0" lang="en-US" sz="2200" spc="-1" strike="noStrike">
+              <a:latin typeface="Arial"/>
+            </a:endParaRPr>
+          </a:p>
+          <a:p>
+            <a:pPr>
+              <a:lnSpc>
+                <a:spcPct val="100000"/>
+              </a:lnSpc>
+              <a:buNone/>
+            </a:pPr>
+            <a:endParaRPr b="0" lang="en-US" sz="2200" spc="-1" strike="noStrike">
+              <a:latin typeface="Arial"/>
+            </a:endParaRPr>
+          </a:p>
+          <a:p>
+            <a:pPr>
+              <a:lnSpc>
+                <a:spcPct val="100000"/>
+              </a:lnSpc>
+              <a:buNone/>
+            </a:pPr>
+            <a:r>
+              <a:rPr b="0" lang="en-US" sz="2200" spc="-1" strike="noStrike">
+                <a:solidFill>
+                  <a:srgbClr val="000000"/>
+                </a:solidFill>
+                <a:latin typeface="Arial"/>
+                <a:ea typeface="DejaVu Sans"/>
+              </a:rPr>
+              <a:t>4. </a:t>
+            </a:r>
+            <a:r>
+              <a:rPr b="0" lang="zh-CN" sz="2200" spc="-1" strike="noStrike">
+                <a:solidFill>
+                  <a:srgbClr val="000000"/>
+                </a:solidFill>
+                <a:latin typeface="Arial"/>
+                <a:ea typeface="DejaVu Sans"/>
+              </a:rPr>
+              <a:t>음성을 텍스트로 변환해줄 문자 변환 모델</a:t>
+            </a:r>
+            <a:endParaRPr b="0" lang="en-US" sz="2200" spc="-1" strike="noStrike">
+              <a:latin typeface="Arial"/>
+            </a:endParaRPr>
+          </a:p>
+        </p:txBody>
+      </p:sp>
+      <p:sp>
+        <p:nvSpPr>
+          <p:cNvPr id="131" name=""/>
+          <p:cNvSpPr/>
+          <p:nvPr/>
+        </p:nvSpPr>
+        <p:spPr>
+          <a:xfrm>
+            <a:off x="9277200" y="5257800"/>
+            <a:ext cx="7085520" cy="3199320"/>
+          </a:xfrm>
+          <a:prstGeom prst="rect">
+            <a:avLst/>
+          </a:prstGeom>
+          <a:noFill/>
+          <a:ln w="0">
+            <a:noFill/>
+          </a:ln>
+        </p:spPr>
+        <p:style>
+          <a:lnRef idx="0"/>
+          <a:fillRef idx="0"/>
+          <a:effectRef idx="0"/>
+          <a:fontRef idx="minor"/>
+        </p:style>
+        <p:txBody>
+          <a:bodyPr lIns="90000" rIns="90000" tIns="45000" bIns="45000" anchor="t">
+            <a:noAutofit/>
+          </a:bodyPr>
+          <a:p>
+            <a:pPr>
+              <a:lnSpc>
+                <a:spcPct val="100000"/>
+              </a:lnSpc>
+              <a:buNone/>
+            </a:pPr>
+            <a:r>
+              <a:rPr b="0" lang="en-US" sz="2200" spc="-1" strike="noStrike">
+                <a:solidFill>
+                  <a:srgbClr val="000000"/>
+                </a:solidFill>
+                <a:latin typeface="Arial"/>
+                <a:ea typeface="DejaVu Sans"/>
+              </a:rPr>
+              <a:t>1. </a:t>
+            </a:r>
+            <a:r>
+              <a:rPr b="0" lang="zh-CN" sz="2200" spc="-1" strike="noStrike">
+                <a:solidFill>
+                  <a:srgbClr val="000000"/>
+                </a:solidFill>
+                <a:latin typeface="Arial"/>
+                <a:ea typeface="DejaVu Sans"/>
+              </a:rPr>
+              <a:t>얼굴 객체 감지 모델로 부터 객체 </a:t>
+            </a:r>
+            <a:r>
+              <a:rPr b="0" lang="en-US" sz="2200" spc="-1" strike="noStrike">
+                <a:solidFill>
+                  <a:srgbClr val="000000"/>
+                </a:solidFill>
+                <a:latin typeface="Arial"/>
+                <a:ea typeface="DejaVu Sans"/>
+              </a:rPr>
+              <a:t>box</a:t>
+            </a:r>
+            <a:r>
+              <a:rPr b="0" lang="zh-CN" sz="2200" spc="-1" strike="noStrike">
+                <a:solidFill>
+                  <a:srgbClr val="000000"/>
+                </a:solidFill>
+                <a:latin typeface="Arial"/>
+                <a:ea typeface="DejaVu Sans"/>
+              </a:rPr>
+              <a:t>위치 처리</a:t>
+            </a:r>
+            <a:endParaRPr b="0" lang="en-US" sz="2200" spc="-1" strike="noStrike">
+              <a:latin typeface="Arial"/>
+            </a:endParaRPr>
+          </a:p>
+          <a:p>
+            <a:pPr>
+              <a:lnSpc>
+                <a:spcPct val="100000"/>
+              </a:lnSpc>
+              <a:buNone/>
+            </a:pPr>
+            <a:endParaRPr b="0" lang="en-US" sz="2200" spc="-1" strike="noStrike">
+              <a:latin typeface="Arial"/>
+            </a:endParaRPr>
+          </a:p>
+          <a:p>
+            <a:pPr>
+              <a:lnSpc>
+                <a:spcPct val="100000"/>
+              </a:lnSpc>
+              <a:buNone/>
+            </a:pPr>
+            <a:r>
+              <a:rPr b="0" lang="en-US" sz="2200" spc="-1" strike="noStrike">
+                <a:solidFill>
+                  <a:srgbClr val="000000"/>
+                </a:solidFill>
+                <a:latin typeface="Arial"/>
+                <a:ea typeface="DejaVu Sans"/>
+              </a:rPr>
+              <a:t>2. </a:t>
+            </a:r>
+            <a:r>
+              <a:rPr b="0" lang="zh-CN" sz="2200" spc="-1" strike="noStrike">
+                <a:solidFill>
+                  <a:srgbClr val="000000"/>
+                </a:solidFill>
+                <a:latin typeface="Arial"/>
+                <a:ea typeface="DejaVu Sans"/>
+              </a:rPr>
+              <a:t>각 </a:t>
+            </a:r>
+            <a:r>
+              <a:rPr b="0" lang="en-US" sz="2200" spc="-1" strike="noStrike">
+                <a:solidFill>
+                  <a:srgbClr val="000000"/>
+                </a:solidFill>
+                <a:latin typeface="Arial"/>
+                <a:ea typeface="DejaVu Sans"/>
+              </a:rPr>
+              <a:t>box</a:t>
+            </a:r>
+            <a:r>
+              <a:rPr b="0" lang="zh-CN" sz="2200" spc="-1" strike="noStrike">
+                <a:solidFill>
+                  <a:srgbClr val="000000"/>
+                </a:solidFill>
+                <a:latin typeface="Arial"/>
+                <a:ea typeface="DejaVu Sans"/>
+              </a:rPr>
+              <a:t>에 대해 감정 예측 후 결과값 처리</a:t>
+            </a:r>
+            <a:endParaRPr b="0" lang="en-US" sz="2200" spc="-1" strike="noStrike">
+              <a:latin typeface="Arial"/>
+            </a:endParaRPr>
+          </a:p>
+          <a:p>
+            <a:pPr>
+              <a:lnSpc>
+                <a:spcPct val="100000"/>
+              </a:lnSpc>
+              <a:buNone/>
+            </a:pPr>
+            <a:endParaRPr b="0" lang="en-US" sz="2200" spc="-1" strike="noStrike">
+              <a:latin typeface="Arial"/>
+            </a:endParaRPr>
+          </a:p>
+          <a:p>
+            <a:pPr>
+              <a:lnSpc>
+                <a:spcPct val="100000"/>
+              </a:lnSpc>
+              <a:buNone/>
+            </a:pPr>
+            <a:r>
+              <a:rPr b="0" lang="en-US" sz="2200" spc="-1" strike="noStrike">
+                <a:solidFill>
+                  <a:srgbClr val="000000"/>
+                </a:solidFill>
+                <a:latin typeface="Arial"/>
+                <a:ea typeface="DejaVu Sans"/>
+              </a:rPr>
+              <a:t>3. </a:t>
+            </a:r>
+            <a:r>
+              <a:rPr b="0" lang="zh-CN" sz="2200" spc="-1" strike="noStrike">
+                <a:solidFill>
+                  <a:srgbClr val="000000"/>
+                </a:solidFill>
+                <a:latin typeface="Arial"/>
+                <a:ea typeface="DejaVu Sans"/>
+              </a:rPr>
+              <a:t>마이크 음성 녹음 후 포맷 변환 처리</a:t>
+            </a:r>
+            <a:endParaRPr b="0" lang="en-US" sz="2200" spc="-1" strike="noStrike">
+              <a:latin typeface="Arial"/>
+            </a:endParaRPr>
+          </a:p>
+          <a:p>
+            <a:pPr>
+              <a:lnSpc>
+                <a:spcPct val="100000"/>
+              </a:lnSpc>
+              <a:buNone/>
+            </a:pPr>
+            <a:endParaRPr b="0" lang="en-US" sz="2200" spc="-1" strike="noStrike">
+              <a:latin typeface="Arial"/>
+            </a:endParaRPr>
+          </a:p>
+          <a:p>
+            <a:pPr>
+              <a:lnSpc>
+                <a:spcPct val="100000"/>
+              </a:lnSpc>
+              <a:buNone/>
+            </a:pPr>
+            <a:r>
+              <a:rPr b="0" lang="en-US" sz="2200" spc="-1" strike="noStrike">
+                <a:solidFill>
+                  <a:srgbClr val="000000"/>
+                </a:solidFill>
+                <a:latin typeface="Arial"/>
+                <a:ea typeface="DejaVu Sans"/>
+              </a:rPr>
+              <a:t>4. </a:t>
+            </a:r>
+            <a:r>
+              <a:rPr b="0" lang="zh-CN" sz="2200" spc="-1" strike="noStrike">
+                <a:solidFill>
+                  <a:srgbClr val="000000"/>
+                </a:solidFill>
+                <a:latin typeface="Arial"/>
+                <a:ea typeface="DejaVu Sans"/>
+              </a:rPr>
+              <a:t>처리된 음성을 텍스트로 변환 후 해당 텍스트에 따라 결과 처리</a:t>
+            </a:r>
+            <a:endParaRPr b="0" lang="en-US" sz="2200" spc="-1" strike="noStrike">
+              <a:latin typeface="Arial"/>
+            </a:endParaRPr>
+          </a:p>
+          <a:p>
+            <a:pPr>
+              <a:lnSpc>
+                <a:spcPct val="100000"/>
+              </a:lnSpc>
+              <a:buNone/>
+            </a:pPr>
+            <a:endParaRPr b="0" lang="en-US" sz="2200" spc="-1" strike="noStrike">
+              <a:latin typeface="Arial"/>
+            </a:endParaRPr>
+          </a:p>
+          <a:p>
+            <a:pPr>
+              <a:lnSpc>
+                <a:spcPct val="100000"/>
+              </a:lnSpc>
+              <a:buNone/>
+            </a:pPr>
+            <a:r>
+              <a:rPr b="0" lang="en-US" sz="2200" spc="-1" strike="noStrike">
+                <a:solidFill>
+                  <a:srgbClr val="000000"/>
+                </a:solidFill>
+                <a:latin typeface="Arial"/>
+                <a:ea typeface="DejaVu Sans"/>
+              </a:rPr>
+              <a:t>5. </a:t>
+            </a:r>
+            <a:r>
+              <a:rPr b="0" lang="zh-CN" sz="2200" spc="-1" strike="noStrike">
+                <a:solidFill>
+                  <a:srgbClr val="000000"/>
+                </a:solidFill>
+                <a:latin typeface="Arial"/>
+                <a:ea typeface="DejaVu Sans"/>
+              </a:rPr>
+              <a:t>각 과정을 하나의 실행되는 프로그램으로 만들기</a:t>
+            </a:r>
+            <a:endParaRPr b="0" lang="en-US" sz="2200" spc="-1" strike="noStrike">
+              <a:latin typeface="Arial"/>
+            </a:endParaRPr>
+          </a:p>
+        </p:txBody>
+      </p:sp>
     </p:spTree>
   </p:cSld>
   <mc:AlternateContent>
@@ -10167,28 +10845,28 @@
       </p:grpSpPr>
       <p:grpSp>
         <p:nvGrpSpPr>
-          <p:cNvPr id="128" name="Group 22"/>
+          <p:cNvPr id="132" name="Group 19"/>
           <p:cNvGrpSpPr/>
           <p:nvPr/>
         </p:nvGrpSpPr>
         <p:grpSpPr>
           <a:xfrm>
-            <a:off x="1617480" y="990360"/>
-            <a:ext cx="15087240" cy="1860840"/>
-            <a:chOff x="1617480" y="990360"/>
-            <a:chExt cx="15087240" cy="1860840"/>
+            <a:off x="2013120" y="990360"/>
+            <a:ext cx="15086880" cy="1860480"/>
+            <a:chOff x="2013120" y="990360"/>
+            <a:chExt cx="15086880" cy="1860480"/>
           </a:xfrm>
         </p:grpSpPr>
         <p:sp>
           <p:nvSpPr>
-            <p:cNvPr id="129" name="Freeform 20"/>
+            <p:cNvPr id="133" name="Freeform 18"/>
             <p:cNvSpPr/>
             <p:nvPr/>
           </p:nvSpPr>
           <p:spPr>
             <a:xfrm>
-              <a:off x="1617480" y="1356480"/>
-              <a:ext cx="15087240" cy="1494720"/>
+              <a:off x="2013120" y="1356480"/>
+              <a:ext cx="15086880" cy="1494360"/>
             </a:xfrm>
             <a:custGeom>
               <a:avLst/>
@@ -10229,14 +10907,14 @@
         </p:sp>
         <p:sp>
           <p:nvSpPr>
-            <p:cNvPr id="130" name="TextBox 33"/>
+            <p:cNvPr id="134" name="TextBox 32"/>
             <p:cNvSpPr/>
             <p:nvPr/>
           </p:nvSpPr>
           <p:spPr>
             <a:xfrm>
-              <a:off x="1617480" y="990360"/>
-              <a:ext cx="15087240" cy="1860840"/>
+              <a:off x="2013120" y="990360"/>
+              <a:ext cx="15086880" cy="1860480"/>
             </a:xfrm>
             <a:prstGeom prst="rect">
               <a:avLst/>
@@ -10256,28 +10934,28 @@
       </p:grpSp>
       <p:grpSp>
         <p:nvGrpSpPr>
-          <p:cNvPr id="131" name="Group 39"/>
+          <p:cNvPr id="135" name="Group 3"/>
           <p:cNvGrpSpPr/>
           <p:nvPr/>
         </p:nvGrpSpPr>
         <p:grpSpPr>
           <a:xfrm>
-            <a:off x="1600200" y="2971800"/>
-            <a:ext cx="15094440" cy="6856560"/>
-            <a:chOff x="1600200" y="2971800"/>
-            <a:chExt cx="15094440" cy="6856560"/>
+            <a:off x="2049120" y="2971440"/>
+            <a:ext cx="15095160" cy="6857280"/>
+            <a:chOff x="2049120" y="2971440"/>
+            <a:chExt cx="15095160" cy="6857280"/>
           </a:xfrm>
         </p:grpSpPr>
         <p:sp>
           <p:nvSpPr>
-            <p:cNvPr id="132" name="Freeform 37"/>
+            <p:cNvPr id="136" name="Freeform 4"/>
             <p:cNvSpPr/>
             <p:nvPr/>
           </p:nvSpPr>
           <p:spPr>
             <a:xfrm>
-              <a:off x="1600200" y="3273480"/>
-              <a:ext cx="15094440" cy="6554880"/>
+              <a:off x="2049120" y="3273120"/>
+              <a:ext cx="15095160" cy="6555600"/>
             </a:xfrm>
             <a:custGeom>
               <a:avLst/>
@@ -10361,40 +11039,14 @@
         </p:sp>
         <p:sp>
           <p:nvSpPr>
-            <p:cNvPr id="133" name="TextBox 80"/>
+            <p:cNvPr id="137" name="TextBox 35"/>
             <p:cNvSpPr/>
             <p:nvPr/>
           </p:nvSpPr>
           <p:spPr>
             <a:xfrm>
-              <a:off x="1600200" y="2971800"/>
-              <a:ext cx="15094440" cy="6856200"/>
-            </a:xfrm>
-            <a:prstGeom prst="rect">
-              <a:avLst/>
-            </a:prstGeom>
-            <a:noFill/>
-            <a:ln w="0">
-              <a:noFill/>
-            </a:ln>
-          </p:spPr>
-          <p:style>
-            <a:lnRef idx="0"/>
-            <a:fillRef idx="0"/>
-            <a:effectRef idx="0"/>
-            <a:fontRef idx="minor"/>
-          </p:style>
-        </p:sp>
-        <p:sp>
-          <p:nvSpPr>
-            <p:cNvPr id="134" name=""/>
-            <p:cNvSpPr/>
-            <p:nvPr/>
-          </p:nvSpPr>
-          <p:spPr>
-            <a:xfrm>
-              <a:off x="2286000" y="5257800"/>
-              <a:ext cx="5485320" cy="1932480"/>
+              <a:off x="2049120" y="2971440"/>
+              <a:ext cx="15095160" cy="6856920"/>
             </a:xfrm>
             <a:prstGeom prst="rect">
               <a:avLst/>
@@ -10414,14 +11066,14 @@
       </p:grpSp>
       <p:sp>
         <p:nvSpPr>
-          <p:cNvPr id="135" name="TextBox 81"/>
+          <p:cNvPr id="138" name="TextBox 41"/>
           <p:cNvSpPr/>
           <p:nvPr/>
         </p:nvSpPr>
         <p:spPr>
           <a:xfrm>
-            <a:off x="2665080" y="4343400"/>
-            <a:ext cx="6249600" cy="609120"/>
+            <a:off x="3753360" y="1688400"/>
+            <a:ext cx="10779840" cy="944280"/>
           </a:xfrm>
           <a:prstGeom prst="rect">
             <a:avLst/>
@@ -10442,72 +11094,6 @@
             <a:spAutoFit/>
           </a:bodyPr>
           <a:p>
-            <a:pPr marL="216000" indent="-216000">
-              <a:lnSpc>
-                <a:spcPts val="4799"/>
-              </a:lnSpc>
-              <a:buClr>
-                <a:srgbClr val="000000"/>
-              </a:buClr>
-              <a:buFont typeface="Wingdings" charset="2"/>
-              <a:buChar char=""/>
-            </a:pPr>
-            <a:r>
-              <a:rPr b="0" lang="en-US" sz="4000" spc="-1" strike="noStrike">
-                <a:solidFill>
-                  <a:srgbClr val="000000"/>
-                </a:solidFill>
-                <a:latin typeface="Montserrat Semi-Bold"/>
-                <a:ea typeface="DejaVu Sans"/>
-              </a:rPr>
-              <a:t> </a:t>
-            </a:r>
-            <a:r>
-              <a:rPr b="0" lang="zh-CN" sz="4000" spc="-1" strike="noStrike">
-                <a:solidFill>
-                  <a:srgbClr val="000000"/>
-                </a:solidFill>
-                <a:latin typeface="Montserrat Semi-Bold"/>
-                <a:ea typeface="DejaVu Sans"/>
-              </a:rPr>
-              <a:t>코드 변환</a:t>
-            </a:r>
-            <a:endParaRPr b="0" lang="en-US" sz="4000" spc="-1" strike="noStrike">
-              <a:latin typeface="Arial"/>
-            </a:endParaRPr>
-          </a:p>
-        </p:txBody>
-      </p:sp>
-      <p:sp>
-        <p:nvSpPr>
-          <p:cNvPr id="136" name="TextBox 83"/>
-          <p:cNvSpPr/>
-          <p:nvPr/>
-        </p:nvSpPr>
-        <p:spPr>
-          <a:xfrm>
-            <a:off x="3753360" y="1688400"/>
-            <a:ext cx="10779120" cy="944280"/>
-          </a:xfrm>
-          <a:prstGeom prst="rect">
-            <a:avLst/>
-          </a:prstGeom>
-          <a:noFill/>
-          <a:ln w="0">
-            <a:noFill/>
-          </a:ln>
-        </p:spPr>
-        <p:style>
-          <a:lnRef idx="0"/>
-          <a:fillRef idx="0"/>
-          <a:effectRef idx="0"/>
-          <a:fontRef idx="minor"/>
-        </p:style>
-        <p:txBody>
-          <a:bodyPr lIns="0" rIns="0" tIns="0" bIns="0" anchor="t">
-            <a:spAutoFit/>
-          </a:bodyPr>
-          <a:p>
             <a:pPr algn="ctr">
               <a:lnSpc>
                 <a:spcPts val="7438"/>
@@ -10522,144 +11108,9 @@
                 <a:latin typeface="Montserrat Semi-Bold"/>
                 <a:ea typeface="DejaVu Sans"/>
               </a:rPr>
-              <a:t>개발 과정 </a:t>
-            </a:r>
-            <a:r>
-              <a:rPr b="0" lang="en-US" sz="6200" spc="-1" strike="noStrike">
-                <a:solidFill>
-                  <a:srgbClr val="000000"/>
-                </a:solidFill>
-                <a:latin typeface="Montserrat Semi-Bold"/>
-                <a:ea typeface="DejaVu Sans"/>
-              </a:rPr>
-              <a:t>- </a:t>
-            </a:r>
-            <a:r>
-              <a:rPr b="0" lang="zh-CN" sz="6200" spc="-1" strike="noStrike">
-                <a:solidFill>
-                  <a:srgbClr val="000000"/>
-                </a:solidFill>
-                <a:latin typeface="Montserrat Semi-Bold"/>
-                <a:ea typeface="DejaVu Sans"/>
-              </a:rPr>
-              <a:t>감정 인식</a:t>
+              <a:t>시스템 동작 방식   </a:t>
             </a:r>
             <a:endParaRPr b="0" lang="en-US" sz="6200" spc="-1" strike="noStrike">
-              <a:latin typeface="Arial"/>
-            </a:endParaRPr>
-          </a:p>
-        </p:txBody>
-      </p:sp>
-      <p:sp>
-        <p:nvSpPr>
-          <p:cNvPr id="137" name=""/>
-          <p:cNvSpPr/>
-          <p:nvPr/>
-        </p:nvSpPr>
-        <p:spPr>
-          <a:xfrm>
-            <a:off x="2514600" y="5257800"/>
-            <a:ext cx="7085880" cy="3199680"/>
-          </a:xfrm>
-          <a:prstGeom prst="rect">
-            <a:avLst/>
-          </a:prstGeom>
-          <a:noFill/>
-          <a:ln w="0">
-            <a:noFill/>
-          </a:ln>
-        </p:spPr>
-        <p:style>
-          <a:lnRef idx="0"/>
-          <a:fillRef idx="0"/>
-          <a:effectRef idx="0"/>
-          <a:fontRef idx="minor"/>
-        </p:style>
-        <p:txBody>
-          <a:bodyPr lIns="90000" rIns="90000" tIns="45000" bIns="45000" anchor="t">
-            <a:noAutofit/>
-          </a:bodyPr>
-          <a:p>
-            <a:pPr>
-              <a:lnSpc>
-                <a:spcPct val="100000"/>
-              </a:lnSpc>
-              <a:buNone/>
-            </a:pPr>
-            <a:r>
-              <a:rPr b="0" lang="zh-CN" sz="2000" spc="-1" strike="noStrike">
-                <a:solidFill>
-                  <a:srgbClr val="000000"/>
-                </a:solidFill>
-                <a:latin typeface="Arial"/>
-                <a:ea typeface="DejaVu Sans"/>
-              </a:rPr>
-              <a:t>코드 통합을 위해 </a:t>
-            </a:r>
-            <a:r>
-              <a:rPr b="0" lang="en-US" sz="2000" spc="-1" strike="noStrike">
-                <a:solidFill>
-                  <a:srgbClr val="000000"/>
-                </a:solidFill>
-                <a:latin typeface="Arial"/>
-                <a:ea typeface="DejaVu Sans"/>
-              </a:rPr>
-              <a:t>cpp → python</a:t>
-            </a:r>
-            <a:r>
-              <a:rPr b="0" lang="zh-CN" sz="2000" spc="-1" strike="noStrike">
-                <a:solidFill>
-                  <a:srgbClr val="000000"/>
-                </a:solidFill>
-                <a:latin typeface="Arial"/>
-                <a:ea typeface="DejaVu Sans"/>
-              </a:rPr>
-              <a:t>으로 바꿔야함</a:t>
-            </a:r>
-            <a:endParaRPr b="0" lang="en-US" sz="2000" spc="-1" strike="noStrike">
-              <a:latin typeface="Arial"/>
-            </a:endParaRPr>
-          </a:p>
-          <a:p>
-            <a:pPr>
-              <a:lnSpc>
-                <a:spcPct val="100000"/>
-              </a:lnSpc>
-              <a:buNone/>
-            </a:pPr>
-            <a:endParaRPr b="0" lang="en-US" sz="2000" spc="-1" strike="noStrike">
-              <a:latin typeface="Arial"/>
-            </a:endParaRPr>
-          </a:p>
-          <a:p>
-            <a:pPr>
-              <a:lnSpc>
-                <a:spcPct val="100000"/>
-              </a:lnSpc>
-              <a:buNone/>
-            </a:pPr>
-            <a:r>
-              <a:rPr b="0" lang="zh-CN" sz="2000" spc="-1" strike="noStrike">
-                <a:solidFill>
-                  <a:srgbClr val="000000"/>
-                </a:solidFill>
-                <a:latin typeface="Arial"/>
-                <a:ea typeface="DejaVu Sans"/>
-              </a:rPr>
-              <a:t>코드 이해가 어려워 실패</a:t>
-            </a:r>
-            <a:endParaRPr b="0" lang="en-US" sz="2000" spc="-1" strike="noStrike">
-              <a:latin typeface="Arial"/>
-            </a:endParaRPr>
-          </a:p>
-          <a:p>
-            <a:pPr>
-              <a:lnSpc>
-                <a:spcPct val="100000"/>
-              </a:lnSpc>
-              <a:buNone/>
-            </a:pPr>
-            <a:endParaRPr b="0" lang="en-US" sz="2000" spc="-1" strike="noStrike">
               <a:latin typeface="Arial"/>
             </a:endParaRPr>
           </a:p>
@@ -10667,7 +11118,7 @@
       </p:sp>
       <p:pic>
         <p:nvPicPr>
-          <p:cNvPr id="138" name="" descr=""/>
+          <p:cNvPr id="139" name="" descr=""/>
           <p:cNvPicPr/>
           <p:nvPr/>
         </p:nvPicPr>
@@ -10677,8 +11128,8 @@
         </p:blipFill>
         <p:spPr>
           <a:xfrm>
-            <a:off x="9065520" y="3657600"/>
-            <a:ext cx="7392960" cy="4608000"/>
+            <a:off x="4634640" y="3480480"/>
+            <a:ext cx="9786240" cy="6171120"/>
           </a:xfrm>
           <a:prstGeom prst="rect">
             <a:avLst/>
@@ -10688,111 +11139,6 @@
           </a:ln>
         </p:spPr>
       </p:pic>
-      <p:pic>
-        <p:nvPicPr>
-          <p:cNvPr id="139" name="" descr=""/>
-          <p:cNvPicPr/>
-          <p:nvPr/>
-        </p:nvPicPr>
-        <p:blipFill>
-          <a:blip r:embed="rId2"/>
-          <a:stretch/>
-        </p:blipFill>
-        <p:spPr>
-          <a:xfrm>
-            <a:off x="2743200" y="7191000"/>
-            <a:ext cx="1141920" cy="1284840"/>
-          </a:xfrm>
-          <a:prstGeom prst="rect">
-            <a:avLst/>
-          </a:prstGeom>
-          <a:ln w="0">
-            <a:noFill/>
-          </a:ln>
-        </p:spPr>
-      </p:pic>
-      <p:pic>
-        <p:nvPicPr>
-          <p:cNvPr id="140" name="" descr=""/>
-          <p:cNvPicPr/>
-          <p:nvPr/>
-        </p:nvPicPr>
-        <p:blipFill>
-          <a:blip r:embed="rId3"/>
-          <a:stretch/>
-        </p:blipFill>
-        <p:spPr>
-          <a:xfrm>
-            <a:off x="6400800" y="7086600"/>
-            <a:ext cx="1413000" cy="1551600"/>
-          </a:xfrm>
-          <a:prstGeom prst="rect">
-            <a:avLst/>
-          </a:prstGeom>
-          <a:ln w="0">
-            <a:noFill/>
-          </a:ln>
-        </p:spPr>
-      </p:pic>
-      <p:sp>
-        <p:nvSpPr>
-          <p:cNvPr id="141" name=""/>
-          <p:cNvSpPr/>
-          <p:nvPr/>
-        </p:nvSpPr>
-        <p:spPr>
-          <a:xfrm>
-            <a:off x="4343400" y="7315200"/>
-            <a:ext cx="1599480" cy="913680"/>
-          </a:xfrm>
-          <a:custGeom>
-            <a:avLst/>
-            <a:gdLst/>
-            <a:ahLst/>
-            <a:rect l="l" t="t" r="r" b="b"/>
-            <a:pathLst>
-              <a:path w="21600" h="21600">
-                <a:moveTo>
-                  <a:pt x="0" y="5400"/>
-                </a:moveTo>
-                <a:lnTo>
-                  <a:pt x="16200" y="5400"/>
-                </a:lnTo>
-                <a:lnTo>
-                  <a:pt x="16200" y="0"/>
-                </a:lnTo>
-                <a:lnTo>
-                  <a:pt x="21600" y="10800"/>
-                </a:lnTo>
-                <a:lnTo>
-                  <a:pt x="16200" y="21600"/>
-                </a:lnTo>
-                <a:lnTo>
-                  <a:pt x="16200" y="16200"/>
-                </a:lnTo>
-                <a:lnTo>
-                  <a:pt x="0" y="16200"/>
-                </a:lnTo>
-                <a:close/>
-              </a:path>
-            </a:pathLst>
-          </a:custGeom>
-          <a:solidFill>
-            <a:srgbClr val="808080"/>
-          </a:solidFill>
-          <a:ln w="0">
-            <a:solidFill>
-              <a:srgbClr val="808080"/>
-            </a:solidFill>
-          </a:ln>
-        </p:spPr>
-        <p:style>
-          <a:lnRef idx="0"/>
-          <a:fillRef idx="0"/>
-          <a:effectRef idx="0"/>
-          <a:fontRef idx="minor"/>
-        </p:style>
-      </p:sp>
     </p:spTree>
   </p:cSld>
   <mc:AlternateContent>
@@ -10832,28 +11178,28 @@
       </p:grpSpPr>
       <p:grpSp>
         <p:nvGrpSpPr>
-          <p:cNvPr id="142" name="Group 27"/>
+          <p:cNvPr id="140" name="Group 22"/>
           <p:cNvGrpSpPr/>
           <p:nvPr/>
         </p:nvGrpSpPr>
         <p:grpSpPr>
           <a:xfrm>
             <a:off x="1617480" y="990360"/>
-            <a:ext cx="15087240" cy="1860840"/>
+            <a:ext cx="15086880" cy="1860480"/>
             <a:chOff x="1617480" y="990360"/>
-            <a:chExt cx="15087240" cy="1860840"/>
+            <a:chExt cx="15086880" cy="1860480"/>
           </a:xfrm>
         </p:grpSpPr>
         <p:sp>
           <p:nvSpPr>
-            <p:cNvPr id="143" name="Freeform 21"/>
+            <p:cNvPr id="141" name="Freeform 20"/>
             <p:cNvSpPr/>
             <p:nvPr/>
           </p:nvSpPr>
           <p:spPr>
             <a:xfrm>
               <a:off x="1617480" y="1356480"/>
-              <a:ext cx="15087240" cy="1494720"/>
+              <a:ext cx="15086880" cy="1494360"/>
             </a:xfrm>
             <a:custGeom>
               <a:avLst/>
@@ -10894,14 +11240,14 @@
         </p:sp>
         <p:sp>
           <p:nvSpPr>
-            <p:cNvPr id="144" name="TextBox 34"/>
+            <p:cNvPr id="142" name="TextBox 33"/>
             <p:cNvSpPr/>
             <p:nvPr/>
           </p:nvSpPr>
           <p:spPr>
             <a:xfrm>
               <a:off x="1617480" y="990360"/>
-              <a:ext cx="15087240" cy="1860840"/>
+              <a:ext cx="15086880" cy="1860480"/>
             </a:xfrm>
             <a:prstGeom prst="rect">
               <a:avLst/>
@@ -10921,28 +11267,28 @@
       </p:grpSp>
       <p:grpSp>
         <p:nvGrpSpPr>
-          <p:cNvPr id="145" name="Group 41"/>
+          <p:cNvPr id="143" name="Group 39"/>
           <p:cNvGrpSpPr/>
           <p:nvPr/>
         </p:nvGrpSpPr>
         <p:grpSpPr>
           <a:xfrm>
             <a:off x="1600200" y="2971800"/>
-            <a:ext cx="15094440" cy="6856560"/>
+            <a:ext cx="15094080" cy="6856200"/>
             <a:chOff x="1600200" y="2971800"/>
-            <a:chExt cx="15094440" cy="6856560"/>
+            <a:chExt cx="15094080" cy="6856200"/>
           </a:xfrm>
         </p:grpSpPr>
         <p:sp>
           <p:nvSpPr>
-            <p:cNvPr id="146" name="Freeform 40"/>
+            <p:cNvPr id="144" name="Freeform 37"/>
             <p:cNvSpPr/>
             <p:nvPr/>
           </p:nvSpPr>
           <p:spPr>
             <a:xfrm>
               <a:off x="1600200" y="3273480"/>
-              <a:ext cx="15094440" cy="6554880"/>
+              <a:ext cx="15094080" cy="6554520"/>
             </a:xfrm>
             <a:custGeom>
               <a:avLst/>
@@ -11026,14 +11372,14 @@
         </p:sp>
         <p:sp>
           <p:nvSpPr>
-            <p:cNvPr id="147" name="TextBox 84"/>
+            <p:cNvPr id="145" name="TextBox 80"/>
             <p:cNvSpPr/>
             <p:nvPr/>
           </p:nvSpPr>
           <p:spPr>
             <a:xfrm>
               <a:off x="1600200" y="2971800"/>
-              <a:ext cx="15094440" cy="6856200"/>
+              <a:ext cx="15094080" cy="6855840"/>
             </a:xfrm>
             <a:prstGeom prst="rect">
               <a:avLst/>
@@ -11052,14 +11398,14 @@
         </p:sp>
         <p:sp>
           <p:nvSpPr>
-            <p:cNvPr id="148" name=""/>
+            <p:cNvPr id="146" name=""/>
             <p:cNvSpPr/>
             <p:nvPr/>
           </p:nvSpPr>
           <p:spPr>
             <a:xfrm>
               <a:off x="2286000" y="5257800"/>
-              <a:ext cx="5485320" cy="1932480"/>
+              <a:ext cx="5484960" cy="1932120"/>
             </a:xfrm>
             <a:prstGeom prst="rect">
               <a:avLst/>
@@ -11079,14 +11425,14 @@
       </p:grpSp>
       <p:sp>
         <p:nvSpPr>
-          <p:cNvPr id="149" name="TextBox 85"/>
+          <p:cNvPr id="147" name="TextBox 81"/>
           <p:cNvSpPr/>
           <p:nvPr/>
         </p:nvSpPr>
         <p:spPr>
           <a:xfrm>
             <a:off x="2665080" y="4343400"/>
-            <a:ext cx="6249600" cy="609120"/>
+            <a:ext cx="6249240" cy="609120"/>
           </a:xfrm>
           <a:prstGeom prst="rect">
             <a:avLst/>
@@ -11145,14 +11491,14 @@
       </p:sp>
       <p:sp>
         <p:nvSpPr>
-          <p:cNvPr id="150" name="TextBox 87"/>
+          <p:cNvPr id="148" name="TextBox 83"/>
           <p:cNvSpPr/>
           <p:nvPr/>
         </p:nvSpPr>
         <p:spPr>
           <a:xfrm>
             <a:off x="3753360" y="1688400"/>
-            <a:ext cx="10779120" cy="944280"/>
+            <a:ext cx="10778760" cy="944280"/>
           </a:xfrm>
           <a:prstGeom prst="rect">
             <a:avLst/>
@@ -11217,14 +11563,14 @@
       </p:sp>
       <p:sp>
         <p:nvSpPr>
-          <p:cNvPr id="151" name=""/>
+          <p:cNvPr id="149" name=""/>
           <p:cNvSpPr/>
           <p:nvPr/>
         </p:nvSpPr>
         <p:spPr>
           <a:xfrm>
             <a:off x="2514600" y="5257800"/>
-            <a:ext cx="7085880" cy="3199680"/>
+            <a:ext cx="7085520" cy="3199320"/>
           </a:xfrm>
           <a:prstGeom prst="rect">
             <a:avLst/>
@@ -11252,6 +11598,16 @@
               <a:buNone/>
             </a:pPr>
             <a:r>
+              <a:rPr b="0" lang="zh-CN" sz="2000" spc="-1" strike="noStrike">
+                <a:solidFill>
+                  <a:srgbClr val="000000"/>
+                </a:solidFill>
+                <a:latin typeface="Arial"/>
+                <a:ea typeface="DejaVu Sans"/>
+              </a:rPr>
+              <a:t>코드 통합을 위해 </a:t>
+            </a:r>
+            <a:r>
               <a:rPr b="0" lang="en-US" sz="2000" spc="-1" strike="noStrike">
                 <a:solidFill>
                   <a:srgbClr val="000000"/>
@@ -11259,7 +11615,7 @@
                 <a:latin typeface="Arial"/>
                 <a:ea typeface="DejaVu Sans"/>
               </a:rPr>
-              <a:t>Openvino notebook</a:t>
+              <a:t>cpp → python</a:t>
             </a:r>
             <a:r>
               <a:rPr b="0" lang="zh-CN" sz="2000" spc="-1" strike="noStrike">
@@ -11269,7 +11625,7 @@
                 <a:latin typeface="Arial"/>
                 <a:ea typeface="DejaVu Sans"/>
               </a:rPr>
-              <a:t>을 기반으로 코드 재작성</a:t>
+              <a:t>으로 바꿔야함</a:t>
             </a:r>
             <a:endParaRPr b="0" lang="en-US" sz="2000" spc="-1" strike="noStrike">
               <a:latin typeface="Arial"/>
@@ -11301,27 +11657,7 @@
                 <a:latin typeface="Arial"/>
                 <a:ea typeface="DejaVu Sans"/>
               </a:rPr>
-              <a:t>객체 감지 </a:t>
-            </a:r>
-            <a:r>
-              <a:rPr b="0" lang="en-US" sz="2000" spc="-1" strike="noStrike">
-                <a:solidFill>
-                  <a:srgbClr val="000000"/>
-                </a:solidFill>
-                <a:latin typeface="Arial"/>
-                <a:ea typeface="DejaVu Sans"/>
-              </a:rPr>
-              <a:t>-&gt; </a:t>
-            </a:r>
-            <a:r>
-              <a:rPr b="0" lang="zh-CN" sz="2000" spc="-1" strike="noStrike">
-                <a:solidFill>
-                  <a:srgbClr val="000000"/>
-                </a:solidFill>
-                <a:latin typeface="Arial"/>
-                <a:ea typeface="DejaVu Sans"/>
-              </a:rPr>
-              <a:t>감정 감지 후 조건 만족  코드 종료</a:t>
+              <a:t>코드 이해가 어려워 실패</a:t>
             </a:r>
             <a:endParaRPr b="0" lang="en-US" sz="2000" spc="-1" strike="noStrike">
               <a:latin typeface="Arial"/>
@@ -11338,30 +11674,54 @@
               <a:latin typeface="Arial"/>
             </a:endParaRPr>
           </a:p>
-          <a:p>
-            <a:pPr>
-              <a:lnSpc>
-                <a:spcPct val="100000"/>
-              </a:lnSpc>
-              <a:buNone/>
-            </a:pPr>
-            <a:endParaRPr b="0" lang="en-US" sz="2000" spc="-1" strike="noStrike">
-              <a:latin typeface="Arial"/>
-            </a:endParaRPr>
-          </a:p>
-          <a:p>
-            <a:pPr>
-              <a:lnSpc>
-                <a:spcPct val="100000"/>
-              </a:lnSpc>
-              <a:buNone/>
-            </a:pPr>
-            <a:endParaRPr b="0" lang="en-US" sz="2000" spc="-1" strike="noStrike">
-              <a:latin typeface="Arial"/>
-            </a:endParaRPr>
-          </a:p>
-        </p:txBody>
-      </p:sp>
+        </p:txBody>
+      </p:sp>
+      <p:pic>
+        <p:nvPicPr>
+          <p:cNvPr id="150" name="" descr=""/>
+          <p:cNvPicPr/>
+          <p:nvPr/>
+        </p:nvPicPr>
+        <p:blipFill>
+          <a:blip r:embed="rId1"/>
+          <a:stretch/>
+        </p:blipFill>
+        <p:spPr>
+          <a:xfrm>
+            <a:off x="9065520" y="3657600"/>
+            <a:ext cx="7392600" cy="4607640"/>
+          </a:xfrm>
+          <a:prstGeom prst="rect">
+            <a:avLst/>
+          </a:prstGeom>
+          <a:ln w="0">
+            <a:noFill/>
+          </a:ln>
+        </p:spPr>
+      </p:pic>
+      <p:pic>
+        <p:nvPicPr>
+          <p:cNvPr id="151" name="" descr=""/>
+          <p:cNvPicPr/>
+          <p:nvPr/>
+        </p:nvPicPr>
+        <p:blipFill>
+          <a:blip r:embed="rId2"/>
+          <a:stretch/>
+        </p:blipFill>
+        <p:spPr>
+          <a:xfrm>
+            <a:off x="2743200" y="7191000"/>
+            <a:ext cx="1141560" cy="1284480"/>
+          </a:xfrm>
+          <a:prstGeom prst="rect">
+            <a:avLst/>
+          </a:prstGeom>
+          <a:ln w="0">
+            <a:noFill/>
+          </a:ln>
+        </p:spPr>
+      </p:pic>
       <p:pic>
         <p:nvPicPr>
           <p:cNvPr id="152" name="" descr=""/>
@@ -11369,13 +11729,13 @@
           <p:nvPr/>
         </p:nvPicPr>
         <p:blipFill>
-          <a:blip r:embed="rId1"/>
+          <a:blip r:embed="rId3"/>
           <a:stretch/>
         </p:blipFill>
         <p:spPr>
           <a:xfrm>
-            <a:off x="8229600" y="4114800"/>
-            <a:ext cx="8067240" cy="5028480"/>
+            <a:off x="6400800" y="7086600"/>
+            <a:ext cx="1412640" cy="1551240"/>
           </a:xfrm>
           <a:prstGeom prst="rect">
             <a:avLst/>
@@ -11385,6 +11745,65 @@
           </a:ln>
         </p:spPr>
       </p:pic>
+      <p:sp>
+        <p:nvSpPr>
+          <p:cNvPr id="153" name=""/>
+          <p:cNvSpPr/>
+          <p:nvPr/>
+        </p:nvSpPr>
+        <p:spPr>
+          <a:xfrm>
+            <a:off x="4343400" y="7315200"/>
+            <a:ext cx="1599120" cy="913320"/>
+          </a:xfrm>
+          <a:custGeom>
+            <a:avLst/>
+            <a:gdLst/>
+            <a:ahLst/>
+            <a:rect l="l" t="t" r="r" b="b"/>
+            <a:pathLst>
+              <a:path w="21600" h="21600">
+                <a:moveTo>
+                  <a:pt x="0" y="5400"/>
+                </a:moveTo>
+                <a:lnTo>
+                  <a:pt x="16200" y="5400"/>
+                </a:lnTo>
+                <a:lnTo>
+                  <a:pt x="16200" y="0"/>
+                </a:lnTo>
+                <a:lnTo>
+                  <a:pt x="21600" y="10800"/>
+                </a:lnTo>
+                <a:lnTo>
+                  <a:pt x="16200" y="21600"/>
+                </a:lnTo>
+                <a:lnTo>
+                  <a:pt x="16200" y="16200"/>
+                </a:lnTo>
+                <a:lnTo>
+                  <a:pt x="0" y="16200"/>
+                </a:lnTo>
+                <a:close/>
+              </a:path>
+            </a:pathLst>
+          </a:custGeom>
+          <a:solidFill>
+            <a:srgbClr val="808080"/>
+          </a:solidFill>
+          <a:ln w="0">
+            <a:solidFill>
+              <a:srgbClr val="808080"/>
+            </a:solidFill>
+          </a:ln>
+        </p:spPr>
+        <p:style>
+          <a:lnRef idx="0"/>
+          <a:fillRef idx="0"/>
+          <a:effectRef idx="0"/>
+          <a:fontRef idx="minor"/>
+        </p:style>
+      </p:sp>
     </p:spTree>
   </p:cSld>
   <mc:AlternateContent>
@@ -11424,28 +11843,28 @@
       </p:grpSpPr>
       <p:grpSp>
         <p:nvGrpSpPr>
-          <p:cNvPr id="153" name="Group 28"/>
+          <p:cNvPr id="154" name="Group 27"/>
           <p:cNvGrpSpPr/>
           <p:nvPr/>
         </p:nvGrpSpPr>
         <p:grpSpPr>
           <a:xfrm>
-            <a:off x="1653480" y="990360"/>
-            <a:ext cx="15087240" cy="1860840"/>
-            <a:chOff x="1653480" y="990360"/>
-            <a:chExt cx="15087240" cy="1860840"/>
+            <a:off x="1617480" y="990360"/>
+            <a:ext cx="15086880" cy="1860480"/>
+            <a:chOff x="1617480" y="990360"/>
+            <a:chExt cx="15086880" cy="1860480"/>
           </a:xfrm>
         </p:grpSpPr>
         <p:sp>
           <p:nvSpPr>
-            <p:cNvPr id="154" name="Freeform 23"/>
+            <p:cNvPr id="155" name="Freeform 21"/>
             <p:cNvSpPr/>
             <p:nvPr/>
           </p:nvSpPr>
           <p:spPr>
             <a:xfrm>
-              <a:off x="1653480" y="1356480"/>
-              <a:ext cx="15087240" cy="1494720"/>
+              <a:off x="1617480" y="1356480"/>
+              <a:ext cx="15086880" cy="1494360"/>
             </a:xfrm>
             <a:custGeom>
               <a:avLst/>
@@ -11486,14 +11905,14 @@
         </p:sp>
         <p:sp>
           <p:nvSpPr>
-            <p:cNvPr id="155" name="TextBox 37"/>
+            <p:cNvPr id="156" name="TextBox 34"/>
             <p:cNvSpPr/>
             <p:nvPr/>
           </p:nvSpPr>
           <p:spPr>
             <a:xfrm>
-              <a:off x="1653480" y="990360"/>
-              <a:ext cx="15087240" cy="1860840"/>
+              <a:off x="1617480" y="990360"/>
+              <a:ext cx="15086880" cy="1860480"/>
             </a:xfrm>
             <a:prstGeom prst="rect">
               <a:avLst/>
@@ -11513,28 +11932,28 @@
       </p:grpSp>
       <p:grpSp>
         <p:nvGrpSpPr>
-          <p:cNvPr id="156" name="Group 43"/>
+          <p:cNvPr id="157" name="Group 41"/>
           <p:cNvGrpSpPr/>
           <p:nvPr/>
         </p:nvGrpSpPr>
         <p:grpSpPr>
           <a:xfrm>
-            <a:off x="1600200" y="2971440"/>
-            <a:ext cx="15094440" cy="6856560"/>
-            <a:chOff x="1600200" y="2971440"/>
-            <a:chExt cx="15094440" cy="6856560"/>
+            <a:off x="1600200" y="2971800"/>
+            <a:ext cx="15094080" cy="6856200"/>
+            <a:chOff x="1600200" y="2971800"/>
+            <a:chExt cx="15094080" cy="6856200"/>
           </a:xfrm>
         </p:grpSpPr>
         <p:sp>
           <p:nvSpPr>
-            <p:cNvPr id="157" name="Freeform 42"/>
+            <p:cNvPr id="158" name="Freeform 40"/>
             <p:cNvSpPr/>
             <p:nvPr/>
           </p:nvSpPr>
           <p:spPr>
             <a:xfrm>
-              <a:off x="1600200" y="3273120"/>
-              <a:ext cx="15094440" cy="6554880"/>
+              <a:off x="1600200" y="3273480"/>
+              <a:ext cx="15094080" cy="6554520"/>
             </a:xfrm>
             <a:custGeom>
               <a:avLst/>
@@ -11618,14 +12037,14 @@
         </p:sp>
         <p:sp>
           <p:nvSpPr>
-            <p:cNvPr id="158" name="TextBox 88"/>
+            <p:cNvPr id="159" name="TextBox 84"/>
             <p:cNvSpPr/>
             <p:nvPr/>
           </p:nvSpPr>
           <p:spPr>
             <a:xfrm>
-              <a:off x="1600200" y="2971440"/>
-              <a:ext cx="15094440" cy="6856200"/>
+              <a:off x="1600200" y="2971800"/>
+              <a:ext cx="15094080" cy="6855840"/>
             </a:xfrm>
             <a:prstGeom prst="rect">
               <a:avLst/>
@@ -11644,14 +12063,14 @@
         </p:sp>
         <p:sp>
           <p:nvSpPr>
-            <p:cNvPr id="159" name=""/>
+            <p:cNvPr id="160" name=""/>
             <p:cNvSpPr/>
             <p:nvPr/>
           </p:nvSpPr>
           <p:spPr>
             <a:xfrm>
-              <a:off x="2286000" y="5257440"/>
-              <a:ext cx="5485320" cy="1932480"/>
+              <a:off x="2286000" y="5257800"/>
+              <a:ext cx="5484960" cy="1932120"/>
             </a:xfrm>
             <a:prstGeom prst="rect">
               <a:avLst/>
@@ -11671,14 +12090,14 @@
       </p:grpSp>
       <p:sp>
         <p:nvSpPr>
-          <p:cNvPr id="160" name="TextBox 89"/>
+          <p:cNvPr id="161" name="TextBox 85"/>
           <p:cNvSpPr/>
           <p:nvPr/>
         </p:nvSpPr>
         <p:spPr>
           <a:xfrm>
             <a:off x="2665080" y="4343400"/>
-            <a:ext cx="6249600" cy="609120"/>
+            <a:ext cx="6249240" cy="609120"/>
           </a:xfrm>
           <a:prstGeom prst="rect">
             <a:avLst/>
@@ -11727,7 +12146,7 @@
                 <a:latin typeface="Montserrat Semi-Bold"/>
                 <a:ea typeface="DejaVu Sans"/>
               </a:rPr>
-              <a:t>음성 녹음</a:t>
+              <a:t>코드 변환</a:t>
             </a:r>
             <a:endParaRPr b="0" lang="en-US" sz="4000" spc="-1" strike="noStrike">
               <a:latin typeface="Arial"/>
@@ -11737,14 +12156,14 @@
       </p:sp>
       <p:sp>
         <p:nvSpPr>
-          <p:cNvPr id="161" name="TextBox 91"/>
+          <p:cNvPr id="162" name="TextBox 87"/>
           <p:cNvSpPr/>
           <p:nvPr/>
         </p:nvSpPr>
         <p:spPr>
           <a:xfrm>
             <a:off x="3753360" y="1688400"/>
-            <a:ext cx="10779120" cy="944280"/>
+            <a:ext cx="10778760" cy="944280"/>
           </a:xfrm>
           <a:prstGeom prst="rect">
             <a:avLst/>
@@ -11799,7 +12218,7 @@
                 <a:latin typeface="Montserrat Semi-Bold"/>
                 <a:ea typeface="DejaVu Sans"/>
               </a:rPr>
-              <a:t>음성 인식</a:t>
+              <a:t>감정 인식</a:t>
             </a:r>
             <a:endParaRPr b="0" lang="en-US" sz="6200" spc="-1" strike="noStrike">
               <a:latin typeface="Arial"/>
@@ -11809,14 +12228,14 @@
       </p:sp>
       <p:sp>
         <p:nvSpPr>
-          <p:cNvPr id="162" name=""/>
+          <p:cNvPr id="163" name=""/>
           <p:cNvSpPr/>
           <p:nvPr/>
         </p:nvSpPr>
         <p:spPr>
           <a:xfrm>
             <a:off x="2514600" y="5257800"/>
-            <a:ext cx="7085880" cy="3199680"/>
+            <a:ext cx="7085520" cy="3199320"/>
           </a:xfrm>
           <a:prstGeom prst="rect">
             <a:avLst/>
@@ -11851,7 +12270,7 @@
                 <a:latin typeface="Arial"/>
                 <a:ea typeface="DejaVu Sans"/>
               </a:rPr>
-              <a:t>Speech to Text </a:t>
+              <a:t>Openvino notebook</a:t>
             </a:r>
             <a:r>
               <a:rPr b="0" lang="zh-CN" sz="2000" spc="-1" strike="noStrike">
@@ -11861,38 +12280,7 @@
                 <a:latin typeface="Arial"/>
                 <a:ea typeface="DejaVu Sans"/>
               </a:rPr>
-              <a:t>모델의 </a:t>
-            </a:r>
-            <a:r>
-              <a:rPr b="0" lang="en-US" sz="2000" spc="-1" strike="noStrike">
-                <a:solidFill>
-                  <a:srgbClr val="000000"/>
-                </a:solidFill>
-                <a:latin typeface="Arial"/>
-                <a:ea typeface="DejaVu Sans"/>
-              </a:rPr>
-              <a:t>input format</a:t>
-            </a:r>
-            <a:endParaRPr b="0" lang="en-US" sz="2000" spc="-1" strike="noStrike">
-              <a:latin typeface="Arial"/>
-            </a:endParaRPr>
-          </a:p>
-          <a:p>
-            <a:pPr>
-              <a:lnSpc>
-                <a:spcPct val="100000"/>
-              </a:lnSpc>
-              <a:buNone/>
-            </a:pPr>
-            <a:r>
-              <a:rPr b="0" lang="en-US" sz="2000" spc="-1" strike="noStrike">
-                <a:solidFill>
-                  <a:srgbClr val="000000"/>
-                </a:solidFill>
-                <a:latin typeface="Arial"/>
-                <a:ea typeface="DejaVu Sans"/>
-              </a:rPr>
-              <a:t>(16-bit, 16kHz, mono-channel, wave format)</a:t>
+              <a:t>을 기반으로 코드 재작성</a:t>
             </a:r>
             <a:endParaRPr b="0" lang="en-US" sz="2000" spc="-1" strike="noStrike">
               <a:latin typeface="Arial"/>
@@ -11924,7 +12312,27 @@
                 <a:latin typeface="Arial"/>
                 <a:ea typeface="DejaVu Sans"/>
               </a:rPr>
-              <a:t>웹캠의 마이크 녹음 시 노이즈가 심함</a:t>
+              <a:t>객체 감지 </a:t>
+            </a:r>
+            <a:r>
+              <a:rPr b="0" lang="en-US" sz="2000" spc="-1" strike="noStrike">
+                <a:solidFill>
+                  <a:srgbClr val="000000"/>
+                </a:solidFill>
+                <a:latin typeface="Arial"/>
+                <a:ea typeface="DejaVu Sans"/>
+              </a:rPr>
+              <a:t>-&gt; </a:t>
+            </a:r>
+            <a:r>
+              <a:rPr b="0" lang="zh-CN" sz="2000" spc="-1" strike="noStrike">
+                <a:solidFill>
+                  <a:srgbClr val="000000"/>
+                </a:solidFill>
+                <a:latin typeface="Arial"/>
+                <a:ea typeface="DejaVu Sans"/>
+              </a:rPr>
+              <a:t>감정 감지 후 조건 만족  코드 종료</a:t>
             </a:r>
             <a:endParaRPr b="0" lang="en-US" sz="2000" spc="-1" strike="noStrike">
               <a:latin typeface="Arial"/>
@@ -11948,26 +12356,17 @@
               </a:lnSpc>
               <a:buNone/>
             </a:pPr>
-            <a:r>
-              <a:rPr b="0" lang="en-US" sz="2000" spc="-1" strike="noStrike">
-                <a:solidFill>
-                  <a:srgbClr val="000000"/>
-                </a:solidFill>
-                <a:latin typeface="Arial"/>
-                <a:ea typeface="DejaVu Sans"/>
-              </a:rPr>
-              <a:t>16kHz </a:t>
-            </a:r>
-            <a:r>
-              <a:rPr b="0" lang="zh-CN" sz="2000" spc="-1" strike="noStrike">
-                <a:solidFill>
-                  <a:srgbClr val="000000"/>
-                </a:solidFill>
-                <a:latin typeface="Arial"/>
-                <a:ea typeface="DejaVu Sans"/>
-              </a:rPr>
-              <a:t>녹음 시 음성 끊김  </a:t>
-            </a:r>
+            <a:endParaRPr b="0" lang="en-US" sz="2000" spc="-1" strike="noStrike">
+              <a:latin typeface="Arial"/>
+            </a:endParaRPr>
+          </a:p>
+          <a:p>
+            <a:pPr>
+              <a:lnSpc>
+                <a:spcPct val="100000"/>
+              </a:lnSpc>
+              <a:buNone/>
+            </a:pPr>
             <a:endParaRPr b="0" lang="en-US" sz="2000" spc="-1" strike="noStrike">
               <a:latin typeface="Arial"/>
             </a:endParaRPr>
@@ -11976,7 +12375,7 @@
       </p:sp>
       <p:pic>
         <p:nvPicPr>
-          <p:cNvPr id="163" name="" descr=""/>
+          <p:cNvPr id="164" name="" descr=""/>
           <p:cNvPicPr/>
           <p:nvPr/>
         </p:nvPicPr>
@@ -11986,8 +12385,8 @@
         </p:blipFill>
         <p:spPr>
           <a:xfrm>
-            <a:off x="8001000" y="3886200"/>
-            <a:ext cx="8152200" cy="5081400"/>
+            <a:off x="8229600" y="4114800"/>
+            <a:ext cx="8066880" cy="5028120"/>
           </a:xfrm>
           <a:prstGeom prst="rect">
             <a:avLst/>
@@ -12036,28 +12435,28 @@
       </p:grpSpPr>
       <p:grpSp>
         <p:nvGrpSpPr>
-          <p:cNvPr id="164" name="Group 29"/>
+          <p:cNvPr id="165" name="Group 28"/>
           <p:cNvGrpSpPr/>
           <p:nvPr/>
         </p:nvGrpSpPr>
         <p:grpSpPr>
           <a:xfrm>
-            <a:off x="1581480" y="990360"/>
-            <a:ext cx="15087240" cy="1860840"/>
-            <a:chOff x="1581480" y="990360"/>
-            <a:chExt cx="15087240" cy="1860840"/>
+            <a:off x="1653480" y="990360"/>
+            <a:ext cx="15086880" cy="1860480"/>
+            <a:chOff x="1653480" y="990360"/>
+            <a:chExt cx="15086880" cy="1860480"/>
           </a:xfrm>
         </p:grpSpPr>
         <p:sp>
           <p:nvSpPr>
-            <p:cNvPr id="165" name="Freeform 24"/>
+            <p:cNvPr id="166" name="Freeform 23"/>
             <p:cNvSpPr/>
             <p:nvPr/>
           </p:nvSpPr>
           <p:spPr>
             <a:xfrm>
-              <a:off x="1581480" y="1356480"/>
-              <a:ext cx="15087240" cy="1494720"/>
+              <a:off x="1653480" y="1356480"/>
+              <a:ext cx="15086880" cy="1494360"/>
             </a:xfrm>
             <a:custGeom>
               <a:avLst/>
@@ -12098,14 +12497,14 @@
         </p:sp>
         <p:sp>
           <p:nvSpPr>
-            <p:cNvPr id="166" name="TextBox 39"/>
+            <p:cNvPr id="167" name="TextBox 37"/>
             <p:cNvSpPr/>
             <p:nvPr/>
           </p:nvSpPr>
           <p:spPr>
             <a:xfrm>
-              <a:off x="1581480" y="990360"/>
-              <a:ext cx="15087240" cy="1860840"/>
+              <a:off x="1653480" y="990360"/>
+              <a:ext cx="15086880" cy="1860480"/>
             </a:xfrm>
             <a:prstGeom prst="rect">
               <a:avLst/>
@@ -12125,28 +12524,28 @@
       </p:grpSp>
       <p:grpSp>
         <p:nvGrpSpPr>
-          <p:cNvPr id="167" name="Group 45"/>
+          <p:cNvPr id="168" name="Group 43"/>
           <p:cNvGrpSpPr/>
           <p:nvPr/>
         </p:nvGrpSpPr>
         <p:grpSpPr>
           <a:xfrm>
             <a:off x="1600200" y="2971440"/>
-            <a:ext cx="15094440" cy="6856560"/>
+            <a:ext cx="15094080" cy="6856200"/>
             <a:chOff x="1600200" y="2971440"/>
-            <a:chExt cx="15094440" cy="6856560"/>
+            <a:chExt cx="15094080" cy="6856200"/>
           </a:xfrm>
         </p:grpSpPr>
         <p:sp>
           <p:nvSpPr>
-            <p:cNvPr id="168" name="Freeform 44"/>
+            <p:cNvPr id="169" name="Freeform 42"/>
             <p:cNvSpPr/>
             <p:nvPr/>
           </p:nvSpPr>
           <p:spPr>
             <a:xfrm>
               <a:off x="1600200" y="3273120"/>
-              <a:ext cx="15094440" cy="6554880"/>
+              <a:ext cx="15094080" cy="6554520"/>
             </a:xfrm>
             <a:custGeom>
               <a:avLst/>
@@ -12230,14 +12629,14 @@
         </p:sp>
         <p:sp>
           <p:nvSpPr>
-            <p:cNvPr id="169" name="TextBox 92"/>
+            <p:cNvPr id="170" name="TextBox 88"/>
             <p:cNvSpPr/>
             <p:nvPr/>
           </p:nvSpPr>
           <p:spPr>
             <a:xfrm>
               <a:off x="1600200" y="2971440"/>
-              <a:ext cx="15094440" cy="6856200"/>
+              <a:ext cx="15094080" cy="6855840"/>
             </a:xfrm>
             <a:prstGeom prst="rect">
               <a:avLst/>
@@ -12256,14 +12655,14 @@
         </p:sp>
         <p:sp>
           <p:nvSpPr>
-            <p:cNvPr id="170" name=""/>
+            <p:cNvPr id="171" name=""/>
             <p:cNvSpPr/>
             <p:nvPr/>
           </p:nvSpPr>
           <p:spPr>
             <a:xfrm>
               <a:off x="2286000" y="5257440"/>
-              <a:ext cx="5485320" cy="1932480"/>
+              <a:ext cx="5484960" cy="1932120"/>
             </a:xfrm>
             <a:prstGeom prst="rect">
               <a:avLst/>
@@ -12283,14 +12682,14 @@
       </p:grpSp>
       <p:sp>
         <p:nvSpPr>
-          <p:cNvPr id="171" name="TextBox 93"/>
+          <p:cNvPr id="172" name="TextBox 89"/>
           <p:cNvSpPr/>
           <p:nvPr/>
         </p:nvSpPr>
         <p:spPr>
           <a:xfrm>
             <a:off x="2665080" y="4343400"/>
-            <a:ext cx="6249600" cy="609120"/>
+            <a:ext cx="6249240" cy="609120"/>
           </a:xfrm>
           <a:prstGeom prst="rect">
             <a:avLst/>
@@ -12349,14 +12748,14 @@
       </p:sp>
       <p:sp>
         <p:nvSpPr>
-          <p:cNvPr id="172" name="TextBox 95"/>
+          <p:cNvPr id="173" name="TextBox 91"/>
           <p:cNvSpPr/>
           <p:nvPr/>
         </p:nvSpPr>
         <p:spPr>
           <a:xfrm>
             <a:off x="3753360" y="1688400"/>
-            <a:ext cx="10779120" cy="944280"/>
+            <a:ext cx="10778760" cy="944280"/>
           </a:xfrm>
           <a:prstGeom prst="rect">
             <a:avLst/>
@@ -12421,14 +12820,14 @@
       </p:sp>
       <p:sp>
         <p:nvSpPr>
-          <p:cNvPr id="173" name=""/>
+          <p:cNvPr id="174" name=""/>
           <p:cNvSpPr/>
           <p:nvPr/>
         </p:nvSpPr>
         <p:spPr>
           <a:xfrm>
             <a:off x="2514600" y="5257800"/>
-            <a:ext cx="7085880" cy="3199680"/>
+            <a:ext cx="7085520" cy="3199320"/>
           </a:xfrm>
           <a:prstGeom prst="rect">
             <a:avLst/>
@@ -12463,7 +12862,7 @@
                 <a:latin typeface="Arial"/>
                 <a:ea typeface="DejaVu Sans"/>
               </a:rPr>
-              <a:t>44.1kHz</a:t>
+              <a:t>Speech to Text </a:t>
             </a:r>
             <a:r>
               <a:rPr b="0" lang="zh-CN" sz="2000" spc="-1" strike="noStrike">
@@ -12473,7 +12872,7 @@
                 <a:latin typeface="Arial"/>
                 <a:ea typeface="DejaVu Sans"/>
               </a:rPr>
-              <a:t>로 녹음 후 </a:t>
+              <a:t>모델의 </a:t>
             </a:r>
             <a:r>
               <a:rPr b="0" lang="en-US" sz="2000" spc="-1" strike="noStrike">
@@ -12483,17 +12882,28 @@
                 <a:latin typeface="Arial"/>
                 <a:ea typeface="DejaVu Sans"/>
               </a:rPr>
-              <a:t>ffmpeg</a:t>
-            </a:r>
-            <a:r>
-              <a:rPr b="0" lang="zh-CN" sz="2000" spc="-1" strike="noStrike">
+              <a:t>input format</a:t>
+            </a:r>
+            <a:endParaRPr b="0" lang="en-US" sz="2000" spc="-1" strike="noStrike">
+              <a:latin typeface="Arial"/>
+            </a:endParaRPr>
+          </a:p>
+          <a:p>
+            <a:pPr>
+              <a:lnSpc>
+                <a:spcPct val="100000"/>
+              </a:lnSpc>
+              <a:buNone/>
+            </a:pPr>
+            <a:r>
+              <a:rPr b="0" lang="en-US" sz="2000" spc="-1" strike="noStrike">
                 <a:solidFill>
                   <a:srgbClr val="000000"/>
                 </a:solidFill>
                 <a:latin typeface="Arial"/>
                 <a:ea typeface="DejaVu Sans"/>
               </a:rPr>
-              <a:t>으로 변환</a:t>
+              <a:t>(16-bit, 16kHz, mono-channel, wave format)</a:t>
             </a:r>
             <a:endParaRPr b="0" lang="en-US" sz="2000" spc="-1" strike="noStrike">
               <a:latin typeface="Arial"/>
@@ -12525,7 +12935,49 @@
                 <a:latin typeface="Arial"/>
                 <a:ea typeface="DejaVu Sans"/>
               </a:rPr>
-              <a:t>마이크 모델 변경으로 음성 품질 향상</a:t>
+              <a:t>웹캠의 마이크 녹음 시 노이즈가 심함</a:t>
+            </a:r>
+            <a:endParaRPr b="0" lang="en-US" sz="2000" spc="-1" strike="noStrike">
+              <a:latin typeface="Arial"/>
+            </a:endParaRPr>
+          </a:p>
+          <a:p>
+            <a:pPr>
+              <a:lnSpc>
+                <a:spcPct val="100000"/>
+              </a:lnSpc>
+              <a:buNone/>
+            </a:pPr>
+            <a:endParaRPr b="0" lang="en-US" sz="2000" spc="-1" strike="noStrike">
+              <a:latin typeface="Arial"/>
+            </a:endParaRPr>
+          </a:p>
+          <a:p>
+            <a:pPr>
+              <a:lnSpc>
+                <a:spcPct val="100000"/>
+              </a:lnSpc>
+              <a:buNone/>
+            </a:pPr>
+            <a:r>
+              <a:rPr b="0" lang="en-US" sz="2000" spc="-1" strike="noStrike">
+                <a:solidFill>
+                  <a:srgbClr val="000000"/>
+                </a:solidFill>
+                <a:latin typeface="Arial"/>
+                <a:ea typeface="DejaVu Sans"/>
+              </a:rPr>
+              <a:t>16kHz </a:t>
+            </a:r>
+            <a:r>
+              <a:rPr b="0" lang="zh-CN" sz="2000" spc="-1" strike="noStrike">
+                <a:solidFill>
+                  <a:srgbClr val="000000"/>
+                </a:solidFill>
+                <a:latin typeface="Arial"/>
+                <a:ea typeface="DejaVu Sans"/>
+              </a:rPr>
+              <a:t>녹음 시 음성 끊김  </a:t>
             </a:r>
             <a:endParaRPr b="0" lang="en-US" sz="2000" spc="-1" strike="noStrike">
               <a:latin typeface="Arial"/>
@@ -12535,7 +12987,7 @@
       </p:sp>
       <p:pic>
         <p:nvPicPr>
-          <p:cNvPr id="174" name="" descr=""/>
+          <p:cNvPr id="175" name="" descr=""/>
           <p:cNvPicPr/>
           <p:nvPr/>
         </p:nvPicPr>
@@ -12545,8 +12997,8 @@
         </p:blipFill>
         <p:spPr>
           <a:xfrm>
-            <a:off x="9601200" y="4174200"/>
-            <a:ext cx="1633680" cy="1540080"/>
+            <a:off x="8001000" y="3886200"/>
+            <a:ext cx="8151840" cy="5081040"/>
           </a:xfrm>
           <a:prstGeom prst="rect">
             <a:avLst/>
@@ -12556,111 +13008,6 @@
           </a:ln>
         </p:spPr>
       </p:pic>
-      <p:pic>
-        <p:nvPicPr>
-          <p:cNvPr id="175" name="" descr=""/>
-          <p:cNvPicPr/>
-          <p:nvPr/>
-        </p:nvPicPr>
-        <p:blipFill>
-          <a:blip r:embed="rId2"/>
-          <a:stretch/>
-        </p:blipFill>
-        <p:spPr>
-          <a:xfrm>
-            <a:off x="4572000" y="6629400"/>
-            <a:ext cx="9030600" cy="2412360"/>
-          </a:xfrm>
-          <a:prstGeom prst="rect">
-            <a:avLst/>
-          </a:prstGeom>
-          <a:ln w="0">
-            <a:noFill/>
-          </a:ln>
-        </p:spPr>
-      </p:pic>
-      <p:pic>
-        <p:nvPicPr>
-          <p:cNvPr id="176" name="" descr=""/>
-          <p:cNvPicPr/>
-          <p:nvPr/>
-        </p:nvPicPr>
-        <p:blipFill>
-          <a:blip r:embed="rId3"/>
-          <a:stretch/>
-        </p:blipFill>
-        <p:spPr>
-          <a:xfrm>
-            <a:off x="12714840" y="4124880"/>
-            <a:ext cx="1686240" cy="1589400"/>
-          </a:xfrm>
-          <a:prstGeom prst="rect">
-            <a:avLst/>
-          </a:prstGeom>
-          <a:ln w="0">
-            <a:noFill/>
-          </a:ln>
-        </p:spPr>
-      </p:pic>
-      <p:sp>
-        <p:nvSpPr>
-          <p:cNvPr id="177" name=""/>
-          <p:cNvSpPr/>
-          <p:nvPr/>
-        </p:nvSpPr>
-        <p:spPr>
-          <a:xfrm>
-            <a:off x="11201400" y="4343400"/>
-            <a:ext cx="1599480" cy="913680"/>
-          </a:xfrm>
-          <a:custGeom>
-            <a:avLst/>
-            <a:gdLst/>
-            <a:ahLst/>
-            <a:rect l="l" t="t" r="r" b="b"/>
-            <a:pathLst>
-              <a:path w="21600" h="21600">
-                <a:moveTo>
-                  <a:pt x="0" y="5400"/>
-                </a:moveTo>
-                <a:lnTo>
-                  <a:pt x="16200" y="5400"/>
-                </a:lnTo>
-                <a:lnTo>
-                  <a:pt x="16200" y="0"/>
-                </a:lnTo>
-                <a:lnTo>
-                  <a:pt x="21600" y="10800"/>
-                </a:lnTo>
-                <a:lnTo>
-                  <a:pt x="16200" y="21600"/>
-                </a:lnTo>
-                <a:lnTo>
-                  <a:pt x="16200" y="16200"/>
-                </a:lnTo>
-                <a:lnTo>
-                  <a:pt x="0" y="16200"/>
-                </a:lnTo>
-                <a:close/>
-              </a:path>
-            </a:pathLst>
-          </a:custGeom>
-          <a:solidFill>
-            <a:srgbClr val="808080"/>
-          </a:solidFill>
-          <a:ln w="0">
-            <a:solidFill>
-              <a:srgbClr val="808080"/>
-            </a:solidFill>
-          </a:ln>
-        </p:spPr>
-        <p:style>
-          <a:lnRef idx="0"/>
-          <a:fillRef idx="0"/>
-          <a:effectRef idx="0"/>
-          <a:fontRef idx="minor"/>
-        </p:style>
-      </p:sp>
     </p:spTree>
   </p:cSld>
   <mc:AlternateContent>
@@ -12700,28 +13047,28 @@
       </p:grpSpPr>
       <p:grpSp>
         <p:nvGrpSpPr>
-          <p:cNvPr id="178" name="Group 30"/>
+          <p:cNvPr id="176" name="Group 29"/>
           <p:cNvGrpSpPr/>
           <p:nvPr/>
         </p:nvGrpSpPr>
         <p:grpSpPr>
           <a:xfrm>
-            <a:off x="1617480" y="990360"/>
-            <a:ext cx="15087240" cy="1860840"/>
-            <a:chOff x="1617480" y="990360"/>
-            <a:chExt cx="15087240" cy="1860840"/>
+            <a:off x="1581480" y="990360"/>
+            <a:ext cx="15086880" cy="1860480"/>
+            <a:chOff x="1581480" y="990360"/>
+            <a:chExt cx="15086880" cy="1860480"/>
           </a:xfrm>
         </p:grpSpPr>
         <p:sp>
           <p:nvSpPr>
-            <p:cNvPr id="179" name="Freeform 25"/>
+            <p:cNvPr id="177" name="Freeform 24"/>
             <p:cNvSpPr/>
             <p:nvPr/>
           </p:nvSpPr>
           <p:spPr>
             <a:xfrm>
-              <a:off x="1617480" y="1356480"/>
-              <a:ext cx="15087240" cy="1494720"/>
+              <a:off x="1581480" y="1356480"/>
+              <a:ext cx="15086880" cy="1494360"/>
             </a:xfrm>
             <a:custGeom>
               <a:avLst/>
@@ -12762,14 +13109,14 @@
         </p:sp>
         <p:sp>
           <p:nvSpPr>
-            <p:cNvPr id="180" name="TextBox 40"/>
+            <p:cNvPr id="178" name="TextBox 39"/>
             <p:cNvSpPr/>
             <p:nvPr/>
           </p:nvSpPr>
           <p:spPr>
             <a:xfrm>
-              <a:off x="1617480" y="990360"/>
-              <a:ext cx="15087240" cy="1860840"/>
+              <a:off x="1581480" y="990360"/>
+              <a:ext cx="15086880" cy="1860480"/>
             </a:xfrm>
             <a:prstGeom prst="rect">
               <a:avLst/>
@@ -12789,28 +13136,28 @@
       </p:grpSp>
       <p:grpSp>
         <p:nvGrpSpPr>
-          <p:cNvPr id="181" name="Group 47"/>
+          <p:cNvPr id="179" name="Group 45"/>
           <p:cNvGrpSpPr/>
           <p:nvPr/>
         </p:nvGrpSpPr>
         <p:grpSpPr>
           <a:xfrm>
             <a:off x="1600200" y="2971440"/>
-            <a:ext cx="15094440" cy="6856560"/>
+            <a:ext cx="15094080" cy="6856200"/>
             <a:chOff x="1600200" y="2971440"/>
-            <a:chExt cx="15094440" cy="6856560"/>
+            <a:chExt cx="15094080" cy="6856200"/>
           </a:xfrm>
         </p:grpSpPr>
         <p:sp>
           <p:nvSpPr>
-            <p:cNvPr id="182" name="Freeform 46"/>
+            <p:cNvPr id="180" name="Freeform 44"/>
             <p:cNvSpPr/>
             <p:nvPr/>
           </p:nvSpPr>
           <p:spPr>
             <a:xfrm>
               <a:off x="1600200" y="3273120"/>
-              <a:ext cx="15094440" cy="6554880"/>
+              <a:ext cx="15094080" cy="6554520"/>
             </a:xfrm>
             <a:custGeom>
               <a:avLst/>
@@ -12894,14 +13241,14 @@
         </p:sp>
         <p:sp>
           <p:nvSpPr>
-            <p:cNvPr id="183" name="TextBox 96"/>
+            <p:cNvPr id="181" name="TextBox 92"/>
             <p:cNvSpPr/>
             <p:nvPr/>
           </p:nvSpPr>
           <p:spPr>
             <a:xfrm>
               <a:off x="1600200" y="2971440"/>
-              <a:ext cx="15094440" cy="6856200"/>
+              <a:ext cx="15094080" cy="6855840"/>
             </a:xfrm>
             <a:prstGeom prst="rect">
               <a:avLst/>
@@ -12920,14 +13267,14 @@
         </p:sp>
         <p:sp>
           <p:nvSpPr>
-            <p:cNvPr id="184" name=""/>
+            <p:cNvPr id="182" name=""/>
             <p:cNvSpPr/>
             <p:nvPr/>
           </p:nvSpPr>
           <p:spPr>
             <a:xfrm>
               <a:off x="2286000" y="5257440"/>
-              <a:ext cx="5485320" cy="1932480"/>
+              <a:ext cx="5484960" cy="1932120"/>
             </a:xfrm>
             <a:prstGeom prst="rect">
               <a:avLst/>
@@ -12947,14 +13294,14 @@
       </p:grpSp>
       <p:sp>
         <p:nvSpPr>
-          <p:cNvPr id="185" name="TextBox 97"/>
+          <p:cNvPr id="183" name="TextBox 93"/>
           <p:cNvSpPr/>
           <p:nvPr/>
         </p:nvSpPr>
         <p:spPr>
           <a:xfrm>
             <a:off x="2665080" y="4343400"/>
-            <a:ext cx="6249600" cy="609120"/>
+            <a:ext cx="6249240" cy="609120"/>
           </a:xfrm>
           <a:prstGeom prst="rect">
             <a:avLst/>
@@ -13003,7 +13350,7 @@
                 <a:latin typeface="Montserrat Semi-Bold"/>
                 <a:ea typeface="DejaVu Sans"/>
               </a:rPr>
-              <a:t>코드 통합</a:t>
+              <a:t>음성 녹음</a:t>
             </a:r>
             <a:endParaRPr b="0" lang="en-US" sz="4000" spc="-1" strike="noStrike">
               <a:latin typeface="Arial"/>
@@ -13013,14 +13360,14 @@
       </p:sp>
       <p:sp>
         <p:nvSpPr>
-          <p:cNvPr id="186" name="TextBox 99"/>
+          <p:cNvPr id="184" name="TextBox 95"/>
           <p:cNvSpPr/>
           <p:nvPr/>
         </p:nvSpPr>
         <p:spPr>
           <a:xfrm>
             <a:off x="3753360" y="1688400"/>
-            <a:ext cx="10779120" cy="944280"/>
+            <a:ext cx="10778760" cy="944280"/>
           </a:xfrm>
           <a:prstGeom prst="rect">
             <a:avLst/>
@@ -13075,7 +13422,7 @@
                 <a:latin typeface="Montserrat Semi-Bold"/>
                 <a:ea typeface="DejaVu Sans"/>
               </a:rPr>
-              <a:t>코드 통합 </a:t>
+              <a:t>음성 인식</a:t>
             </a:r>
             <a:endParaRPr b="0" lang="en-US" sz="6200" spc="-1" strike="noStrike">
               <a:latin typeface="Arial"/>
@@ -13085,14 +13432,14 @@
       </p:sp>
       <p:sp>
         <p:nvSpPr>
-          <p:cNvPr id="187" name=""/>
+          <p:cNvPr id="185" name=""/>
           <p:cNvSpPr/>
           <p:nvPr/>
         </p:nvSpPr>
         <p:spPr>
           <a:xfrm>
             <a:off x="2514600" y="5257800"/>
-            <a:ext cx="7085880" cy="3199680"/>
+            <a:ext cx="7085520" cy="3199320"/>
           </a:xfrm>
           <a:prstGeom prst="rect">
             <a:avLst/>
@@ -13127,7 +13474,7 @@
                 <a:latin typeface="Arial"/>
                 <a:ea typeface="DejaVu Sans"/>
               </a:rPr>
-              <a:t>Script shell </a:t>
+              <a:t>44.1kHz</a:t>
             </a:r>
             <a:r>
               <a:rPr b="0" lang="zh-CN" sz="2000" spc="-1" strike="noStrike">
@@ -13137,7 +13484,7 @@
                 <a:latin typeface="Arial"/>
                 <a:ea typeface="DejaVu Sans"/>
               </a:rPr>
-              <a:t>명령어 형식의 </a:t>
+              <a:t>로 녹음 후 </a:t>
             </a:r>
             <a:r>
               <a:rPr b="0" lang="en-US" sz="2000" spc="-1" strike="noStrike">
@@ -13147,7 +13494,7 @@
                 <a:latin typeface="Arial"/>
                 <a:ea typeface="DejaVu Sans"/>
               </a:rPr>
-              <a:t>.sh</a:t>
+              <a:t>ffmpeg</a:t>
             </a:r>
             <a:r>
               <a:rPr b="0" lang="zh-CN" sz="2000" spc="-1" strike="noStrike">
@@ -13157,14 +13504,92 @@
                 <a:latin typeface="Arial"/>
                 <a:ea typeface="DejaVu Sans"/>
               </a:rPr>
-              <a:t>파일로 각 코드 순차적 실행</a:t>
+              <a:t>으로 변환</a:t>
             </a:r>
             <a:endParaRPr b="0" lang="en-US" sz="2000" spc="-1" strike="noStrike">
               <a:latin typeface="Arial"/>
             </a:endParaRPr>
           </a:p>
-        </p:txBody>
-      </p:sp>
+          <a:p>
+            <a:pPr>
+              <a:lnSpc>
+                <a:spcPct val="100000"/>
+              </a:lnSpc>
+              <a:buNone/>
+            </a:pPr>
+            <a:endParaRPr b="0" lang="en-US" sz="2000" spc="-1" strike="noStrike">
+              <a:latin typeface="Arial"/>
+            </a:endParaRPr>
+          </a:p>
+          <a:p>
+            <a:pPr>
+              <a:lnSpc>
+                <a:spcPct val="100000"/>
+              </a:lnSpc>
+              <a:buNone/>
+            </a:pPr>
+            <a:r>
+              <a:rPr b="0" lang="zh-CN" sz="2000" spc="-1" strike="noStrike">
+                <a:solidFill>
+                  <a:srgbClr val="000000"/>
+                </a:solidFill>
+                <a:latin typeface="Arial"/>
+                <a:ea typeface="DejaVu Sans"/>
+              </a:rPr>
+              <a:t>마이크 모델 변경으로 음성 품질 향상</a:t>
+            </a:r>
+            <a:endParaRPr b="0" lang="en-US" sz="2000" spc="-1" strike="noStrike">
+              <a:latin typeface="Arial"/>
+            </a:endParaRPr>
+          </a:p>
+        </p:txBody>
+      </p:sp>
+      <p:pic>
+        <p:nvPicPr>
+          <p:cNvPr id="186" name="" descr=""/>
+          <p:cNvPicPr/>
+          <p:nvPr/>
+        </p:nvPicPr>
+        <p:blipFill>
+          <a:blip r:embed="rId1"/>
+          <a:stretch/>
+        </p:blipFill>
+        <p:spPr>
+          <a:xfrm>
+            <a:off x="9601200" y="4174200"/>
+            <a:ext cx="1633320" cy="1539720"/>
+          </a:xfrm>
+          <a:prstGeom prst="rect">
+            <a:avLst/>
+          </a:prstGeom>
+          <a:ln w="0">
+            <a:noFill/>
+          </a:ln>
+        </p:spPr>
+      </p:pic>
+      <p:pic>
+        <p:nvPicPr>
+          <p:cNvPr id="187" name="" descr=""/>
+          <p:cNvPicPr/>
+          <p:nvPr/>
+        </p:nvPicPr>
+        <p:blipFill>
+          <a:blip r:embed="rId2"/>
+          <a:stretch/>
+        </p:blipFill>
+        <p:spPr>
+          <a:xfrm>
+            <a:off x="4572000" y="6629400"/>
+            <a:ext cx="9030240" cy="2412000"/>
+          </a:xfrm>
+          <a:prstGeom prst="rect">
+            <a:avLst/>
+          </a:prstGeom>
+          <a:ln w="0">
+            <a:noFill/>
+          </a:ln>
+        </p:spPr>
+      </p:pic>
       <p:pic>
         <p:nvPicPr>
           <p:cNvPr id="188" name="" descr=""/>
@@ -13172,13 +13597,13 @@
           <p:nvPr/>
         </p:nvPicPr>
         <p:blipFill>
-          <a:blip r:embed="rId1"/>
+          <a:blip r:embed="rId3"/>
           <a:stretch/>
         </p:blipFill>
         <p:spPr>
           <a:xfrm>
-            <a:off x="3657600" y="6115320"/>
-            <a:ext cx="11762280" cy="3485160"/>
+            <a:off x="12714840" y="4124880"/>
+            <a:ext cx="1685880" cy="1589040"/>
           </a:xfrm>
           <a:prstGeom prst="rect">
             <a:avLst/>
@@ -13188,6 +13613,65 @@
           </a:ln>
         </p:spPr>
       </p:pic>
+      <p:sp>
+        <p:nvSpPr>
+          <p:cNvPr id="189" name=""/>
+          <p:cNvSpPr/>
+          <p:nvPr/>
+        </p:nvSpPr>
+        <p:spPr>
+          <a:xfrm>
+            <a:off x="11201400" y="4343400"/>
+            <a:ext cx="1599120" cy="913320"/>
+          </a:xfrm>
+          <a:custGeom>
+            <a:avLst/>
+            <a:gdLst/>
+            <a:ahLst/>
+            <a:rect l="l" t="t" r="r" b="b"/>
+            <a:pathLst>
+              <a:path w="21600" h="21600">
+                <a:moveTo>
+                  <a:pt x="0" y="5400"/>
+                </a:moveTo>
+                <a:lnTo>
+                  <a:pt x="16200" y="5400"/>
+                </a:lnTo>
+                <a:lnTo>
+                  <a:pt x="16200" y="0"/>
+                </a:lnTo>
+                <a:lnTo>
+                  <a:pt x="21600" y="10800"/>
+                </a:lnTo>
+                <a:lnTo>
+                  <a:pt x="16200" y="21600"/>
+                </a:lnTo>
+                <a:lnTo>
+                  <a:pt x="16200" y="16200"/>
+                </a:lnTo>
+                <a:lnTo>
+                  <a:pt x="0" y="16200"/>
+                </a:lnTo>
+                <a:close/>
+              </a:path>
+            </a:pathLst>
+          </a:custGeom>
+          <a:solidFill>
+            <a:srgbClr val="808080"/>
+          </a:solidFill>
+          <a:ln w="0">
+            <a:solidFill>
+              <a:srgbClr val="808080"/>
+            </a:solidFill>
+          </a:ln>
+        </p:spPr>
+        <p:style>
+          <a:lnRef idx="0"/>
+          <a:fillRef idx="0"/>
+          <a:effectRef idx="0"/>
+          <a:fontRef idx="minor"/>
+        </p:style>
+      </p:sp>
     </p:spTree>
   </p:cSld>
   <mc:AlternateContent>
